--- a/산출문서/화면설계서_서식(1조. HappyVirus).pptx
+++ b/산출문서/화면설계서_서식(1조. HappyVirus).pptx
@@ -5,23 +5,24 @@
     <p:sldMasterId id="2147483660" r:id="rId1"/>
   </p:sldMasterIdLst>
   <p:notesMasterIdLst>
-    <p:notesMasterId r:id="rId16"/>
+    <p:notesMasterId r:id="rId17"/>
   </p:notesMasterIdLst>
   <p:sldIdLst>
     <p:sldId id="257" r:id="rId2"/>
     <p:sldId id="299" r:id="rId3"/>
     <p:sldId id="300" r:id="rId4"/>
-    <p:sldId id="304" r:id="rId5"/>
-    <p:sldId id="301" r:id="rId6"/>
-    <p:sldId id="302" r:id="rId7"/>
-    <p:sldId id="305" r:id="rId8"/>
-    <p:sldId id="306" r:id="rId9"/>
-    <p:sldId id="307" r:id="rId10"/>
-    <p:sldId id="308" r:id="rId11"/>
-    <p:sldId id="309" r:id="rId12"/>
-    <p:sldId id="310" r:id="rId13"/>
-    <p:sldId id="311" r:id="rId14"/>
-    <p:sldId id="312" r:id="rId15"/>
+    <p:sldId id="313" r:id="rId5"/>
+    <p:sldId id="307" r:id="rId6"/>
+    <p:sldId id="304" r:id="rId7"/>
+    <p:sldId id="301" r:id="rId8"/>
+    <p:sldId id="302" r:id="rId9"/>
+    <p:sldId id="305" r:id="rId10"/>
+    <p:sldId id="306" r:id="rId11"/>
+    <p:sldId id="308" r:id="rId12"/>
+    <p:sldId id="309" r:id="rId13"/>
+    <p:sldId id="310" r:id="rId14"/>
+    <p:sldId id="311" r:id="rId15"/>
+    <p:sldId id="312" r:id="rId16"/>
   </p:sldIdLst>
   <p:sldSz cx="9906000" cy="6858000" type="A4"/>
   <p:notesSz cx="6858000" cy="9144000"/>
@@ -210,7 +211,7 @@
           <a:p>
             <a:fld id="{A7E5D514-4841-4DBD-89D8-5BD5E2EF99F8}" type="datetimeFigureOut">
               <a:rPr lang="ko-KR" altLang="en-US" smtClean="0"/>
-              <a:t>2022-12-09</a:t>
+              <a:t>2022-12-10</a:t>
             </a:fld>
             <a:endParaRPr lang="ko-KR" altLang="en-US"/>
           </a:p>
@@ -804,7 +805,7 @@
           <a:p>
             <a:fld id="{C0F51B65-CB5E-424A-A210-7B3C910D82A4}" type="datetimeFigureOut">
               <a:rPr lang="ko-KR" altLang="en-US" smtClean="0"/>
-              <a:t>2022-12-09</a:t>
+              <a:t>2022-12-10</a:t>
             </a:fld>
             <a:endParaRPr lang="ko-KR" altLang="en-US"/>
           </a:p>
@@ -974,7 +975,7 @@
           <a:p>
             <a:fld id="{C0F51B65-CB5E-424A-A210-7B3C910D82A4}" type="datetimeFigureOut">
               <a:rPr lang="ko-KR" altLang="en-US" smtClean="0"/>
-              <a:t>2022-12-09</a:t>
+              <a:t>2022-12-10</a:t>
             </a:fld>
             <a:endParaRPr lang="ko-KR" altLang="en-US"/>
           </a:p>
@@ -1154,7 +1155,7 @@
           <a:p>
             <a:fld id="{C0F51B65-CB5E-424A-A210-7B3C910D82A4}" type="datetimeFigureOut">
               <a:rPr lang="ko-KR" altLang="en-US" smtClean="0"/>
-              <a:t>2022-12-09</a:t>
+              <a:t>2022-12-10</a:t>
             </a:fld>
             <a:endParaRPr lang="ko-KR" altLang="en-US"/>
           </a:p>
@@ -1324,7 +1325,7 @@
           <a:p>
             <a:fld id="{C0F51B65-CB5E-424A-A210-7B3C910D82A4}" type="datetimeFigureOut">
               <a:rPr lang="ko-KR" altLang="en-US" smtClean="0"/>
-              <a:t>2022-12-09</a:t>
+              <a:t>2022-12-10</a:t>
             </a:fld>
             <a:endParaRPr lang="ko-KR" altLang="en-US"/>
           </a:p>
@@ -1568,7 +1569,7 @@
           <a:p>
             <a:fld id="{C0F51B65-CB5E-424A-A210-7B3C910D82A4}" type="datetimeFigureOut">
               <a:rPr lang="ko-KR" altLang="en-US" smtClean="0"/>
-              <a:t>2022-12-09</a:t>
+              <a:t>2022-12-10</a:t>
             </a:fld>
             <a:endParaRPr lang="ko-KR" altLang="en-US"/>
           </a:p>
@@ -1800,7 +1801,7 @@
           <a:p>
             <a:fld id="{C0F51B65-CB5E-424A-A210-7B3C910D82A4}" type="datetimeFigureOut">
               <a:rPr lang="ko-KR" altLang="en-US" smtClean="0"/>
-              <a:t>2022-12-09</a:t>
+              <a:t>2022-12-10</a:t>
             </a:fld>
             <a:endParaRPr lang="ko-KR" altLang="en-US"/>
           </a:p>
@@ -2167,7 +2168,7 @@
           <a:p>
             <a:fld id="{C0F51B65-CB5E-424A-A210-7B3C910D82A4}" type="datetimeFigureOut">
               <a:rPr lang="ko-KR" altLang="en-US" smtClean="0"/>
-              <a:t>2022-12-09</a:t>
+              <a:t>2022-12-10</a:t>
             </a:fld>
             <a:endParaRPr lang="ko-KR" altLang="en-US"/>
           </a:p>
@@ -2285,7 +2286,7 @@
           <a:p>
             <a:fld id="{C0F51B65-CB5E-424A-A210-7B3C910D82A4}" type="datetimeFigureOut">
               <a:rPr lang="ko-KR" altLang="en-US" smtClean="0"/>
-              <a:t>2022-12-09</a:t>
+              <a:t>2022-12-10</a:t>
             </a:fld>
             <a:endParaRPr lang="ko-KR" altLang="en-US"/>
           </a:p>
@@ -2380,7 +2381,7 @@
           <a:p>
             <a:fld id="{C0F51B65-CB5E-424A-A210-7B3C910D82A4}" type="datetimeFigureOut">
               <a:rPr lang="ko-KR" altLang="en-US" smtClean="0"/>
-              <a:t>2022-12-09</a:t>
+              <a:t>2022-12-10</a:t>
             </a:fld>
             <a:endParaRPr lang="ko-KR" altLang="en-US"/>
           </a:p>
@@ -2657,7 +2658,7 @@
           <a:p>
             <a:fld id="{C0F51B65-CB5E-424A-A210-7B3C910D82A4}" type="datetimeFigureOut">
               <a:rPr lang="ko-KR" altLang="en-US" smtClean="0"/>
-              <a:t>2022-12-09</a:t>
+              <a:t>2022-12-10</a:t>
             </a:fld>
             <a:endParaRPr lang="ko-KR" altLang="en-US"/>
           </a:p>
@@ -2914,7 +2915,7 @@
           <a:p>
             <a:fld id="{C0F51B65-CB5E-424A-A210-7B3C910D82A4}" type="datetimeFigureOut">
               <a:rPr lang="ko-KR" altLang="en-US" smtClean="0"/>
-              <a:t>2022-12-09</a:t>
+              <a:t>2022-12-10</a:t>
             </a:fld>
             <a:endParaRPr lang="ko-KR" altLang="en-US"/>
           </a:p>
@@ -3127,7 +3128,7 @@
           <a:p>
             <a:fld id="{C0F51B65-CB5E-424A-A210-7B3C910D82A4}" type="datetimeFigureOut">
               <a:rPr lang="ko-KR" altLang="en-US" smtClean="0"/>
-              <a:t>2022-12-09</a:t>
+              <a:t>2022-12-10</a:t>
             </a:fld>
             <a:endParaRPr lang="ko-KR" altLang="en-US"/>
           </a:p>
@@ -3553,7 +3554,10 @@
             <a:avLst/>
           </a:prstGeom>
           <a:solidFill>
-            <a:srgbClr val="0090D0"/>
+            <a:schemeClr val="accent1">
+              <a:lumMod val="40000"/>
+              <a:lumOff val="60000"/>
+            </a:schemeClr>
           </a:solidFill>
           <a:ln>
             <a:noFill/>
@@ -3599,7 +3603,7 @@
         <p:spPr>
           <a:xfrm>
             <a:off x="612395" y="1270933"/>
-            <a:ext cx="5404043" cy="1538883"/>
+            <a:ext cx="6814686" cy="1538883"/>
           </a:xfrm>
           <a:prstGeom prst="rect">
             <a:avLst/>
@@ -3618,6 +3622,22 @@
                   <a:schemeClr val="bg1"/>
                 </a:solidFill>
               </a:rPr>
+              <a:t>과제명</a:t>
+            </a:r>
+            <a:r>
+              <a:rPr lang="en-US" altLang="ko-KR" sz="2000" b="1" dirty="0">
+                <a:solidFill>
+                  <a:schemeClr val="bg1"/>
+                </a:solidFill>
+              </a:rPr>
+              <a:t>: </a:t>
+            </a:r>
+            <a:r>
+              <a:rPr lang="ko-KR" altLang="en-US" sz="2000" b="1" dirty="0">
+                <a:solidFill>
+                  <a:schemeClr val="bg1"/>
+                </a:solidFill>
+              </a:rPr>
               <a:t>ㅁㅈㅁㅈ</a:t>
             </a:r>
             <a:endParaRPr lang="en-US" altLang="ko-KR" sz="2000" b="1" dirty="0">
@@ -3633,7 +3653,23 @@
                   <a:schemeClr val="bg1"/>
                 </a:solidFill>
               </a:rPr>
-              <a:t>이미지를 통한 상품검색 및 구입 서비스 플랫폼</a:t>
+              <a:t>부제</a:t>
+            </a:r>
+            <a:r>
+              <a:rPr lang="en-US" altLang="ko-KR" sz="2000" b="1" dirty="0">
+                <a:solidFill>
+                  <a:schemeClr val="bg1"/>
+                </a:solidFill>
+              </a:rPr>
+              <a:t>: </a:t>
+            </a:r>
+            <a:r>
+              <a:rPr lang="ko-KR" altLang="en-US" sz="2000" b="1" dirty="0">
+                <a:solidFill>
+                  <a:schemeClr val="bg1"/>
+                </a:solidFill>
+              </a:rPr>
+              <a:t>좋아하는 연예인의 착용 제품을 찾아주는 쇼핑 플랫폼 </a:t>
             </a:r>
             <a:endParaRPr lang="en-US" altLang="ko-KR" sz="2000" b="1" dirty="0">
               <a:solidFill>
@@ -3731,7 +3767,10 @@
             <a:r>
               <a:rPr lang="ko-KR" altLang="en-US" b="1" dirty="0">
                 <a:solidFill>
-                  <a:srgbClr val="0090D0"/>
+                  <a:schemeClr val="tx2">
+                    <a:lumMod val="60000"/>
+                    <a:lumOff val="40000"/>
+                  </a:schemeClr>
                 </a:solidFill>
               </a:rPr>
               <a:t>팀명 </a:t>
@@ -3739,10 +3778,17 @@
             <a:r>
               <a:rPr lang="en-US" altLang="ko-KR" b="1" dirty="0">
                 <a:solidFill>
-                  <a:srgbClr val="0090D0"/>
+                  <a:schemeClr val="tx2">
+                    <a:lumMod val="60000"/>
+                    <a:lumOff val="40000"/>
+                  </a:schemeClr>
                 </a:solidFill>
               </a:rPr>
-              <a:t>: HAPPYVIRUS</a:t>
+              <a:t>: </a:t>
+            </a:r>
+            <a:r>
+              <a:rPr lang="en-US" altLang="ko-KR" b="1" dirty="0"/>
+              <a:t>HAPPYVIRUS</a:t>
             </a:r>
             <a:endParaRPr lang="en-US" altLang="ko-KR" dirty="0"/>
           </a:p>
@@ -3751,7 +3797,10 @@
             <a:r>
               <a:rPr lang="ko-KR" altLang="en-US" b="1" dirty="0">
                 <a:solidFill>
-                  <a:srgbClr val="0090D0"/>
+                  <a:schemeClr val="tx2">
+                    <a:lumMod val="60000"/>
+                    <a:lumOff val="40000"/>
+                  </a:schemeClr>
                 </a:solidFill>
               </a:rPr>
               <a:t>팀원 </a:t>
@@ -3759,7 +3808,10 @@
             <a:r>
               <a:rPr lang="en-US" altLang="ko-KR" b="1" dirty="0">
                 <a:solidFill>
-                  <a:srgbClr val="0090D0"/>
+                  <a:schemeClr val="tx2">
+                    <a:lumMod val="60000"/>
+                    <a:lumOff val="40000"/>
+                  </a:schemeClr>
                 </a:solidFill>
               </a:rPr>
               <a:t>:</a:t>
@@ -3767,73 +3819,48 @@
             <a:r>
               <a:rPr lang="ko-KR" altLang="en-US" b="1" dirty="0">
                 <a:solidFill>
-                  <a:srgbClr val="0090D0"/>
+                  <a:schemeClr val="tx2">
+                    <a:lumMod val="60000"/>
+                    <a:lumOff val="40000"/>
+                  </a:schemeClr>
                 </a:solidFill>
               </a:rPr>
-              <a:t> 강은정</a:t>
-            </a:r>
-            <a:r>
-              <a:rPr lang="en-US" altLang="ko-KR" b="1" dirty="0">
-                <a:solidFill>
-                  <a:srgbClr val="0090D0"/>
-                </a:solidFill>
-              </a:rPr>
+              <a:t> </a:t>
+            </a:r>
+            <a:r>
+              <a:rPr lang="ko-KR" altLang="en-US" b="1" dirty="0"/>
+              <a:t>강은정</a:t>
+            </a:r>
+            <a:r>
+              <a:rPr lang="en-US" altLang="ko-KR" b="1" dirty="0"/>
               <a:t>/</a:t>
             </a:r>
             <a:r>
-              <a:rPr lang="ko-KR" altLang="en-US" b="1" dirty="0">
-                <a:solidFill>
-                  <a:srgbClr val="0090D0"/>
-                </a:solidFill>
-              </a:rPr>
+              <a:rPr lang="ko-KR" altLang="en-US" b="1" dirty="0"/>
               <a:t>김윤호</a:t>
             </a:r>
             <a:r>
-              <a:rPr lang="en-US" altLang="ko-KR" b="1" dirty="0">
-                <a:solidFill>
-                  <a:srgbClr val="0090D0"/>
-                </a:solidFill>
-              </a:rPr>
+              <a:rPr lang="en-US" altLang="ko-KR" b="1" dirty="0"/>
               <a:t>/</a:t>
             </a:r>
             <a:r>
-              <a:rPr lang="ko-KR" altLang="en-US" b="1" dirty="0">
-                <a:solidFill>
-                  <a:srgbClr val="0090D0"/>
-                </a:solidFill>
-              </a:rPr>
+              <a:rPr lang="ko-KR" altLang="en-US" b="1" dirty="0"/>
               <a:t>이예지</a:t>
             </a:r>
             <a:r>
-              <a:rPr lang="en-US" altLang="ko-KR" b="1" dirty="0">
-                <a:solidFill>
-                  <a:srgbClr val="0090D0"/>
-                </a:solidFill>
-              </a:rPr>
+              <a:rPr lang="en-US" altLang="ko-KR" b="1" dirty="0"/>
               <a:t>/</a:t>
             </a:r>
             <a:r>
-              <a:rPr lang="ko-KR" altLang="en-US" b="1" dirty="0">
-                <a:solidFill>
-                  <a:srgbClr val="0090D0"/>
-                </a:solidFill>
-              </a:rPr>
+              <a:rPr lang="ko-KR" altLang="en-US" b="1" dirty="0"/>
               <a:t>문채원</a:t>
             </a:r>
             <a:r>
-              <a:rPr lang="en-US" altLang="ko-KR" b="1" dirty="0">
-                <a:solidFill>
-                  <a:srgbClr val="0090D0"/>
-                </a:solidFill>
-              </a:rPr>
+              <a:rPr lang="en-US" altLang="ko-KR" b="1" dirty="0"/>
               <a:t>/</a:t>
             </a:r>
             <a:r>
-              <a:rPr lang="ko-KR" altLang="en-US" b="1" dirty="0">
-                <a:solidFill>
-                  <a:srgbClr val="0090D0"/>
-                </a:solidFill>
-              </a:rPr>
+              <a:rPr lang="ko-KR" altLang="en-US" b="1" dirty="0"/>
               <a:t>권소현</a:t>
             </a:r>
             <a:endParaRPr lang="ko-KR" altLang="en-US" dirty="0"/>
@@ -3872,14 +3899,20 @@
             <a:r>
               <a:rPr lang="en-US" altLang="ko-KR" b="1" dirty="0">
                 <a:solidFill>
-                  <a:srgbClr val="0090D0"/>
+                  <a:schemeClr val="tx2">
+                    <a:lumMod val="60000"/>
+                    <a:lumOff val="40000"/>
+                  </a:schemeClr>
                 </a:solidFill>
               </a:rPr>
-              <a:t>2021. 01. 01</a:t>
+              <a:t>2022. 12. 11</a:t>
             </a:r>
             <a:endParaRPr lang="ko-KR" altLang="en-US" dirty="0">
               <a:solidFill>
-                <a:srgbClr val="0090D0"/>
+                <a:schemeClr val="tx2">
+                  <a:lumMod val="60000"/>
+                  <a:lumOff val="40000"/>
+                </a:schemeClr>
               </a:solidFill>
             </a:endParaRPr>
           </a:p>
@@ -3899,6 +3932,1200 @@
 </file>
 
 <file path=ppt/slides/slide10.xml><?xml version="1.0" encoding="utf-8"?>
+<p:sld xmlns:a="http://schemas.openxmlformats.org/drawingml/2006/main" xmlns:r="http://schemas.openxmlformats.org/officeDocument/2006/relationships" xmlns:p="http://schemas.openxmlformats.org/presentationml/2006/main">
+  <p:cSld>
+    <p:spTree>
+      <p:nvGrpSpPr>
+        <p:cNvPr id="1" name=""/>
+        <p:cNvGrpSpPr/>
+        <p:nvPr/>
+      </p:nvGrpSpPr>
+      <p:grpSpPr>
+        <a:xfrm>
+          <a:off x="0" y="0"/>
+          <a:ext cx="0" cy="0"/>
+          <a:chOff x="0" y="0"/>
+          <a:chExt cx="0" cy="0"/>
+        </a:xfrm>
+      </p:grpSpPr>
+      <p:sp>
+        <p:nvSpPr>
+          <p:cNvPr id="4" name="직사각형 3">
+            <a:extLst>
+              <a:ext uri="{FF2B5EF4-FFF2-40B4-BE49-F238E27FC236}">
+                <a16:creationId xmlns:a16="http://schemas.microsoft.com/office/drawing/2014/main" id="{17CCAA0A-5307-48D3-9858-F46440A1DFFF}"/>
+              </a:ext>
+            </a:extLst>
+          </p:cNvPr>
+          <p:cNvSpPr/>
+          <p:nvPr/>
+        </p:nvSpPr>
+        <p:spPr>
+          <a:xfrm>
+            <a:off x="0" y="2"/>
+            <a:ext cx="2743201" cy="6857996"/>
+          </a:xfrm>
+          <a:prstGeom prst="rect">
+            <a:avLst/>
+          </a:prstGeom>
+          <a:solidFill>
+            <a:schemeClr val="accent1">
+              <a:lumMod val="60000"/>
+              <a:lumOff val="40000"/>
+            </a:schemeClr>
+          </a:solidFill>
+          <a:ln>
+            <a:noFill/>
+          </a:ln>
+        </p:spPr>
+        <p:style>
+          <a:lnRef idx="2">
+            <a:schemeClr val="accent1">
+              <a:shade val="50000"/>
+            </a:schemeClr>
+          </a:lnRef>
+          <a:fillRef idx="1">
+            <a:schemeClr val="accent1"/>
+          </a:fillRef>
+          <a:effectRef idx="0">
+            <a:schemeClr val="accent1"/>
+          </a:effectRef>
+          <a:fontRef idx="minor">
+            <a:schemeClr val="lt1"/>
+          </a:fontRef>
+        </p:style>
+        <p:txBody>
+          <a:bodyPr rtlCol="0" anchor="ctr"/>
+          <a:lstStyle/>
+          <a:p>
+            <a:pPr algn="ctr"/>
+            <a:endParaRPr lang="ko-KR" altLang="en-US" sz="1600"/>
+          </a:p>
+        </p:txBody>
+      </p:sp>
+      <p:grpSp>
+        <p:nvGrpSpPr>
+          <p:cNvPr id="31" name="그룹 30">
+            <a:extLst>
+              <a:ext uri="{FF2B5EF4-FFF2-40B4-BE49-F238E27FC236}">
+                <a16:creationId xmlns:a16="http://schemas.microsoft.com/office/drawing/2014/main" id="{466D0EF9-BADE-427D-91D6-1EF0D4516307}"/>
+              </a:ext>
+            </a:extLst>
+          </p:cNvPr>
+          <p:cNvGrpSpPr/>
+          <p:nvPr/>
+        </p:nvGrpSpPr>
+        <p:grpSpPr>
+          <a:xfrm>
+            <a:off x="276836" y="269845"/>
+            <a:ext cx="2171089" cy="792743"/>
+            <a:chOff x="276836" y="269845"/>
+            <a:chExt cx="2171089" cy="792743"/>
+          </a:xfrm>
+        </p:grpSpPr>
+        <p:sp>
+          <p:nvSpPr>
+            <p:cNvPr id="6" name="TextBox 5">
+              <a:extLst>
+                <a:ext uri="{FF2B5EF4-FFF2-40B4-BE49-F238E27FC236}">
+                  <a16:creationId xmlns:a16="http://schemas.microsoft.com/office/drawing/2014/main" id="{EA58E314-C773-4F36-8C88-B79D5D98B4F8}"/>
+                </a:ext>
+              </a:extLst>
+            </p:cNvPr>
+            <p:cNvSpPr txBox="1"/>
+            <p:nvPr/>
+          </p:nvSpPr>
+          <p:spPr>
+            <a:xfrm>
+              <a:off x="276836" y="269845"/>
+              <a:ext cx="1005403" cy="338554"/>
+            </a:xfrm>
+            <a:prstGeom prst="rect">
+              <a:avLst/>
+            </a:prstGeom>
+            <a:noFill/>
+          </p:spPr>
+          <p:txBody>
+            <a:bodyPr wrap="none" rtlCol="0">
+              <a:spAutoFit/>
+            </a:bodyPr>
+            <a:lstStyle/>
+            <a:p>
+              <a:r>
+                <a:rPr lang="ko-KR" altLang="en-US" sz="1600" b="1" dirty="0">
+                  <a:solidFill>
+                    <a:schemeClr val="bg1"/>
+                  </a:solidFill>
+                </a:rPr>
+                <a:t>ㅁㅈㅁㅈ</a:t>
+              </a:r>
+            </a:p>
+          </p:txBody>
+        </p:sp>
+        <p:sp>
+          <p:nvSpPr>
+            <p:cNvPr id="10" name="TextBox 9">
+              <a:extLst>
+                <a:ext uri="{FF2B5EF4-FFF2-40B4-BE49-F238E27FC236}">
+                  <a16:creationId xmlns:a16="http://schemas.microsoft.com/office/drawing/2014/main" id="{E2FC9F57-DA73-432C-ADB1-4C65C38E146D}"/>
+                </a:ext>
+              </a:extLst>
+            </p:cNvPr>
+            <p:cNvSpPr txBox="1"/>
+            <p:nvPr/>
+          </p:nvSpPr>
+          <p:spPr>
+            <a:xfrm>
+              <a:off x="276836" y="600923"/>
+              <a:ext cx="2171089" cy="461665"/>
+            </a:xfrm>
+            <a:prstGeom prst="rect">
+              <a:avLst/>
+            </a:prstGeom>
+            <a:noFill/>
+          </p:spPr>
+          <p:txBody>
+            <a:bodyPr wrap="square" rtlCol="0">
+              <a:spAutoFit/>
+            </a:bodyPr>
+            <a:lstStyle/>
+            <a:p>
+              <a:r>
+                <a:rPr lang="ko-KR" altLang="en-US" sz="1200" dirty="0">
+                  <a:solidFill>
+                    <a:schemeClr val="bg1"/>
+                  </a:solidFill>
+                </a:rPr>
+                <a:t>이미지를 통한 상품검색 및 구입 서비스 플랫폼</a:t>
+              </a:r>
+              <a:endParaRPr lang="en-US" altLang="ko-KR" sz="1200" dirty="0">
+                <a:solidFill>
+                  <a:schemeClr val="bg1"/>
+                </a:solidFill>
+              </a:endParaRPr>
+            </a:p>
+          </p:txBody>
+        </p:sp>
+      </p:grpSp>
+      <p:grpSp>
+        <p:nvGrpSpPr>
+          <p:cNvPr id="30" name="그룹 29">
+            <a:extLst>
+              <a:ext uri="{FF2B5EF4-FFF2-40B4-BE49-F238E27FC236}">
+                <a16:creationId xmlns:a16="http://schemas.microsoft.com/office/drawing/2014/main" id="{956FCDD1-8102-469E-963F-8CF798D512DC}"/>
+              </a:ext>
+            </a:extLst>
+          </p:cNvPr>
+          <p:cNvGrpSpPr/>
+          <p:nvPr/>
+        </p:nvGrpSpPr>
+        <p:grpSpPr>
+          <a:xfrm>
+            <a:off x="276836" y="1283533"/>
+            <a:ext cx="2171089" cy="608077"/>
+            <a:chOff x="276836" y="1474033"/>
+            <a:chExt cx="2171089" cy="608077"/>
+          </a:xfrm>
+        </p:grpSpPr>
+        <p:sp>
+          <p:nvSpPr>
+            <p:cNvPr id="11" name="TextBox 10">
+              <a:extLst>
+                <a:ext uri="{FF2B5EF4-FFF2-40B4-BE49-F238E27FC236}">
+                  <a16:creationId xmlns:a16="http://schemas.microsoft.com/office/drawing/2014/main" id="{A11D4FEC-A08E-42DB-9970-9FD7B36730CB}"/>
+                </a:ext>
+              </a:extLst>
+            </p:cNvPr>
+            <p:cNvSpPr txBox="1"/>
+            <p:nvPr/>
+          </p:nvSpPr>
+          <p:spPr>
+            <a:xfrm>
+              <a:off x="276836" y="1474033"/>
+              <a:ext cx="1005403" cy="338554"/>
+            </a:xfrm>
+            <a:prstGeom prst="rect">
+              <a:avLst/>
+            </a:prstGeom>
+            <a:noFill/>
+          </p:spPr>
+          <p:txBody>
+            <a:bodyPr wrap="none" rtlCol="0">
+              <a:spAutoFit/>
+            </a:bodyPr>
+            <a:lstStyle/>
+            <a:p>
+              <a:r>
+                <a:rPr lang="ko-KR" altLang="en-US" sz="1600" b="1" dirty="0">
+                  <a:solidFill>
+                    <a:schemeClr val="bg1"/>
+                  </a:solidFill>
+                </a:rPr>
+                <a:t>화면이름</a:t>
+              </a:r>
+            </a:p>
+          </p:txBody>
+        </p:sp>
+        <p:sp>
+          <p:nvSpPr>
+            <p:cNvPr id="12" name="TextBox 11">
+              <a:extLst>
+                <a:ext uri="{FF2B5EF4-FFF2-40B4-BE49-F238E27FC236}">
+                  <a16:creationId xmlns:a16="http://schemas.microsoft.com/office/drawing/2014/main" id="{95279311-CDE0-44BF-8410-51979300FD53}"/>
+                </a:ext>
+              </a:extLst>
+            </p:cNvPr>
+            <p:cNvSpPr txBox="1"/>
+            <p:nvPr/>
+          </p:nvSpPr>
+          <p:spPr>
+            <a:xfrm>
+              <a:off x="276836" y="1805111"/>
+              <a:ext cx="2171089" cy="276999"/>
+            </a:xfrm>
+            <a:prstGeom prst="rect">
+              <a:avLst/>
+            </a:prstGeom>
+            <a:noFill/>
+          </p:spPr>
+          <p:txBody>
+            <a:bodyPr wrap="square" rtlCol="0">
+              <a:spAutoFit/>
+            </a:bodyPr>
+            <a:lstStyle/>
+            <a:p>
+              <a:r>
+                <a:rPr lang="ko-KR" altLang="en-US" sz="1200" dirty="0">
+                  <a:solidFill>
+                    <a:schemeClr val="bg1"/>
+                  </a:solidFill>
+                </a:rPr>
+                <a:t>커뮤니티</a:t>
+              </a:r>
+              <a:endParaRPr lang="en-US" altLang="ko-KR" sz="1200" dirty="0">
+                <a:solidFill>
+                  <a:schemeClr val="bg1"/>
+                </a:solidFill>
+              </a:endParaRPr>
+            </a:p>
+          </p:txBody>
+        </p:sp>
+      </p:grpSp>
+      <p:grpSp>
+        <p:nvGrpSpPr>
+          <p:cNvPr id="29" name="그룹 28">
+            <a:extLst>
+              <a:ext uri="{FF2B5EF4-FFF2-40B4-BE49-F238E27FC236}">
+                <a16:creationId xmlns:a16="http://schemas.microsoft.com/office/drawing/2014/main" id="{CE8B1C68-700F-45A9-8016-5ED0A02FFBE2}"/>
+              </a:ext>
+            </a:extLst>
+          </p:cNvPr>
+          <p:cNvGrpSpPr/>
+          <p:nvPr/>
+        </p:nvGrpSpPr>
+        <p:grpSpPr>
+          <a:xfrm>
+            <a:off x="276836" y="2287696"/>
+            <a:ext cx="2171089" cy="608077"/>
+            <a:chOff x="276836" y="2678221"/>
+            <a:chExt cx="2171089" cy="608077"/>
+          </a:xfrm>
+        </p:grpSpPr>
+        <p:sp>
+          <p:nvSpPr>
+            <p:cNvPr id="13" name="TextBox 12">
+              <a:extLst>
+                <a:ext uri="{FF2B5EF4-FFF2-40B4-BE49-F238E27FC236}">
+                  <a16:creationId xmlns:a16="http://schemas.microsoft.com/office/drawing/2014/main" id="{8A754930-80DC-40A4-874B-EBE42B054C69}"/>
+                </a:ext>
+              </a:extLst>
+            </p:cNvPr>
+            <p:cNvSpPr txBox="1"/>
+            <p:nvPr/>
+          </p:nvSpPr>
+          <p:spPr>
+            <a:xfrm>
+              <a:off x="276836" y="2678221"/>
+              <a:ext cx="1005403" cy="338554"/>
+            </a:xfrm>
+            <a:prstGeom prst="rect">
+              <a:avLst/>
+            </a:prstGeom>
+            <a:noFill/>
+          </p:spPr>
+          <p:txBody>
+            <a:bodyPr wrap="none" rtlCol="0">
+              <a:spAutoFit/>
+            </a:bodyPr>
+            <a:lstStyle/>
+            <a:p>
+              <a:r>
+                <a:rPr lang="ko-KR" altLang="en-US" sz="1600" b="1" dirty="0">
+                  <a:solidFill>
+                    <a:schemeClr val="bg1"/>
+                  </a:solidFill>
+                </a:rPr>
+                <a:t>화면코드</a:t>
+              </a:r>
+            </a:p>
+          </p:txBody>
+        </p:sp>
+        <p:sp>
+          <p:nvSpPr>
+            <p:cNvPr id="14" name="TextBox 13">
+              <a:extLst>
+                <a:ext uri="{FF2B5EF4-FFF2-40B4-BE49-F238E27FC236}">
+                  <a16:creationId xmlns:a16="http://schemas.microsoft.com/office/drawing/2014/main" id="{A23439F9-C374-4017-AD5C-0C17D06FDD60}"/>
+                </a:ext>
+              </a:extLst>
+            </p:cNvPr>
+            <p:cNvSpPr txBox="1"/>
+            <p:nvPr/>
+          </p:nvSpPr>
+          <p:spPr>
+            <a:xfrm>
+              <a:off x="276836" y="3009299"/>
+              <a:ext cx="2171089" cy="276999"/>
+            </a:xfrm>
+            <a:prstGeom prst="rect">
+              <a:avLst/>
+            </a:prstGeom>
+            <a:noFill/>
+          </p:spPr>
+          <p:txBody>
+            <a:bodyPr wrap="square" rtlCol="0">
+              <a:spAutoFit/>
+            </a:bodyPr>
+            <a:lstStyle/>
+            <a:p>
+              <a:r>
+                <a:rPr lang="ko-KR" altLang="en-US" sz="1200" dirty="0">
+                  <a:solidFill>
+                    <a:schemeClr val="bg1"/>
+                  </a:solidFill>
+                </a:rPr>
+                <a:t>예시</a:t>
+              </a:r>
+              <a:r>
+                <a:rPr lang="en-US" altLang="ko-KR" sz="1200" dirty="0">
+                  <a:solidFill>
+                    <a:schemeClr val="bg1"/>
+                  </a:solidFill>
+                </a:rPr>
+                <a:t>) main_login_01</a:t>
+              </a:r>
+            </a:p>
+          </p:txBody>
+        </p:sp>
+      </p:grpSp>
+      <p:grpSp>
+        <p:nvGrpSpPr>
+          <p:cNvPr id="28" name="그룹 27">
+            <a:extLst>
+              <a:ext uri="{FF2B5EF4-FFF2-40B4-BE49-F238E27FC236}">
+                <a16:creationId xmlns:a16="http://schemas.microsoft.com/office/drawing/2014/main" id="{3B60CFA0-0763-417B-8AE3-E4433CBD2755}"/>
+              </a:ext>
+            </a:extLst>
+          </p:cNvPr>
+          <p:cNvGrpSpPr/>
+          <p:nvPr/>
+        </p:nvGrpSpPr>
+        <p:grpSpPr>
+          <a:xfrm>
+            <a:off x="276836" y="3104991"/>
+            <a:ext cx="2171089" cy="608077"/>
+            <a:chOff x="276836" y="3666966"/>
+            <a:chExt cx="2171089" cy="608077"/>
+          </a:xfrm>
+        </p:grpSpPr>
+        <p:sp>
+          <p:nvSpPr>
+            <p:cNvPr id="15" name="TextBox 14">
+              <a:extLst>
+                <a:ext uri="{FF2B5EF4-FFF2-40B4-BE49-F238E27FC236}">
+                  <a16:creationId xmlns:a16="http://schemas.microsoft.com/office/drawing/2014/main" id="{9DBDFEAB-84D3-47DC-AEB0-DD14BE3C3381}"/>
+                </a:ext>
+              </a:extLst>
+            </p:cNvPr>
+            <p:cNvSpPr txBox="1"/>
+            <p:nvPr/>
+          </p:nvSpPr>
+          <p:spPr>
+            <a:xfrm>
+              <a:off x="276836" y="3666966"/>
+              <a:ext cx="800219" cy="338554"/>
+            </a:xfrm>
+            <a:prstGeom prst="rect">
+              <a:avLst/>
+            </a:prstGeom>
+            <a:noFill/>
+          </p:spPr>
+          <p:txBody>
+            <a:bodyPr wrap="none" rtlCol="0">
+              <a:spAutoFit/>
+            </a:bodyPr>
+            <a:lstStyle/>
+            <a:p>
+              <a:r>
+                <a:rPr lang="ko-KR" altLang="en-US" sz="1600" b="1" dirty="0">
+                  <a:solidFill>
+                    <a:schemeClr val="bg1"/>
+                  </a:solidFill>
+                </a:rPr>
+                <a:t>작성자</a:t>
+              </a:r>
+            </a:p>
+          </p:txBody>
+        </p:sp>
+        <p:sp>
+          <p:nvSpPr>
+            <p:cNvPr id="16" name="TextBox 15">
+              <a:extLst>
+                <a:ext uri="{FF2B5EF4-FFF2-40B4-BE49-F238E27FC236}">
+                  <a16:creationId xmlns:a16="http://schemas.microsoft.com/office/drawing/2014/main" id="{AE876C31-DEE5-4929-A872-47CFFD6D977C}"/>
+                </a:ext>
+              </a:extLst>
+            </p:cNvPr>
+            <p:cNvSpPr txBox="1"/>
+            <p:nvPr/>
+          </p:nvSpPr>
+          <p:spPr>
+            <a:xfrm>
+              <a:off x="276836" y="3998044"/>
+              <a:ext cx="2171089" cy="276999"/>
+            </a:xfrm>
+            <a:prstGeom prst="rect">
+              <a:avLst/>
+            </a:prstGeom>
+            <a:noFill/>
+          </p:spPr>
+          <p:txBody>
+            <a:bodyPr wrap="square" rtlCol="0">
+              <a:spAutoFit/>
+            </a:bodyPr>
+            <a:lstStyle/>
+            <a:p>
+              <a:r>
+                <a:rPr lang="ko-KR" altLang="en-US" sz="1200" dirty="0">
+                  <a:solidFill>
+                    <a:schemeClr val="bg1"/>
+                  </a:solidFill>
+                </a:rPr>
+                <a:t>팀장 </a:t>
+              </a:r>
+              <a:r>
+                <a:rPr lang="en-US" altLang="ko-KR" sz="1200" dirty="0">
+                  <a:solidFill>
+                    <a:schemeClr val="bg1"/>
+                  </a:solidFill>
+                </a:rPr>
+                <a:t>– </a:t>
+              </a:r>
+              <a:r>
+                <a:rPr lang="ko-KR" altLang="en-US" sz="1200" dirty="0">
+                  <a:solidFill>
+                    <a:schemeClr val="bg1"/>
+                  </a:solidFill>
+                </a:rPr>
+                <a:t>홍길동 </a:t>
+              </a:r>
+              <a:r>
+                <a:rPr lang="en-US" altLang="ko-KR" sz="1200" dirty="0">
+                  <a:solidFill>
+                    <a:schemeClr val="bg1"/>
+                  </a:solidFill>
+                </a:rPr>
+                <a:t>/ </a:t>
+              </a:r>
+              <a:r>
+                <a:rPr lang="ko-KR" altLang="en-US" sz="1200" dirty="0">
+                  <a:solidFill>
+                    <a:schemeClr val="bg1"/>
+                  </a:solidFill>
+                </a:rPr>
+                <a:t>팀원 </a:t>
+              </a:r>
+              <a:r>
+                <a:rPr lang="en-US" altLang="ko-KR" sz="1200" dirty="0">
+                  <a:solidFill>
+                    <a:schemeClr val="bg1"/>
+                  </a:solidFill>
+                </a:rPr>
+                <a:t>- </a:t>
+              </a:r>
+              <a:r>
+                <a:rPr lang="ko-KR" altLang="en-US" sz="1200" dirty="0">
+                  <a:solidFill>
+                    <a:schemeClr val="bg1"/>
+                  </a:solidFill>
+                </a:rPr>
+                <a:t>고길동</a:t>
+              </a:r>
+              <a:endParaRPr lang="en-US" altLang="ko-KR" sz="1200" dirty="0">
+                <a:solidFill>
+                  <a:schemeClr val="bg1"/>
+                </a:solidFill>
+              </a:endParaRPr>
+            </a:p>
+          </p:txBody>
+        </p:sp>
+      </p:grpSp>
+      <p:sp>
+        <p:nvSpPr>
+          <p:cNvPr id="17" name="직사각형 16">
+            <a:extLst>
+              <a:ext uri="{FF2B5EF4-FFF2-40B4-BE49-F238E27FC236}">
+                <a16:creationId xmlns:a16="http://schemas.microsoft.com/office/drawing/2014/main" id="{F2EE50EF-1C64-4D24-A8FC-FEB31ECABF02}"/>
+              </a:ext>
+            </a:extLst>
+          </p:cNvPr>
+          <p:cNvSpPr/>
+          <p:nvPr/>
+        </p:nvSpPr>
+        <p:spPr>
+          <a:xfrm>
+            <a:off x="2743200" y="5172074"/>
+            <a:ext cx="7162799" cy="1685923"/>
+          </a:xfrm>
+          <a:prstGeom prst="rect">
+            <a:avLst/>
+          </a:prstGeom>
+          <a:solidFill>
+            <a:schemeClr val="bg1">
+              <a:lumMod val="95000"/>
+            </a:schemeClr>
+          </a:solidFill>
+          <a:ln>
+            <a:noFill/>
+          </a:ln>
+        </p:spPr>
+        <p:style>
+          <a:lnRef idx="2">
+            <a:schemeClr val="accent1">
+              <a:shade val="50000"/>
+            </a:schemeClr>
+          </a:lnRef>
+          <a:fillRef idx="1">
+            <a:schemeClr val="accent1"/>
+          </a:fillRef>
+          <a:effectRef idx="0">
+            <a:schemeClr val="accent1"/>
+          </a:effectRef>
+          <a:fontRef idx="minor">
+            <a:schemeClr val="lt1"/>
+          </a:fontRef>
+        </p:style>
+        <p:txBody>
+          <a:bodyPr rtlCol="0" anchor="ctr"/>
+          <a:lstStyle/>
+          <a:p>
+            <a:pPr algn="ctr"/>
+            <a:endParaRPr lang="ko-KR" altLang="en-US" sz="1600"/>
+          </a:p>
+        </p:txBody>
+      </p:sp>
+      <p:sp>
+        <p:nvSpPr>
+          <p:cNvPr id="18" name="TextBox 17">
+            <a:extLst>
+              <a:ext uri="{FF2B5EF4-FFF2-40B4-BE49-F238E27FC236}">
+                <a16:creationId xmlns:a16="http://schemas.microsoft.com/office/drawing/2014/main" id="{17EFCDDE-1130-408D-9BF1-4DAA52C217DC}"/>
+              </a:ext>
+            </a:extLst>
+          </p:cNvPr>
+          <p:cNvSpPr txBox="1"/>
+          <p:nvPr/>
+        </p:nvSpPr>
+        <p:spPr>
+          <a:xfrm>
+            <a:off x="3020037" y="5412546"/>
+            <a:ext cx="1005403" cy="338554"/>
+          </a:xfrm>
+          <a:prstGeom prst="rect">
+            <a:avLst/>
+          </a:prstGeom>
+          <a:noFill/>
+        </p:spPr>
+        <p:txBody>
+          <a:bodyPr wrap="none" rtlCol="0">
+            <a:spAutoFit/>
+          </a:bodyPr>
+          <a:lstStyle/>
+          <a:p>
+            <a:r>
+              <a:rPr lang="ko-KR" altLang="en-US" sz="1600" b="1" dirty="0">
+                <a:solidFill>
+                  <a:srgbClr val="0090D0"/>
+                </a:solidFill>
+              </a:rPr>
+              <a:t>화면설명</a:t>
+            </a:r>
+          </a:p>
+        </p:txBody>
+      </p:sp>
+      <p:sp>
+        <p:nvSpPr>
+          <p:cNvPr id="19" name="TextBox 18">
+            <a:extLst>
+              <a:ext uri="{FF2B5EF4-FFF2-40B4-BE49-F238E27FC236}">
+                <a16:creationId xmlns:a16="http://schemas.microsoft.com/office/drawing/2014/main" id="{0DBB6D9D-7151-48F9-9712-A4D8DDC0AA70}"/>
+              </a:ext>
+            </a:extLst>
+          </p:cNvPr>
+          <p:cNvSpPr txBox="1"/>
+          <p:nvPr/>
+        </p:nvSpPr>
+        <p:spPr>
+          <a:xfrm>
+            <a:off x="3020037" y="5781724"/>
+            <a:ext cx="2466366" cy="830997"/>
+          </a:xfrm>
+          <a:prstGeom prst="rect">
+            <a:avLst/>
+          </a:prstGeom>
+          <a:noFill/>
+        </p:spPr>
+        <p:txBody>
+          <a:bodyPr wrap="square" rtlCol="0">
+            <a:spAutoFit/>
+          </a:bodyPr>
+          <a:lstStyle/>
+          <a:p>
+            <a:r>
+              <a:rPr lang="en-US" altLang="ko-KR" sz="1200" dirty="0"/>
+              <a:t> - </a:t>
+            </a:r>
+            <a:r>
+              <a:rPr lang="ko-KR" altLang="en-US" sz="1200" dirty="0"/>
+              <a:t>화면설명 입력</a:t>
+            </a:r>
+            <a:endParaRPr lang="en-US" altLang="ko-KR" sz="1200" dirty="0"/>
+          </a:p>
+          <a:p>
+            <a:r>
+              <a:rPr lang="en-US" altLang="ko-KR" sz="1200" dirty="0"/>
+              <a:t> - </a:t>
+            </a:r>
+            <a:r>
+              <a:rPr lang="ko-KR" altLang="en-US" sz="1200" dirty="0"/>
+              <a:t>화면설명 입력</a:t>
+            </a:r>
+            <a:endParaRPr lang="en-US" altLang="ko-KR" sz="1200" dirty="0"/>
+          </a:p>
+          <a:p>
+            <a:r>
+              <a:rPr lang="en-US" altLang="ko-KR" sz="1200" dirty="0"/>
+              <a:t> - </a:t>
+            </a:r>
+            <a:r>
+              <a:rPr lang="ko-KR" altLang="en-US" sz="1200" dirty="0"/>
+              <a:t>화면설명 입력</a:t>
+            </a:r>
+            <a:endParaRPr lang="en-US" altLang="ko-KR" sz="1200" dirty="0"/>
+          </a:p>
+          <a:p>
+            <a:r>
+              <a:rPr lang="en-US" altLang="ko-KR" sz="1200" dirty="0"/>
+              <a:t> - </a:t>
+            </a:r>
+            <a:r>
+              <a:rPr lang="ko-KR" altLang="en-US" sz="1200" dirty="0"/>
+              <a:t>화면설명 입력</a:t>
+            </a:r>
+            <a:endParaRPr lang="en-US" altLang="ko-KR" sz="1200" dirty="0"/>
+          </a:p>
+        </p:txBody>
+      </p:sp>
+      <p:grpSp>
+        <p:nvGrpSpPr>
+          <p:cNvPr id="32" name="그룹 31">
+            <a:extLst>
+              <a:ext uri="{FF2B5EF4-FFF2-40B4-BE49-F238E27FC236}">
+                <a16:creationId xmlns:a16="http://schemas.microsoft.com/office/drawing/2014/main" id="{CA1DD512-4BF6-481A-95B3-0402591A68BA}"/>
+              </a:ext>
+            </a:extLst>
+          </p:cNvPr>
+          <p:cNvGrpSpPr/>
+          <p:nvPr/>
+        </p:nvGrpSpPr>
+        <p:grpSpPr>
+          <a:xfrm>
+            <a:off x="276836" y="3936433"/>
+            <a:ext cx="2171089" cy="2270070"/>
+            <a:chOff x="276836" y="269845"/>
+            <a:chExt cx="2171089" cy="2270070"/>
+          </a:xfrm>
+        </p:grpSpPr>
+        <p:sp>
+          <p:nvSpPr>
+            <p:cNvPr id="33" name="TextBox 32">
+              <a:extLst>
+                <a:ext uri="{FF2B5EF4-FFF2-40B4-BE49-F238E27FC236}">
+                  <a16:creationId xmlns:a16="http://schemas.microsoft.com/office/drawing/2014/main" id="{E2C757D1-6594-4C66-81E7-820AE4027158}"/>
+                </a:ext>
+              </a:extLst>
+            </p:cNvPr>
+            <p:cNvSpPr txBox="1"/>
+            <p:nvPr/>
+          </p:nvSpPr>
+          <p:spPr>
+            <a:xfrm>
+              <a:off x="276836" y="269845"/>
+              <a:ext cx="1005403" cy="338554"/>
+            </a:xfrm>
+            <a:prstGeom prst="rect">
+              <a:avLst/>
+            </a:prstGeom>
+            <a:noFill/>
+          </p:spPr>
+          <p:txBody>
+            <a:bodyPr wrap="none" rtlCol="0">
+              <a:spAutoFit/>
+            </a:bodyPr>
+            <a:lstStyle/>
+            <a:p>
+              <a:r>
+                <a:rPr lang="ko-KR" altLang="en-US" sz="1600" b="1" dirty="0">
+                  <a:solidFill>
+                    <a:schemeClr val="bg1"/>
+                  </a:solidFill>
+                </a:rPr>
+                <a:t>유의사항</a:t>
+              </a:r>
+            </a:p>
+          </p:txBody>
+        </p:sp>
+        <p:sp>
+          <p:nvSpPr>
+            <p:cNvPr id="34" name="TextBox 33">
+              <a:extLst>
+                <a:ext uri="{FF2B5EF4-FFF2-40B4-BE49-F238E27FC236}">
+                  <a16:creationId xmlns:a16="http://schemas.microsoft.com/office/drawing/2014/main" id="{D86AE12A-76EC-49AD-A2BE-EBED9566CBB2}"/>
+                </a:ext>
+              </a:extLst>
+            </p:cNvPr>
+            <p:cNvSpPr txBox="1"/>
+            <p:nvPr/>
+          </p:nvSpPr>
+          <p:spPr>
+            <a:xfrm>
+              <a:off x="276836" y="600923"/>
+              <a:ext cx="2171089" cy="1938992"/>
+            </a:xfrm>
+            <a:prstGeom prst="rect">
+              <a:avLst/>
+            </a:prstGeom>
+            <a:noFill/>
+          </p:spPr>
+          <p:txBody>
+            <a:bodyPr wrap="square" rtlCol="0">
+              <a:spAutoFit/>
+            </a:bodyPr>
+            <a:lstStyle/>
+            <a:p>
+              <a:r>
+                <a:rPr lang="en-US" altLang="ko-KR" sz="1200" dirty="0">
+                  <a:solidFill>
+                    <a:schemeClr val="bg1"/>
+                  </a:solidFill>
+                </a:rPr>
+                <a:t> - </a:t>
+              </a:r>
+              <a:r>
+                <a:rPr lang="ko-KR" altLang="en-US" sz="1200" dirty="0">
+                  <a:solidFill>
+                    <a:schemeClr val="bg1"/>
+                  </a:solidFill>
+                </a:rPr>
+                <a:t>유의사항 입력</a:t>
+              </a:r>
+              <a:endParaRPr lang="en-US" altLang="ko-KR" sz="1200" dirty="0">
+                <a:solidFill>
+                  <a:schemeClr val="bg1"/>
+                </a:solidFill>
+              </a:endParaRPr>
+            </a:p>
+            <a:p>
+              <a:r>
+                <a:rPr lang="en-US" altLang="ko-KR" sz="1200" dirty="0">
+                  <a:solidFill>
+                    <a:schemeClr val="bg1"/>
+                  </a:solidFill>
+                </a:rPr>
+                <a:t> - </a:t>
+              </a:r>
+              <a:r>
+                <a:rPr lang="ko-KR" altLang="en-US" sz="1200" dirty="0">
+                  <a:solidFill>
+                    <a:schemeClr val="bg1"/>
+                  </a:solidFill>
+                </a:rPr>
+                <a:t>유의사항 입력</a:t>
+              </a:r>
+              <a:endParaRPr lang="en-US" altLang="ko-KR" sz="1200" dirty="0">
+                <a:solidFill>
+                  <a:schemeClr val="bg1"/>
+                </a:solidFill>
+              </a:endParaRPr>
+            </a:p>
+            <a:p>
+              <a:r>
+                <a:rPr lang="en-US" altLang="ko-KR" sz="1200" dirty="0">
+                  <a:solidFill>
+                    <a:schemeClr val="bg1"/>
+                  </a:solidFill>
+                </a:rPr>
+                <a:t> - </a:t>
+              </a:r>
+              <a:r>
+                <a:rPr lang="ko-KR" altLang="en-US" sz="1200" dirty="0">
+                  <a:solidFill>
+                    <a:schemeClr val="bg1"/>
+                  </a:solidFill>
+                </a:rPr>
+                <a:t>유의사항 입력</a:t>
+              </a:r>
+              <a:endParaRPr lang="en-US" altLang="ko-KR" sz="1200" dirty="0">
+                <a:solidFill>
+                  <a:schemeClr val="bg1"/>
+                </a:solidFill>
+              </a:endParaRPr>
+            </a:p>
+            <a:p>
+              <a:r>
+                <a:rPr lang="en-US" altLang="ko-KR" sz="1200" dirty="0">
+                  <a:solidFill>
+                    <a:schemeClr val="bg1"/>
+                  </a:solidFill>
+                </a:rPr>
+                <a:t> - </a:t>
+              </a:r>
+              <a:r>
+                <a:rPr lang="ko-KR" altLang="en-US" sz="1200" dirty="0">
+                  <a:solidFill>
+                    <a:schemeClr val="bg1"/>
+                  </a:solidFill>
+                </a:rPr>
+                <a:t>유의사항 입력</a:t>
+              </a:r>
+              <a:endParaRPr lang="en-US" altLang="ko-KR" sz="1200" dirty="0">
+                <a:solidFill>
+                  <a:schemeClr val="bg1"/>
+                </a:solidFill>
+              </a:endParaRPr>
+            </a:p>
+            <a:p>
+              <a:r>
+                <a:rPr lang="en-US" altLang="ko-KR" sz="1200" dirty="0">
+                  <a:solidFill>
+                    <a:schemeClr val="bg1"/>
+                  </a:solidFill>
+                </a:rPr>
+                <a:t> - </a:t>
+              </a:r>
+              <a:r>
+                <a:rPr lang="ko-KR" altLang="en-US" sz="1200" dirty="0">
+                  <a:solidFill>
+                    <a:schemeClr val="bg1"/>
+                  </a:solidFill>
+                </a:rPr>
+                <a:t>유의사항 입력</a:t>
+              </a:r>
+              <a:endParaRPr lang="en-US" altLang="ko-KR" sz="1200" dirty="0">
+                <a:solidFill>
+                  <a:schemeClr val="bg1"/>
+                </a:solidFill>
+              </a:endParaRPr>
+            </a:p>
+            <a:p>
+              <a:r>
+                <a:rPr lang="en-US" altLang="ko-KR" sz="1200" dirty="0">
+                  <a:solidFill>
+                    <a:schemeClr val="bg1"/>
+                  </a:solidFill>
+                </a:rPr>
+                <a:t> - </a:t>
+              </a:r>
+              <a:r>
+                <a:rPr lang="ko-KR" altLang="en-US" sz="1200" dirty="0">
+                  <a:solidFill>
+                    <a:schemeClr val="bg1"/>
+                  </a:solidFill>
+                </a:rPr>
+                <a:t>유의사항 입력</a:t>
+              </a:r>
+              <a:endParaRPr lang="en-US" altLang="ko-KR" sz="1200" dirty="0">
+                <a:solidFill>
+                  <a:schemeClr val="bg1"/>
+                </a:solidFill>
+              </a:endParaRPr>
+            </a:p>
+            <a:p>
+              <a:r>
+                <a:rPr lang="en-US" altLang="ko-KR" sz="1200" dirty="0">
+                  <a:solidFill>
+                    <a:schemeClr val="bg1"/>
+                  </a:solidFill>
+                </a:rPr>
+                <a:t> - </a:t>
+              </a:r>
+              <a:r>
+                <a:rPr lang="ko-KR" altLang="en-US" sz="1200" dirty="0">
+                  <a:solidFill>
+                    <a:schemeClr val="bg1"/>
+                  </a:solidFill>
+                </a:rPr>
+                <a:t>유의사항 입력</a:t>
+              </a:r>
+              <a:endParaRPr lang="en-US" altLang="ko-KR" sz="1200" dirty="0">
+                <a:solidFill>
+                  <a:schemeClr val="bg1"/>
+                </a:solidFill>
+              </a:endParaRPr>
+            </a:p>
+            <a:p>
+              <a:r>
+                <a:rPr lang="en-US" altLang="ko-KR" sz="1200" dirty="0">
+                  <a:solidFill>
+                    <a:schemeClr val="bg1"/>
+                  </a:solidFill>
+                </a:rPr>
+                <a:t> - </a:t>
+              </a:r>
+              <a:r>
+                <a:rPr lang="ko-KR" altLang="en-US" sz="1200" dirty="0">
+                  <a:solidFill>
+                    <a:schemeClr val="bg1"/>
+                  </a:solidFill>
+                </a:rPr>
+                <a:t>유의사항 입력</a:t>
+              </a:r>
+              <a:endParaRPr lang="en-US" altLang="ko-KR" sz="1200" dirty="0">
+                <a:solidFill>
+                  <a:schemeClr val="bg1"/>
+                </a:solidFill>
+              </a:endParaRPr>
+            </a:p>
+            <a:p>
+              <a:r>
+                <a:rPr lang="en-US" altLang="ko-KR" sz="1200" dirty="0">
+                  <a:solidFill>
+                    <a:schemeClr val="bg1"/>
+                  </a:solidFill>
+                </a:rPr>
+                <a:t> - </a:t>
+              </a:r>
+              <a:r>
+                <a:rPr lang="ko-KR" altLang="en-US" sz="1200" dirty="0">
+                  <a:solidFill>
+                    <a:schemeClr val="bg1"/>
+                  </a:solidFill>
+                </a:rPr>
+                <a:t>유의사항 입력</a:t>
+              </a:r>
+              <a:endParaRPr lang="en-US" altLang="ko-KR" sz="1200" dirty="0">
+                <a:solidFill>
+                  <a:schemeClr val="bg1"/>
+                </a:solidFill>
+              </a:endParaRPr>
+            </a:p>
+            <a:p>
+              <a:r>
+                <a:rPr lang="en-US" altLang="ko-KR" sz="1200" dirty="0">
+                  <a:solidFill>
+                    <a:schemeClr val="bg1"/>
+                  </a:solidFill>
+                </a:rPr>
+                <a:t> - </a:t>
+              </a:r>
+              <a:r>
+                <a:rPr lang="ko-KR" altLang="en-US" sz="1200" dirty="0">
+                  <a:solidFill>
+                    <a:schemeClr val="bg1"/>
+                  </a:solidFill>
+                </a:rPr>
+                <a:t>유의사항 입력</a:t>
+              </a:r>
+              <a:endParaRPr lang="en-US" altLang="ko-KR" sz="1200" dirty="0">
+                <a:solidFill>
+                  <a:schemeClr val="bg1"/>
+                </a:solidFill>
+              </a:endParaRPr>
+            </a:p>
+          </p:txBody>
+        </p:sp>
+      </p:grpSp>
+      <p:sp>
+        <p:nvSpPr>
+          <p:cNvPr id="36" name="TextBox 35">
+            <a:extLst>
+              <a:ext uri="{FF2B5EF4-FFF2-40B4-BE49-F238E27FC236}">
+                <a16:creationId xmlns:a16="http://schemas.microsoft.com/office/drawing/2014/main" id="{4A3FAFFD-4C84-4F14-8CFD-262EC1F85AD5}"/>
+              </a:ext>
+            </a:extLst>
+          </p:cNvPr>
+          <p:cNvSpPr txBox="1"/>
+          <p:nvPr/>
+        </p:nvSpPr>
+        <p:spPr>
+          <a:xfrm>
+            <a:off x="5763239" y="5781723"/>
+            <a:ext cx="2466366" cy="830997"/>
+          </a:xfrm>
+          <a:prstGeom prst="rect">
+            <a:avLst/>
+          </a:prstGeom>
+          <a:noFill/>
+        </p:spPr>
+        <p:txBody>
+          <a:bodyPr wrap="square" rtlCol="0">
+            <a:spAutoFit/>
+          </a:bodyPr>
+          <a:lstStyle/>
+          <a:p>
+            <a:r>
+              <a:rPr lang="en-US" altLang="ko-KR" sz="1200" dirty="0"/>
+              <a:t> - </a:t>
+            </a:r>
+            <a:r>
+              <a:rPr lang="ko-KR" altLang="en-US" sz="1200" dirty="0"/>
+              <a:t>화면설명 입력</a:t>
+            </a:r>
+            <a:endParaRPr lang="en-US" altLang="ko-KR" sz="1200" dirty="0"/>
+          </a:p>
+          <a:p>
+            <a:r>
+              <a:rPr lang="en-US" altLang="ko-KR" sz="1200" dirty="0"/>
+              <a:t> - </a:t>
+            </a:r>
+            <a:r>
+              <a:rPr lang="ko-KR" altLang="en-US" sz="1200" dirty="0"/>
+              <a:t>화면설명 입력</a:t>
+            </a:r>
+            <a:endParaRPr lang="en-US" altLang="ko-KR" sz="1200" dirty="0"/>
+          </a:p>
+          <a:p>
+            <a:r>
+              <a:rPr lang="en-US" altLang="ko-KR" sz="1200" dirty="0"/>
+              <a:t> - </a:t>
+            </a:r>
+            <a:r>
+              <a:rPr lang="ko-KR" altLang="en-US" sz="1200" dirty="0"/>
+              <a:t>화면설명 입력</a:t>
+            </a:r>
+            <a:endParaRPr lang="en-US" altLang="ko-KR" sz="1200" dirty="0"/>
+          </a:p>
+          <a:p>
+            <a:r>
+              <a:rPr lang="en-US" altLang="ko-KR" sz="1200" dirty="0"/>
+              <a:t> - </a:t>
+            </a:r>
+            <a:r>
+              <a:rPr lang="ko-KR" altLang="en-US" sz="1200" dirty="0"/>
+              <a:t>화면설명 입력</a:t>
+            </a:r>
+            <a:endParaRPr lang="en-US" altLang="ko-KR" sz="1200" dirty="0"/>
+          </a:p>
+        </p:txBody>
+      </p:sp>
+      <p:sp>
+        <p:nvSpPr>
+          <p:cNvPr id="2" name="TextBox 1">
+            <a:extLst>
+              <a:ext uri="{FF2B5EF4-FFF2-40B4-BE49-F238E27FC236}">
+                <a16:creationId xmlns:a16="http://schemas.microsoft.com/office/drawing/2014/main" id="{58508F00-E4A8-1F5B-A8D0-7F95C6F506EF}"/>
+              </a:ext>
+            </a:extLst>
+          </p:cNvPr>
+          <p:cNvSpPr txBox="1"/>
+          <p:nvPr/>
+        </p:nvSpPr>
+        <p:spPr>
+          <a:xfrm>
+            <a:off x="5233991" y="439122"/>
+            <a:ext cx="5991228" cy="523220"/>
+          </a:xfrm>
+          <a:prstGeom prst="rect">
+            <a:avLst/>
+          </a:prstGeom>
+          <a:noFill/>
+        </p:spPr>
+        <p:txBody>
+          <a:bodyPr wrap="square" rtlCol="0">
+            <a:spAutoFit/>
+          </a:bodyPr>
+          <a:lstStyle/>
+          <a:p>
+            <a:r>
+              <a:rPr lang="ko-KR" altLang="en-US" sz="2800" b="1" dirty="0"/>
+              <a:t>커뮤니티</a:t>
+            </a:r>
+          </a:p>
+        </p:txBody>
+      </p:sp>
+      <p:sp>
+        <p:nvSpPr>
+          <p:cNvPr id="5" name="Rectangle 4">
+            <a:extLst>
+              <a:ext uri="{FF2B5EF4-FFF2-40B4-BE49-F238E27FC236}">
+                <a16:creationId xmlns:a16="http://schemas.microsoft.com/office/drawing/2014/main" id="{D5A43CA0-6FD9-37B8-E06F-2FDA4B3C8C4A}"/>
+              </a:ext>
+            </a:extLst>
+          </p:cNvPr>
+          <p:cNvSpPr/>
+          <p:nvPr/>
+        </p:nvSpPr>
+        <p:spPr>
+          <a:xfrm>
+            <a:off x="8513876" y="1080381"/>
+            <a:ext cx="959219" cy="345007"/>
+          </a:xfrm>
+          <a:prstGeom prst="rect">
+            <a:avLst/>
+          </a:prstGeom>
+        </p:spPr>
+        <p:style>
+          <a:lnRef idx="2">
+            <a:schemeClr val="accent1">
+              <a:shade val="50000"/>
+            </a:schemeClr>
+          </a:lnRef>
+          <a:fillRef idx="1">
+            <a:schemeClr val="accent1"/>
+          </a:fillRef>
+          <a:effectRef idx="0">
+            <a:schemeClr val="accent1"/>
+          </a:effectRef>
+          <a:fontRef idx="minor">
+            <a:schemeClr val="lt1"/>
+          </a:fontRef>
+        </p:style>
+        <p:txBody>
+          <a:bodyPr rtlCol="0" anchor="ctr"/>
+          <a:lstStyle/>
+          <a:p>
+            <a:pPr algn="ctr"/>
+            <a:r>
+              <a:rPr lang="ko-KR" altLang="en-US" sz="1200" b="1" dirty="0"/>
+              <a:t>작성</a:t>
+            </a:r>
+          </a:p>
+        </p:txBody>
+      </p:sp>
+    </p:spTree>
+    <p:extLst>
+      <p:ext uri="{BB962C8B-B14F-4D97-AF65-F5344CB8AC3E}">
+        <p14:creationId xmlns:p14="http://schemas.microsoft.com/office/powerpoint/2010/main" val="154078480"/>
+      </p:ext>
+    </p:extLst>
+  </p:cSld>
+  <p:clrMapOvr>
+    <a:masterClrMapping/>
+  </p:clrMapOvr>
+</p:sld>
+</file>
+
+<file path=ppt/slides/slide11.xml><?xml version="1.0" encoding="utf-8"?>
 <p:sld xmlns:a="http://schemas.openxmlformats.org/drawingml/2006/main" xmlns:r="http://schemas.openxmlformats.org/officeDocument/2006/relationships" xmlns:p="http://schemas.openxmlformats.org/presentationml/2006/main">
   <p:cSld>
     <p:spTree>
@@ -4734,7 +5961,7 @@
 </p:sld>
 </file>
 
-<file path=ppt/slides/slide11.xml><?xml version="1.0" encoding="utf-8"?>
+<file path=ppt/slides/slide12.xml><?xml version="1.0" encoding="utf-8"?>
 <p:sld xmlns:a="http://schemas.openxmlformats.org/drawingml/2006/main" xmlns:r="http://schemas.openxmlformats.org/officeDocument/2006/relationships" xmlns:p="http://schemas.openxmlformats.org/presentationml/2006/main">
   <p:cSld>
     <p:spTree>
@@ -5570,7 +6797,7 @@
 </p:sld>
 </file>
 
-<file path=ppt/slides/slide12.xml><?xml version="1.0" encoding="utf-8"?>
+<file path=ppt/slides/slide13.xml><?xml version="1.0" encoding="utf-8"?>
 <p:sld xmlns:a="http://schemas.openxmlformats.org/drawingml/2006/main" xmlns:r="http://schemas.openxmlformats.org/officeDocument/2006/relationships" xmlns:p="http://schemas.openxmlformats.org/presentationml/2006/main">
   <p:cSld>
     <p:spTree>
@@ -6406,7 +7633,7 @@
 </p:sld>
 </file>
 
-<file path=ppt/slides/slide13.xml><?xml version="1.0" encoding="utf-8"?>
+<file path=ppt/slides/slide14.xml><?xml version="1.0" encoding="utf-8"?>
 <p:sld xmlns:a="http://schemas.openxmlformats.org/drawingml/2006/main" xmlns:r="http://schemas.openxmlformats.org/officeDocument/2006/relationships" xmlns:p="http://schemas.openxmlformats.org/presentationml/2006/main">
   <p:cSld>
     <p:spTree>
@@ -7242,7 +8469,7 @@
 </p:sld>
 </file>
 
-<file path=ppt/slides/slide14.xml><?xml version="1.0" encoding="utf-8"?>
+<file path=ppt/slides/slide15.xml><?xml version="1.0" encoding="utf-8"?>
 <p:sld xmlns:a="http://schemas.openxmlformats.org/drawingml/2006/main" xmlns:r="http://schemas.openxmlformats.org/officeDocument/2006/relationships" xmlns:p="http://schemas.openxmlformats.org/presentationml/2006/main">
   <p:cSld>
     <p:spTree>
@@ -10090,12 +11317,16 @@
             <a:r>
               <a:rPr lang="ko-KR" altLang="en-US" sz="3200" b="1" dirty="0">
                 <a:solidFill>
-                  <a:srgbClr val="0090D0"/>
+                  <a:schemeClr val="accent1"/>
                 </a:solidFill>
               </a:rPr>
               <a:t>서비스 흐름도</a:t>
             </a:r>
-            <a:endParaRPr lang="ko-KR" altLang="en-US" sz="3200" dirty="0"/>
+            <a:endParaRPr lang="ko-KR" altLang="en-US" sz="3200" dirty="0">
+              <a:solidFill>
+                <a:schemeClr val="accent1"/>
+              </a:solidFill>
+            </a:endParaRPr>
           </a:p>
         </p:txBody>
       </p:sp>
@@ -10143,6 +11374,423 @@
           </a:fontRef>
         </p:style>
       </p:cxnSp>
+      <p:sp>
+        <p:nvSpPr>
+          <p:cNvPr id="2" name="Rectangle: Rounded Corners 1">
+            <a:extLst>
+              <a:ext uri="{FF2B5EF4-FFF2-40B4-BE49-F238E27FC236}">
+                <a16:creationId xmlns:a16="http://schemas.microsoft.com/office/drawing/2014/main" id="{132DB3F8-AF57-247E-A833-9E518D2A8E78}"/>
+              </a:ext>
+            </a:extLst>
+          </p:cNvPr>
+          <p:cNvSpPr/>
+          <p:nvPr/>
+        </p:nvSpPr>
+        <p:spPr>
+          <a:xfrm>
+            <a:off x="553673" y="1904458"/>
+            <a:ext cx="1741250" cy="605631"/>
+          </a:xfrm>
+          <a:prstGeom prst="roundRect">
+            <a:avLst/>
+          </a:prstGeom>
+          <a:solidFill>
+            <a:schemeClr val="tx2">
+              <a:lumMod val="40000"/>
+              <a:lumOff val="60000"/>
+            </a:schemeClr>
+          </a:solidFill>
+          <a:ln>
+            <a:solidFill>
+              <a:schemeClr val="bg1"/>
+            </a:solidFill>
+          </a:ln>
+        </p:spPr>
+        <p:style>
+          <a:lnRef idx="2">
+            <a:schemeClr val="accent5">
+              <a:shade val="50000"/>
+            </a:schemeClr>
+          </a:lnRef>
+          <a:fillRef idx="1">
+            <a:schemeClr val="accent5"/>
+          </a:fillRef>
+          <a:effectRef idx="0">
+            <a:schemeClr val="accent5"/>
+          </a:effectRef>
+          <a:fontRef idx="minor">
+            <a:schemeClr val="lt1"/>
+          </a:fontRef>
+        </p:style>
+        <p:txBody>
+          <a:bodyPr rtlCol="0" anchor="ctr"/>
+          <a:lstStyle/>
+          <a:p>
+            <a:pPr algn="ctr"/>
+            <a:r>
+              <a:rPr lang="ko-KR" altLang="en-US" dirty="0"/>
+              <a:t>웹페이지 접속</a:t>
+            </a:r>
+          </a:p>
+        </p:txBody>
+      </p:sp>
+      <p:sp>
+        <p:nvSpPr>
+          <p:cNvPr id="26" name="Rectangle: Rounded Corners 25">
+            <a:extLst>
+              <a:ext uri="{FF2B5EF4-FFF2-40B4-BE49-F238E27FC236}">
+                <a16:creationId xmlns:a16="http://schemas.microsoft.com/office/drawing/2014/main" id="{86642195-E8AC-050B-0E21-3D710205321B}"/>
+              </a:ext>
+            </a:extLst>
+          </p:cNvPr>
+          <p:cNvSpPr/>
+          <p:nvPr/>
+        </p:nvSpPr>
+        <p:spPr>
+          <a:xfrm>
+            <a:off x="3223045" y="5657123"/>
+            <a:ext cx="1741250" cy="605631"/>
+          </a:xfrm>
+          <a:prstGeom prst="roundRect">
+            <a:avLst/>
+          </a:prstGeom>
+          <a:solidFill>
+            <a:schemeClr val="tx2">
+              <a:lumMod val="40000"/>
+              <a:lumOff val="60000"/>
+            </a:schemeClr>
+          </a:solidFill>
+          <a:ln>
+            <a:solidFill>
+              <a:schemeClr val="bg1"/>
+            </a:solidFill>
+          </a:ln>
+        </p:spPr>
+        <p:style>
+          <a:lnRef idx="2">
+            <a:schemeClr val="accent5">
+              <a:shade val="50000"/>
+            </a:schemeClr>
+          </a:lnRef>
+          <a:fillRef idx="1">
+            <a:schemeClr val="accent5"/>
+          </a:fillRef>
+          <a:effectRef idx="0">
+            <a:schemeClr val="accent5"/>
+          </a:effectRef>
+          <a:fontRef idx="minor">
+            <a:schemeClr val="lt1"/>
+          </a:fontRef>
+        </p:style>
+        <p:txBody>
+          <a:bodyPr rtlCol="0" anchor="ctr"/>
+          <a:lstStyle/>
+          <a:p>
+            <a:pPr algn="ctr"/>
+            <a:r>
+              <a:rPr lang="ko-KR" altLang="en-US" dirty="0"/>
+              <a:t>마이 페이지</a:t>
+            </a:r>
+          </a:p>
+        </p:txBody>
+      </p:sp>
+      <p:sp>
+        <p:nvSpPr>
+          <p:cNvPr id="28" name="Rectangle: Rounded Corners 27">
+            <a:extLst>
+              <a:ext uri="{FF2B5EF4-FFF2-40B4-BE49-F238E27FC236}">
+                <a16:creationId xmlns:a16="http://schemas.microsoft.com/office/drawing/2014/main" id="{E7B33234-AE20-6143-1FD9-5FF10A20B366}"/>
+              </a:ext>
+            </a:extLst>
+          </p:cNvPr>
+          <p:cNvSpPr/>
+          <p:nvPr/>
+        </p:nvSpPr>
+        <p:spPr>
+          <a:xfrm>
+            <a:off x="5615721" y="1189362"/>
+            <a:ext cx="1741250" cy="605631"/>
+          </a:xfrm>
+          <a:prstGeom prst="roundRect">
+            <a:avLst/>
+          </a:prstGeom>
+          <a:solidFill>
+            <a:schemeClr val="tx2">
+              <a:lumMod val="40000"/>
+              <a:lumOff val="60000"/>
+            </a:schemeClr>
+          </a:solidFill>
+          <a:ln>
+            <a:solidFill>
+              <a:schemeClr val="bg1"/>
+            </a:solidFill>
+          </a:ln>
+        </p:spPr>
+        <p:style>
+          <a:lnRef idx="2">
+            <a:schemeClr val="accent5">
+              <a:shade val="50000"/>
+            </a:schemeClr>
+          </a:lnRef>
+          <a:fillRef idx="1">
+            <a:schemeClr val="accent5"/>
+          </a:fillRef>
+          <a:effectRef idx="0">
+            <a:schemeClr val="accent5"/>
+          </a:effectRef>
+          <a:fontRef idx="minor">
+            <a:schemeClr val="lt1"/>
+          </a:fontRef>
+        </p:style>
+        <p:txBody>
+          <a:bodyPr rtlCol="0" anchor="ctr"/>
+          <a:lstStyle/>
+          <a:p>
+            <a:pPr algn="ctr"/>
+            <a:r>
+              <a:rPr lang="ko-KR" altLang="en-US" dirty="0"/>
+              <a:t>웹페이지 접속</a:t>
+            </a:r>
+          </a:p>
+        </p:txBody>
+      </p:sp>
+      <p:sp>
+        <p:nvSpPr>
+          <p:cNvPr id="30" name="Rectangle: Rounded Corners 29">
+            <a:extLst>
+              <a:ext uri="{FF2B5EF4-FFF2-40B4-BE49-F238E27FC236}">
+                <a16:creationId xmlns:a16="http://schemas.microsoft.com/office/drawing/2014/main" id="{BCEC62E8-D0BF-9B7C-8144-306AF1FD5271}"/>
+              </a:ext>
+            </a:extLst>
+          </p:cNvPr>
+          <p:cNvSpPr/>
+          <p:nvPr/>
+        </p:nvSpPr>
+        <p:spPr>
+          <a:xfrm>
+            <a:off x="3223045" y="4316013"/>
+            <a:ext cx="1741250" cy="605631"/>
+          </a:xfrm>
+          <a:prstGeom prst="roundRect">
+            <a:avLst/>
+          </a:prstGeom>
+          <a:solidFill>
+            <a:schemeClr val="tx2">
+              <a:lumMod val="40000"/>
+              <a:lumOff val="60000"/>
+            </a:schemeClr>
+          </a:solidFill>
+          <a:ln>
+            <a:solidFill>
+              <a:schemeClr val="bg1"/>
+            </a:solidFill>
+          </a:ln>
+        </p:spPr>
+        <p:style>
+          <a:lnRef idx="2">
+            <a:schemeClr val="accent5">
+              <a:shade val="50000"/>
+            </a:schemeClr>
+          </a:lnRef>
+          <a:fillRef idx="1">
+            <a:schemeClr val="accent5"/>
+          </a:fillRef>
+          <a:effectRef idx="0">
+            <a:schemeClr val="accent5"/>
+          </a:effectRef>
+          <a:fontRef idx="minor">
+            <a:schemeClr val="lt1"/>
+          </a:fontRef>
+        </p:style>
+        <p:txBody>
+          <a:bodyPr rtlCol="0" anchor="ctr"/>
+          <a:lstStyle/>
+          <a:p>
+            <a:pPr algn="ctr"/>
+            <a:r>
+              <a:rPr lang="ko-KR" altLang="en-US" dirty="0"/>
+              <a:t>커뮤니티</a:t>
+            </a:r>
+          </a:p>
+        </p:txBody>
+      </p:sp>
+      <p:sp>
+        <p:nvSpPr>
+          <p:cNvPr id="31" name="Rectangle: Rounded Corners 30">
+            <a:extLst>
+              <a:ext uri="{FF2B5EF4-FFF2-40B4-BE49-F238E27FC236}">
+                <a16:creationId xmlns:a16="http://schemas.microsoft.com/office/drawing/2014/main" id="{70C0A3CD-4CC4-5C11-EA4D-32C3452FA310}"/>
+              </a:ext>
+            </a:extLst>
+          </p:cNvPr>
+          <p:cNvSpPr/>
+          <p:nvPr/>
+        </p:nvSpPr>
+        <p:spPr>
+          <a:xfrm>
+            <a:off x="3216999" y="2707486"/>
+            <a:ext cx="1741250" cy="605631"/>
+          </a:xfrm>
+          <a:prstGeom prst="roundRect">
+            <a:avLst/>
+          </a:prstGeom>
+          <a:solidFill>
+            <a:schemeClr val="tx2">
+              <a:lumMod val="40000"/>
+              <a:lumOff val="60000"/>
+            </a:schemeClr>
+          </a:solidFill>
+          <a:ln>
+            <a:solidFill>
+              <a:schemeClr val="bg1"/>
+            </a:solidFill>
+          </a:ln>
+        </p:spPr>
+        <p:style>
+          <a:lnRef idx="2">
+            <a:schemeClr val="accent5">
+              <a:shade val="50000"/>
+            </a:schemeClr>
+          </a:lnRef>
+          <a:fillRef idx="1">
+            <a:schemeClr val="accent5"/>
+          </a:fillRef>
+          <a:effectRef idx="0">
+            <a:schemeClr val="accent5"/>
+          </a:effectRef>
+          <a:fontRef idx="minor">
+            <a:schemeClr val="lt1"/>
+          </a:fontRef>
+        </p:style>
+        <p:txBody>
+          <a:bodyPr rtlCol="0" anchor="ctr"/>
+          <a:lstStyle/>
+          <a:p>
+            <a:pPr algn="ctr"/>
+            <a:endParaRPr lang="ko-KR" altLang="en-US" dirty="0"/>
+          </a:p>
+        </p:txBody>
+      </p:sp>
+      <p:sp>
+        <p:nvSpPr>
+          <p:cNvPr id="32" name="Rectangle: Rounded Corners 31">
+            <a:extLst>
+              <a:ext uri="{FF2B5EF4-FFF2-40B4-BE49-F238E27FC236}">
+                <a16:creationId xmlns:a16="http://schemas.microsoft.com/office/drawing/2014/main" id="{6DAE1D21-ACA0-4336-69D8-F04230D517FA}"/>
+              </a:ext>
+            </a:extLst>
+          </p:cNvPr>
+          <p:cNvSpPr/>
+          <p:nvPr/>
+        </p:nvSpPr>
+        <p:spPr>
+          <a:xfrm>
+            <a:off x="3162307" y="1200877"/>
+            <a:ext cx="1741250" cy="605631"/>
+          </a:xfrm>
+          <a:prstGeom prst="roundRect">
+            <a:avLst/>
+          </a:prstGeom>
+          <a:solidFill>
+            <a:schemeClr val="tx2">
+              <a:lumMod val="40000"/>
+              <a:lumOff val="60000"/>
+            </a:schemeClr>
+          </a:solidFill>
+          <a:ln>
+            <a:solidFill>
+              <a:schemeClr val="bg1"/>
+            </a:solidFill>
+          </a:ln>
+        </p:spPr>
+        <p:style>
+          <a:lnRef idx="2">
+            <a:schemeClr val="accent5">
+              <a:shade val="50000"/>
+            </a:schemeClr>
+          </a:lnRef>
+          <a:fillRef idx="1">
+            <a:schemeClr val="accent5"/>
+          </a:fillRef>
+          <a:effectRef idx="0">
+            <a:schemeClr val="accent5"/>
+          </a:effectRef>
+          <a:fontRef idx="minor">
+            <a:schemeClr val="lt1"/>
+          </a:fontRef>
+        </p:style>
+        <p:txBody>
+          <a:bodyPr rtlCol="0" anchor="ctr"/>
+          <a:lstStyle/>
+          <a:p>
+            <a:pPr algn="ctr"/>
+            <a:r>
+              <a:rPr lang="ko-KR" altLang="en-US" b="1" dirty="0"/>
+              <a:t>검색</a:t>
+            </a:r>
+          </a:p>
+        </p:txBody>
+      </p:sp>
+      <p:sp>
+        <p:nvSpPr>
+          <p:cNvPr id="33" name="Rectangle: Rounded Corners 32">
+            <a:extLst>
+              <a:ext uri="{FF2B5EF4-FFF2-40B4-BE49-F238E27FC236}">
+                <a16:creationId xmlns:a16="http://schemas.microsoft.com/office/drawing/2014/main" id="{D0D9B6B7-BEEB-E6A7-613B-0C7658289E81}"/>
+              </a:ext>
+            </a:extLst>
+          </p:cNvPr>
+          <p:cNvSpPr/>
+          <p:nvPr/>
+        </p:nvSpPr>
+        <p:spPr>
+          <a:xfrm>
+            <a:off x="5754729" y="5657122"/>
+            <a:ext cx="1741250" cy="605631"/>
+          </a:xfrm>
+          <a:prstGeom prst="roundRect">
+            <a:avLst/>
+          </a:prstGeom>
+          <a:solidFill>
+            <a:schemeClr val="tx2">
+              <a:lumMod val="40000"/>
+              <a:lumOff val="60000"/>
+            </a:schemeClr>
+          </a:solidFill>
+          <a:ln>
+            <a:solidFill>
+              <a:schemeClr val="bg1"/>
+            </a:solidFill>
+          </a:ln>
+        </p:spPr>
+        <p:style>
+          <a:lnRef idx="2">
+            <a:schemeClr val="accent5">
+              <a:shade val="50000"/>
+            </a:schemeClr>
+          </a:lnRef>
+          <a:fillRef idx="1">
+            <a:schemeClr val="accent5"/>
+          </a:fillRef>
+          <a:effectRef idx="0">
+            <a:schemeClr val="accent5"/>
+          </a:effectRef>
+          <a:fontRef idx="minor">
+            <a:schemeClr val="lt1"/>
+          </a:fontRef>
+        </p:style>
+        <p:txBody>
+          <a:bodyPr rtlCol="0" anchor="ctr"/>
+          <a:lstStyle/>
+          <a:p>
+            <a:pPr algn="ctr"/>
+            <a:r>
+              <a:rPr lang="ko-KR" altLang="en-US" dirty="0"/>
+              <a:t>회원정보수정</a:t>
+            </a:r>
+          </a:p>
+        </p:txBody>
+      </p:sp>
     </p:spTree>
     <p:extLst>
       <p:ext uri="{BB962C8B-B14F-4D97-AF65-F5344CB8AC3E}">
@@ -11406,12 +13054,16 @@
             <a:r>
               <a:rPr lang="ko-KR" altLang="en-US" sz="3200" b="1" dirty="0">
                 <a:solidFill>
-                  <a:srgbClr val="0090D0"/>
+                  <a:schemeClr val="accent1"/>
                 </a:solidFill>
               </a:rPr>
               <a:t>메뉴 구성</a:t>
             </a:r>
-            <a:endParaRPr lang="ko-KR" altLang="en-US" sz="3200" dirty="0"/>
+            <a:endParaRPr lang="ko-KR" altLang="en-US" sz="3200" dirty="0">
+              <a:solidFill>
+                <a:schemeClr val="accent1"/>
+              </a:solidFill>
+            </a:endParaRPr>
           </a:p>
         </p:txBody>
       </p:sp>
@@ -12185,7 +13837,1647 @@
             <a:avLst/>
           </a:prstGeom>
           <a:solidFill>
-            <a:srgbClr val="0090D0"/>
+            <a:schemeClr val="accent1">
+              <a:lumMod val="60000"/>
+              <a:lumOff val="40000"/>
+            </a:schemeClr>
+          </a:solidFill>
+          <a:ln>
+            <a:noFill/>
+          </a:ln>
+        </p:spPr>
+        <p:style>
+          <a:lnRef idx="2">
+            <a:schemeClr val="accent1">
+              <a:shade val="50000"/>
+            </a:schemeClr>
+          </a:lnRef>
+          <a:fillRef idx="1">
+            <a:schemeClr val="accent1"/>
+          </a:fillRef>
+          <a:effectRef idx="0">
+            <a:schemeClr val="accent1"/>
+          </a:effectRef>
+          <a:fontRef idx="minor">
+            <a:schemeClr val="lt1"/>
+          </a:fontRef>
+        </p:style>
+        <p:txBody>
+          <a:bodyPr rtlCol="0" anchor="ctr"/>
+          <a:lstStyle/>
+          <a:p>
+            <a:pPr algn="ctr"/>
+            <a:endParaRPr lang="ko-KR" altLang="en-US" sz="1600"/>
+          </a:p>
+        </p:txBody>
+      </p:sp>
+      <p:grpSp>
+        <p:nvGrpSpPr>
+          <p:cNvPr id="31" name="그룹 30">
+            <a:extLst>
+              <a:ext uri="{FF2B5EF4-FFF2-40B4-BE49-F238E27FC236}">
+                <a16:creationId xmlns:a16="http://schemas.microsoft.com/office/drawing/2014/main" id="{466D0EF9-BADE-427D-91D6-1EF0D4516307}"/>
+              </a:ext>
+            </a:extLst>
+          </p:cNvPr>
+          <p:cNvGrpSpPr/>
+          <p:nvPr/>
+        </p:nvGrpSpPr>
+        <p:grpSpPr>
+          <a:xfrm>
+            <a:off x="276836" y="269845"/>
+            <a:ext cx="2171089" cy="977409"/>
+            <a:chOff x="276836" y="269845"/>
+            <a:chExt cx="2171089" cy="977409"/>
+          </a:xfrm>
+        </p:grpSpPr>
+        <p:sp>
+          <p:nvSpPr>
+            <p:cNvPr id="6" name="TextBox 5">
+              <a:extLst>
+                <a:ext uri="{FF2B5EF4-FFF2-40B4-BE49-F238E27FC236}">
+                  <a16:creationId xmlns:a16="http://schemas.microsoft.com/office/drawing/2014/main" id="{EA58E314-C773-4F36-8C88-B79D5D98B4F8}"/>
+                </a:ext>
+              </a:extLst>
+            </p:cNvPr>
+            <p:cNvSpPr txBox="1"/>
+            <p:nvPr/>
+          </p:nvSpPr>
+          <p:spPr>
+            <a:xfrm>
+              <a:off x="276836" y="269845"/>
+              <a:ext cx="800219" cy="338554"/>
+            </a:xfrm>
+            <a:prstGeom prst="rect">
+              <a:avLst/>
+            </a:prstGeom>
+            <a:noFill/>
+          </p:spPr>
+          <p:txBody>
+            <a:bodyPr wrap="none" rtlCol="0">
+              <a:spAutoFit/>
+            </a:bodyPr>
+            <a:lstStyle/>
+            <a:p>
+              <a:r>
+                <a:rPr lang="ko-KR" altLang="en-US" sz="1600" b="1" dirty="0">
+                  <a:solidFill>
+                    <a:schemeClr val="bg1"/>
+                  </a:solidFill>
+                </a:rPr>
+                <a:t>과제명</a:t>
+              </a:r>
+            </a:p>
+          </p:txBody>
+        </p:sp>
+        <p:sp>
+          <p:nvSpPr>
+            <p:cNvPr id="10" name="TextBox 9">
+              <a:extLst>
+                <a:ext uri="{FF2B5EF4-FFF2-40B4-BE49-F238E27FC236}">
+                  <a16:creationId xmlns:a16="http://schemas.microsoft.com/office/drawing/2014/main" id="{E2FC9F57-DA73-432C-ADB1-4C65C38E146D}"/>
+                </a:ext>
+              </a:extLst>
+            </p:cNvPr>
+            <p:cNvSpPr txBox="1"/>
+            <p:nvPr/>
+          </p:nvSpPr>
+          <p:spPr>
+            <a:xfrm>
+              <a:off x="276836" y="600923"/>
+              <a:ext cx="2171089" cy="646331"/>
+            </a:xfrm>
+            <a:prstGeom prst="rect">
+              <a:avLst/>
+            </a:prstGeom>
+            <a:noFill/>
+          </p:spPr>
+          <p:txBody>
+            <a:bodyPr wrap="square" rtlCol="0">
+              <a:spAutoFit/>
+            </a:bodyPr>
+            <a:lstStyle/>
+            <a:p>
+              <a:r>
+                <a:rPr lang="ko-KR" altLang="en-US" sz="1200" dirty="0">
+                  <a:solidFill>
+                    <a:schemeClr val="bg1"/>
+                  </a:solidFill>
+                </a:rPr>
+                <a:t>ㅁㅈㅁㅈ</a:t>
+              </a:r>
+              <a:endParaRPr lang="en-US" altLang="ko-KR" sz="1200" dirty="0">
+                <a:solidFill>
+                  <a:schemeClr val="bg1"/>
+                </a:solidFill>
+              </a:endParaRPr>
+            </a:p>
+            <a:p>
+              <a:r>
+                <a:rPr lang="en-US" altLang="ko-KR" sz="1200" dirty="0">
+                  <a:solidFill>
+                    <a:schemeClr val="bg1"/>
+                  </a:solidFill>
+                </a:rPr>
+                <a:t>- </a:t>
+              </a:r>
+              <a:r>
+                <a:rPr lang="ko-KR" altLang="en-US" sz="1200" dirty="0">
+                  <a:solidFill>
+                    <a:schemeClr val="bg1"/>
+                  </a:solidFill>
+                </a:rPr>
+                <a:t>좋아하는 연예인의 착용 제품을 찾아주는 쇼핑 플랫폼 </a:t>
+              </a:r>
+              <a:endParaRPr lang="en-US" altLang="ko-KR" sz="1200" dirty="0">
+                <a:solidFill>
+                  <a:schemeClr val="bg1"/>
+                </a:solidFill>
+              </a:endParaRPr>
+            </a:p>
+          </p:txBody>
+        </p:sp>
+      </p:grpSp>
+      <p:grpSp>
+        <p:nvGrpSpPr>
+          <p:cNvPr id="30" name="그룹 29">
+            <a:extLst>
+              <a:ext uri="{FF2B5EF4-FFF2-40B4-BE49-F238E27FC236}">
+                <a16:creationId xmlns:a16="http://schemas.microsoft.com/office/drawing/2014/main" id="{956FCDD1-8102-469E-963F-8CF798D512DC}"/>
+              </a:ext>
+            </a:extLst>
+          </p:cNvPr>
+          <p:cNvGrpSpPr/>
+          <p:nvPr/>
+        </p:nvGrpSpPr>
+        <p:grpSpPr>
+          <a:xfrm>
+            <a:off x="276836" y="1283533"/>
+            <a:ext cx="2171089" cy="608077"/>
+            <a:chOff x="276836" y="1474033"/>
+            <a:chExt cx="2171089" cy="608077"/>
+          </a:xfrm>
+        </p:grpSpPr>
+        <p:sp>
+          <p:nvSpPr>
+            <p:cNvPr id="11" name="TextBox 10">
+              <a:extLst>
+                <a:ext uri="{FF2B5EF4-FFF2-40B4-BE49-F238E27FC236}">
+                  <a16:creationId xmlns:a16="http://schemas.microsoft.com/office/drawing/2014/main" id="{A11D4FEC-A08E-42DB-9970-9FD7B36730CB}"/>
+                </a:ext>
+              </a:extLst>
+            </p:cNvPr>
+            <p:cNvSpPr txBox="1"/>
+            <p:nvPr/>
+          </p:nvSpPr>
+          <p:spPr>
+            <a:xfrm>
+              <a:off x="276836" y="1474033"/>
+              <a:ext cx="1005403" cy="338554"/>
+            </a:xfrm>
+            <a:prstGeom prst="rect">
+              <a:avLst/>
+            </a:prstGeom>
+            <a:noFill/>
+          </p:spPr>
+          <p:txBody>
+            <a:bodyPr wrap="none" rtlCol="0">
+              <a:spAutoFit/>
+            </a:bodyPr>
+            <a:lstStyle/>
+            <a:p>
+              <a:r>
+                <a:rPr lang="ko-KR" altLang="en-US" sz="1600" b="1" dirty="0">
+                  <a:solidFill>
+                    <a:schemeClr val="bg1"/>
+                  </a:solidFill>
+                </a:rPr>
+                <a:t>화면이름</a:t>
+              </a:r>
+            </a:p>
+          </p:txBody>
+        </p:sp>
+        <p:sp>
+          <p:nvSpPr>
+            <p:cNvPr id="12" name="TextBox 11">
+              <a:extLst>
+                <a:ext uri="{FF2B5EF4-FFF2-40B4-BE49-F238E27FC236}">
+                  <a16:creationId xmlns:a16="http://schemas.microsoft.com/office/drawing/2014/main" id="{95279311-CDE0-44BF-8410-51979300FD53}"/>
+                </a:ext>
+              </a:extLst>
+            </p:cNvPr>
+            <p:cNvSpPr txBox="1"/>
+            <p:nvPr/>
+          </p:nvSpPr>
+          <p:spPr>
+            <a:xfrm>
+              <a:off x="276836" y="1805111"/>
+              <a:ext cx="2171089" cy="276999"/>
+            </a:xfrm>
+            <a:prstGeom prst="rect">
+              <a:avLst/>
+            </a:prstGeom>
+            <a:noFill/>
+          </p:spPr>
+          <p:txBody>
+            <a:bodyPr wrap="square" rtlCol="0">
+              <a:spAutoFit/>
+            </a:bodyPr>
+            <a:lstStyle/>
+            <a:p>
+              <a:r>
+                <a:rPr lang="ko-KR" altLang="en-US" sz="1200" dirty="0">
+                  <a:solidFill>
+                    <a:schemeClr val="bg1"/>
+                  </a:solidFill>
+                </a:rPr>
+                <a:t>메인 페이지</a:t>
+              </a:r>
+              <a:endParaRPr lang="en-US" altLang="ko-KR" sz="1200" dirty="0">
+                <a:solidFill>
+                  <a:schemeClr val="bg1"/>
+                </a:solidFill>
+              </a:endParaRPr>
+            </a:p>
+          </p:txBody>
+        </p:sp>
+      </p:grpSp>
+      <p:grpSp>
+        <p:nvGrpSpPr>
+          <p:cNvPr id="29" name="그룹 28">
+            <a:extLst>
+              <a:ext uri="{FF2B5EF4-FFF2-40B4-BE49-F238E27FC236}">
+                <a16:creationId xmlns:a16="http://schemas.microsoft.com/office/drawing/2014/main" id="{CE8B1C68-700F-45A9-8016-5ED0A02FFBE2}"/>
+              </a:ext>
+            </a:extLst>
+          </p:cNvPr>
+          <p:cNvGrpSpPr/>
+          <p:nvPr/>
+        </p:nvGrpSpPr>
+        <p:grpSpPr>
+          <a:xfrm>
+            <a:off x="276836" y="2287696"/>
+            <a:ext cx="2171089" cy="608077"/>
+            <a:chOff x="276836" y="2678221"/>
+            <a:chExt cx="2171089" cy="608077"/>
+          </a:xfrm>
+        </p:grpSpPr>
+        <p:sp>
+          <p:nvSpPr>
+            <p:cNvPr id="13" name="TextBox 12">
+              <a:extLst>
+                <a:ext uri="{FF2B5EF4-FFF2-40B4-BE49-F238E27FC236}">
+                  <a16:creationId xmlns:a16="http://schemas.microsoft.com/office/drawing/2014/main" id="{8A754930-80DC-40A4-874B-EBE42B054C69}"/>
+                </a:ext>
+              </a:extLst>
+            </p:cNvPr>
+            <p:cNvSpPr txBox="1"/>
+            <p:nvPr/>
+          </p:nvSpPr>
+          <p:spPr>
+            <a:xfrm>
+              <a:off x="276836" y="2678221"/>
+              <a:ext cx="1005403" cy="338554"/>
+            </a:xfrm>
+            <a:prstGeom prst="rect">
+              <a:avLst/>
+            </a:prstGeom>
+            <a:noFill/>
+          </p:spPr>
+          <p:txBody>
+            <a:bodyPr wrap="none" rtlCol="0">
+              <a:spAutoFit/>
+            </a:bodyPr>
+            <a:lstStyle/>
+            <a:p>
+              <a:r>
+                <a:rPr lang="ko-KR" altLang="en-US" sz="1600" b="1" dirty="0">
+                  <a:solidFill>
+                    <a:schemeClr val="bg1"/>
+                  </a:solidFill>
+                </a:rPr>
+                <a:t>화면코드</a:t>
+              </a:r>
+            </a:p>
+          </p:txBody>
+        </p:sp>
+        <p:sp>
+          <p:nvSpPr>
+            <p:cNvPr id="14" name="TextBox 13">
+              <a:extLst>
+                <a:ext uri="{FF2B5EF4-FFF2-40B4-BE49-F238E27FC236}">
+                  <a16:creationId xmlns:a16="http://schemas.microsoft.com/office/drawing/2014/main" id="{A23439F9-C374-4017-AD5C-0C17D06FDD60}"/>
+                </a:ext>
+              </a:extLst>
+            </p:cNvPr>
+            <p:cNvSpPr txBox="1"/>
+            <p:nvPr/>
+          </p:nvSpPr>
+          <p:spPr>
+            <a:xfrm>
+              <a:off x="276836" y="3009299"/>
+              <a:ext cx="2171089" cy="276999"/>
+            </a:xfrm>
+            <a:prstGeom prst="rect">
+              <a:avLst/>
+            </a:prstGeom>
+            <a:noFill/>
+          </p:spPr>
+          <p:txBody>
+            <a:bodyPr wrap="square" rtlCol="0">
+              <a:spAutoFit/>
+            </a:bodyPr>
+            <a:lstStyle/>
+            <a:p>
+              <a:r>
+                <a:rPr lang="en-US" altLang="ko-KR" sz="1200" dirty="0" err="1">
+                  <a:solidFill>
+                    <a:schemeClr val="bg1"/>
+                  </a:solidFill>
+                </a:rPr>
+                <a:t>mainpage</a:t>
+              </a:r>
+              <a:endParaRPr lang="en-US" altLang="ko-KR" sz="1200" dirty="0">
+                <a:solidFill>
+                  <a:schemeClr val="bg1"/>
+                </a:solidFill>
+              </a:endParaRPr>
+            </a:p>
+          </p:txBody>
+        </p:sp>
+      </p:grpSp>
+      <p:grpSp>
+        <p:nvGrpSpPr>
+          <p:cNvPr id="28" name="그룹 27">
+            <a:extLst>
+              <a:ext uri="{FF2B5EF4-FFF2-40B4-BE49-F238E27FC236}">
+                <a16:creationId xmlns:a16="http://schemas.microsoft.com/office/drawing/2014/main" id="{3B60CFA0-0763-417B-8AE3-E4433CBD2755}"/>
+              </a:ext>
+            </a:extLst>
+          </p:cNvPr>
+          <p:cNvGrpSpPr/>
+          <p:nvPr/>
+        </p:nvGrpSpPr>
+        <p:grpSpPr>
+          <a:xfrm>
+            <a:off x="276836" y="3104991"/>
+            <a:ext cx="2171089" cy="608077"/>
+            <a:chOff x="276836" y="3666966"/>
+            <a:chExt cx="2171089" cy="608077"/>
+          </a:xfrm>
+        </p:grpSpPr>
+        <p:sp>
+          <p:nvSpPr>
+            <p:cNvPr id="15" name="TextBox 14">
+              <a:extLst>
+                <a:ext uri="{FF2B5EF4-FFF2-40B4-BE49-F238E27FC236}">
+                  <a16:creationId xmlns:a16="http://schemas.microsoft.com/office/drawing/2014/main" id="{9DBDFEAB-84D3-47DC-AEB0-DD14BE3C3381}"/>
+                </a:ext>
+              </a:extLst>
+            </p:cNvPr>
+            <p:cNvSpPr txBox="1"/>
+            <p:nvPr/>
+          </p:nvSpPr>
+          <p:spPr>
+            <a:xfrm>
+              <a:off x="276836" y="3666966"/>
+              <a:ext cx="800219" cy="338554"/>
+            </a:xfrm>
+            <a:prstGeom prst="rect">
+              <a:avLst/>
+            </a:prstGeom>
+            <a:noFill/>
+          </p:spPr>
+          <p:txBody>
+            <a:bodyPr wrap="none" rtlCol="0">
+              <a:spAutoFit/>
+            </a:bodyPr>
+            <a:lstStyle/>
+            <a:p>
+              <a:r>
+                <a:rPr lang="ko-KR" altLang="en-US" sz="1600" b="1" dirty="0">
+                  <a:solidFill>
+                    <a:schemeClr val="bg1"/>
+                  </a:solidFill>
+                </a:rPr>
+                <a:t>작성자</a:t>
+              </a:r>
+            </a:p>
+          </p:txBody>
+        </p:sp>
+        <p:sp>
+          <p:nvSpPr>
+            <p:cNvPr id="16" name="TextBox 15">
+              <a:extLst>
+                <a:ext uri="{FF2B5EF4-FFF2-40B4-BE49-F238E27FC236}">
+                  <a16:creationId xmlns:a16="http://schemas.microsoft.com/office/drawing/2014/main" id="{AE876C31-DEE5-4929-A872-47CFFD6D977C}"/>
+                </a:ext>
+              </a:extLst>
+            </p:cNvPr>
+            <p:cNvSpPr txBox="1"/>
+            <p:nvPr/>
+          </p:nvSpPr>
+          <p:spPr>
+            <a:xfrm>
+              <a:off x="276836" y="3998044"/>
+              <a:ext cx="2171089" cy="276999"/>
+            </a:xfrm>
+            <a:prstGeom prst="rect">
+              <a:avLst/>
+            </a:prstGeom>
+            <a:noFill/>
+          </p:spPr>
+          <p:txBody>
+            <a:bodyPr wrap="square" rtlCol="0">
+              <a:spAutoFit/>
+            </a:bodyPr>
+            <a:lstStyle/>
+            <a:p>
+              <a:r>
+                <a:rPr lang="ko-KR" altLang="en-US" sz="1200" dirty="0">
+                  <a:solidFill>
+                    <a:schemeClr val="bg1"/>
+                  </a:solidFill>
+                </a:rPr>
+                <a:t>팀원</a:t>
+              </a:r>
+              <a:r>
+                <a:rPr lang="en-US" altLang="ko-KR" sz="1200" dirty="0">
+                  <a:solidFill>
+                    <a:schemeClr val="bg1"/>
+                  </a:solidFill>
+                </a:rPr>
+                <a:t>: </a:t>
+              </a:r>
+              <a:r>
+                <a:rPr lang="ko-KR" altLang="en-US" sz="1200" dirty="0">
+                  <a:solidFill>
+                    <a:schemeClr val="bg1"/>
+                  </a:solidFill>
+                </a:rPr>
+                <a:t>이예지</a:t>
+              </a:r>
+              <a:endParaRPr lang="en-US" altLang="ko-KR" sz="1200" dirty="0">
+                <a:solidFill>
+                  <a:schemeClr val="bg1"/>
+                </a:solidFill>
+              </a:endParaRPr>
+            </a:p>
+          </p:txBody>
+        </p:sp>
+      </p:grpSp>
+      <p:sp>
+        <p:nvSpPr>
+          <p:cNvPr id="17" name="직사각형 16">
+            <a:extLst>
+              <a:ext uri="{FF2B5EF4-FFF2-40B4-BE49-F238E27FC236}">
+                <a16:creationId xmlns:a16="http://schemas.microsoft.com/office/drawing/2014/main" id="{F2EE50EF-1C64-4D24-A8FC-FEB31ECABF02}"/>
+              </a:ext>
+            </a:extLst>
+          </p:cNvPr>
+          <p:cNvSpPr/>
+          <p:nvPr/>
+        </p:nvSpPr>
+        <p:spPr>
+          <a:xfrm>
+            <a:off x="2743200" y="5172074"/>
+            <a:ext cx="7162799" cy="1685923"/>
+          </a:xfrm>
+          <a:prstGeom prst="rect">
+            <a:avLst/>
+          </a:prstGeom>
+          <a:solidFill>
+            <a:schemeClr val="bg1">
+              <a:lumMod val="95000"/>
+            </a:schemeClr>
+          </a:solidFill>
+          <a:ln>
+            <a:noFill/>
+          </a:ln>
+        </p:spPr>
+        <p:style>
+          <a:lnRef idx="2">
+            <a:schemeClr val="accent1">
+              <a:shade val="50000"/>
+            </a:schemeClr>
+          </a:lnRef>
+          <a:fillRef idx="1">
+            <a:schemeClr val="accent1"/>
+          </a:fillRef>
+          <a:effectRef idx="0">
+            <a:schemeClr val="accent1"/>
+          </a:effectRef>
+          <a:fontRef idx="minor">
+            <a:schemeClr val="lt1"/>
+          </a:fontRef>
+        </p:style>
+        <p:txBody>
+          <a:bodyPr rtlCol="0" anchor="ctr"/>
+          <a:lstStyle/>
+          <a:p>
+            <a:pPr algn="ctr"/>
+            <a:endParaRPr lang="ko-KR" altLang="en-US" sz="1600"/>
+          </a:p>
+        </p:txBody>
+      </p:sp>
+      <p:sp>
+        <p:nvSpPr>
+          <p:cNvPr id="18" name="TextBox 17">
+            <a:extLst>
+              <a:ext uri="{FF2B5EF4-FFF2-40B4-BE49-F238E27FC236}">
+                <a16:creationId xmlns:a16="http://schemas.microsoft.com/office/drawing/2014/main" id="{17EFCDDE-1130-408D-9BF1-4DAA52C217DC}"/>
+              </a:ext>
+            </a:extLst>
+          </p:cNvPr>
+          <p:cNvSpPr txBox="1"/>
+          <p:nvPr/>
+        </p:nvSpPr>
+        <p:spPr>
+          <a:xfrm>
+            <a:off x="3020037" y="5412546"/>
+            <a:ext cx="1005403" cy="338554"/>
+          </a:xfrm>
+          <a:prstGeom prst="rect">
+            <a:avLst/>
+          </a:prstGeom>
+          <a:noFill/>
+        </p:spPr>
+        <p:txBody>
+          <a:bodyPr wrap="none" rtlCol="0">
+            <a:spAutoFit/>
+          </a:bodyPr>
+          <a:lstStyle/>
+          <a:p>
+            <a:r>
+              <a:rPr lang="ko-KR" altLang="en-US" sz="1600" b="1" dirty="0">
+                <a:solidFill>
+                  <a:srgbClr val="0090D0"/>
+                </a:solidFill>
+              </a:rPr>
+              <a:t>화면설명</a:t>
+            </a:r>
+          </a:p>
+        </p:txBody>
+      </p:sp>
+      <p:sp>
+        <p:nvSpPr>
+          <p:cNvPr id="19" name="TextBox 18">
+            <a:extLst>
+              <a:ext uri="{FF2B5EF4-FFF2-40B4-BE49-F238E27FC236}">
+                <a16:creationId xmlns:a16="http://schemas.microsoft.com/office/drawing/2014/main" id="{0DBB6D9D-7151-48F9-9712-A4D8DDC0AA70}"/>
+              </a:ext>
+            </a:extLst>
+          </p:cNvPr>
+          <p:cNvSpPr txBox="1"/>
+          <p:nvPr/>
+        </p:nvSpPr>
+        <p:spPr>
+          <a:xfrm>
+            <a:off x="3020037" y="5781724"/>
+            <a:ext cx="2466366" cy="276999"/>
+          </a:xfrm>
+          <a:prstGeom prst="rect">
+            <a:avLst/>
+          </a:prstGeom>
+          <a:noFill/>
+        </p:spPr>
+        <p:txBody>
+          <a:bodyPr wrap="square" rtlCol="0">
+            <a:spAutoFit/>
+          </a:bodyPr>
+          <a:lstStyle/>
+          <a:p>
+            <a:r>
+              <a:rPr lang="en-US" altLang="ko-KR" sz="1200" dirty="0"/>
+              <a:t> - </a:t>
+            </a:r>
+            <a:r>
+              <a:rPr lang="ko-KR" altLang="en-US" sz="1200" dirty="0"/>
+              <a:t>화면설명 입력</a:t>
+            </a:r>
+            <a:endParaRPr lang="en-US" altLang="ko-KR" sz="1200" dirty="0"/>
+          </a:p>
+        </p:txBody>
+      </p:sp>
+      <p:grpSp>
+        <p:nvGrpSpPr>
+          <p:cNvPr id="32" name="그룹 31">
+            <a:extLst>
+              <a:ext uri="{FF2B5EF4-FFF2-40B4-BE49-F238E27FC236}">
+                <a16:creationId xmlns:a16="http://schemas.microsoft.com/office/drawing/2014/main" id="{CA1DD512-4BF6-481A-95B3-0402591A68BA}"/>
+              </a:ext>
+            </a:extLst>
+          </p:cNvPr>
+          <p:cNvGrpSpPr/>
+          <p:nvPr/>
+        </p:nvGrpSpPr>
+        <p:grpSpPr>
+          <a:xfrm>
+            <a:off x="276836" y="3936433"/>
+            <a:ext cx="2171089" cy="608077"/>
+            <a:chOff x="276836" y="269845"/>
+            <a:chExt cx="2171089" cy="608077"/>
+          </a:xfrm>
+        </p:grpSpPr>
+        <p:sp>
+          <p:nvSpPr>
+            <p:cNvPr id="33" name="TextBox 32">
+              <a:extLst>
+                <a:ext uri="{FF2B5EF4-FFF2-40B4-BE49-F238E27FC236}">
+                  <a16:creationId xmlns:a16="http://schemas.microsoft.com/office/drawing/2014/main" id="{E2C757D1-6594-4C66-81E7-820AE4027158}"/>
+                </a:ext>
+              </a:extLst>
+            </p:cNvPr>
+            <p:cNvSpPr txBox="1"/>
+            <p:nvPr/>
+          </p:nvSpPr>
+          <p:spPr>
+            <a:xfrm>
+              <a:off x="276836" y="269845"/>
+              <a:ext cx="1005403" cy="338554"/>
+            </a:xfrm>
+            <a:prstGeom prst="rect">
+              <a:avLst/>
+            </a:prstGeom>
+            <a:noFill/>
+          </p:spPr>
+          <p:txBody>
+            <a:bodyPr wrap="none" rtlCol="0">
+              <a:spAutoFit/>
+            </a:bodyPr>
+            <a:lstStyle/>
+            <a:p>
+              <a:r>
+                <a:rPr lang="ko-KR" altLang="en-US" sz="1600" b="1" dirty="0">
+                  <a:solidFill>
+                    <a:schemeClr val="bg1"/>
+                  </a:solidFill>
+                </a:rPr>
+                <a:t>유의사항</a:t>
+              </a:r>
+            </a:p>
+          </p:txBody>
+        </p:sp>
+        <p:sp>
+          <p:nvSpPr>
+            <p:cNvPr id="34" name="TextBox 33">
+              <a:extLst>
+                <a:ext uri="{FF2B5EF4-FFF2-40B4-BE49-F238E27FC236}">
+                  <a16:creationId xmlns:a16="http://schemas.microsoft.com/office/drawing/2014/main" id="{D86AE12A-76EC-49AD-A2BE-EBED9566CBB2}"/>
+                </a:ext>
+              </a:extLst>
+            </p:cNvPr>
+            <p:cNvSpPr txBox="1"/>
+            <p:nvPr/>
+          </p:nvSpPr>
+          <p:spPr>
+            <a:xfrm>
+              <a:off x="276836" y="600923"/>
+              <a:ext cx="2171089" cy="276999"/>
+            </a:xfrm>
+            <a:prstGeom prst="rect">
+              <a:avLst/>
+            </a:prstGeom>
+            <a:noFill/>
+          </p:spPr>
+          <p:txBody>
+            <a:bodyPr wrap="square" rtlCol="0">
+              <a:spAutoFit/>
+            </a:bodyPr>
+            <a:lstStyle/>
+            <a:p>
+              <a:endParaRPr lang="en-US" altLang="ko-KR" sz="1200" dirty="0">
+                <a:solidFill>
+                  <a:schemeClr val="bg1"/>
+                </a:solidFill>
+              </a:endParaRPr>
+            </a:p>
+          </p:txBody>
+        </p:sp>
+      </p:grpSp>
+      <p:sp>
+        <p:nvSpPr>
+          <p:cNvPr id="36" name="TextBox 35">
+            <a:extLst>
+              <a:ext uri="{FF2B5EF4-FFF2-40B4-BE49-F238E27FC236}">
+                <a16:creationId xmlns:a16="http://schemas.microsoft.com/office/drawing/2014/main" id="{4A3FAFFD-4C84-4F14-8CFD-262EC1F85AD5}"/>
+              </a:ext>
+            </a:extLst>
+          </p:cNvPr>
+          <p:cNvSpPr txBox="1"/>
+          <p:nvPr/>
+        </p:nvSpPr>
+        <p:spPr>
+          <a:xfrm>
+            <a:off x="5763239" y="5781723"/>
+            <a:ext cx="2466366" cy="276999"/>
+          </a:xfrm>
+          <a:prstGeom prst="rect">
+            <a:avLst/>
+          </a:prstGeom>
+          <a:noFill/>
+        </p:spPr>
+        <p:txBody>
+          <a:bodyPr wrap="square" rtlCol="0">
+            <a:spAutoFit/>
+          </a:bodyPr>
+          <a:lstStyle/>
+          <a:p>
+            <a:r>
+              <a:rPr lang="en-US" altLang="ko-KR" sz="1200" dirty="0"/>
+              <a:t> - </a:t>
+            </a:r>
+            <a:r>
+              <a:rPr lang="ko-KR" altLang="en-US" sz="1200" dirty="0"/>
+              <a:t>화면설명 입력</a:t>
+            </a:r>
+            <a:endParaRPr lang="en-US" altLang="ko-KR" sz="1200" dirty="0"/>
+          </a:p>
+        </p:txBody>
+      </p:sp>
+    </p:spTree>
+    <p:extLst>
+      <p:ext uri="{BB962C8B-B14F-4D97-AF65-F5344CB8AC3E}">
+        <p14:creationId xmlns:p14="http://schemas.microsoft.com/office/powerpoint/2010/main" val="2878993053"/>
+      </p:ext>
+    </p:extLst>
+  </p:cSld>
+  <p:clrMapOvr>
+    <a:masterClrMapping/>
+  </p:clrMapOvr>
+</p:sld>
+</file>
+
+<file path=ppt/slides/slide5.xml><?xml version="1.0" encoding="utf-8"?>
+<p:sld xmlns:a="http://schemas.openxmlformats.org/drawingml/2006/main" xmlns:r="http://schemas.openxmlformats.org/officeDocument/2006/relationships" xmlns:p="http://schemas.openxmlformats.org/presentationml/2006/main">
+  <p:cSld>
+    <p:spTree>
+      <p:nvGrpSpPr>
+        <p:cNvPr id="1" name=""/>
+        <p:cNvGrpSpPr/>
+        <p:nvPr/>
+      </p:nvGrpSpPr>
+      <p:grpSpPr>
+        <a:xfrm>
+          <a:off x="0" y="0"/>
+          <a:ext cx="0" cy="0"/>
+          <a:chOff x="0" y="0"/>
+          <a:chExt cx="0" cy="0"/>
+        </a:xfrm>
+      </p:grpSpPr>
+      <p:sp>
+        <p:nvSpPr>
+          <p:cNvPr id="4" name="직사각형 3">
+            <a:extLst>
+              <a:ext uri="{FF2B5EF4-FFF2-40B4-BE49-F238E27FC236}">
+                <a16:creationId xmlns:a16="http://schemas.microsoft.com/office/drawing/2014/main" id="{17CCAA0A-5307-48D3-9858-F46440A1DFFF}"/>
+              </a:ext>
+            </a:extLst>
+          </p:cNvPr>
+          <p:cNvSpPr/>
+          <p:nvPr/>
+        </p:nvSpPr>
+        <p:spPr>
+          <a:xfrm>
+            <a:off x="0" y="2"/>
+            <a:ext cx="2743201" cy="6857996"/>
+          </a:xfrm>
+          <a:prstGeom prst="rect">
+            <a:avLst/>
+          </a:prstGeom>
+          <a:solidFill>
+            <a:schemeClr val="accent1">
+              <a:lumMod val="60000"/>
+              <a:lumOff val="40000"/>
+            </a:schemeClr>
+          </a:solidFill>
+          <a:ln>
+            <a:noFill/>
+          </a:ln>
+        </p:spPr>
+        <p:style>
+          <a:lnRef idx="2">
+            <a:schemeClr val="accent1">
+              <a:shade val="50000"/>
+            </a:schemeClr>
+          </a:lnRef>
+          <a:fillRef idx="1">
+            <a:schemeClr val="accent1"/>
+          </a:fillRef>
+          <a:effectRef idx="0">
+            <a:schemeClr val="accent1"/>
+          </a:effectRef>
+          <a:fontRef idx="minor">
+            <a:schemeClr val="lt1"/>
+          </a:fontRef>
+        </p:style>
+        <p:txBody>
+          <a:bodyPr rtlCol="0" anchor="ctr"/>
+          <a:lstStyle/>
+          <a:p>
+            <a:pPr algn="ctr"/>
+            <a:endParaRPr lang="ko-KR" altLang="en-US" sz="1600"/>
+          </a:p>
+        </p:txBody>
+      </p:sp>
+      <p:grpSp>
+        <p:nvGrpSpPr>
+          <p:cNvPr id="31" name="그룹 30">
+            <a:extLst>
+              <a:ext uri="{FF2B5EF4-FFF2-40B4-BE49-F238E27FC236}">
+                <a16:creationId xmlns:a16="http://schemas.microsoft.com/office/drawing/2014/main" id="{466D0EF9-BADE-427D-91D6-1EF0D4516307}"/>
+              </a:ext>
+            </a:extLst>
+          </p:cNvPr>
+          <p:cNvGrpSpPr/>
+          <p:nvPr/>
+        </p:nvGrpSpPr>
+        <p:grpSpPr>
+          <a:xfrm>
+            <a:off x="276836" y="269845"/>
+            <a:ext cx="2171089" cy="977409"/>
+            <a:chOff x="276836" y="269845"/>
+            <a:chExt cx="2171089" cy="977409"/>
+          </a:xfrm>
+        </p:grpSpPr>
+        <p:sp>
+          <p:nvSpPr>
+            <p:cNvPr id="6" name="TextBox 5">
+              <a:extLst>
+                <a:ext uri="{FF2B5EF4-FFF2-40B4-BE49-F238E27FC236}">
+                  <a16:creationId xmlns:a16="http://schemas.microsoft.com/office/drawing/2014/main" id="{EA58E314-C773-4F36-8C88-B79D5D98B4F8}"/>
+                </a:ext>
+              </a:extLst>
+            </p:cNvPr>
+            <p:cNvSpPr txBox="1"/>
+            <p:nvPr/>
+          </p:nvSpPr>
+          <p:spPr>
+            <a:xfrm>
+              <a:off x="276836" y="269845"/>
+              <a:ext cx="800219" cy="338554"/>
+            </a:xfrm>
+            <a:prstGeom prst="rect">
+              <a:avLst/>
+            </a:prstGeom>
+            <a:noFill/>
+          </p:spPr>
+          <p:txBody>
+            <a:bodyPr wrap="none" rtlCol="0">
+              <a:spAutoFit/>
+            </a:bodyPr>
+            <a:lstStyle/>
+            <a:p>
+              <a:r>
+                <a:rPr lang="ko-KR" altLang="en-US" sz="1600" b="1" dirty="0">
+                  <a:solidFill>
+                    <a:schemeClr val="bg1"/>
+                  </a:solidFill>
+                </a:rPr>
+                <a:t>과제명</a:t>
+              </a:r>
+            </a:p>
+          </p:txBody>
+        </p:sp>
+        <p:sp>
+          <p:nvSpPr>
+            <p:cNvPr id="10" name="TextBox 9">
+              <a:extLst>
+                <a:ext uri="{FF2B5EF4-FFF2-40B4-BE49-F238E27FC236}">
+                  <a16:creationId xmlns:a16="http://schemas.microsoft.com/office/drawing/2014/main" id="{E2FC9F57-DA73-432C-ADB1-4C65C38E146D}"/>
+                </a:ext>
+              </a:extLst>
+            </p:cNvPr>
+            <p:cNvSpPr txBox="1"/>
+            <p:nvPr/>
+          </p:nvSpPr>
+          <p:spPr>
+            <a:xfrm>
+              <a:off x="276836" y="600923"/>
+              <a:ext cx="2171089" cy="646331"/>
+            </a:xfrm>
+            <a:prstGeom prst="rect">
+              <a:avLst/>
+            </a:prstGeom>
+            <a:noFill/>
+          </p:spPr>
+          <p:txBody>
+            <a:bodyPr wrap="square" rtlCol="0">
+              <a:spAutoFit/>
+            </a:bodyPr>
+            <a:lstStyle/>
+            <a:p>
+              <a:r>
+                <a:rPr lang="ko-KR" altLang="en-US" sz="1200" dirty="0">
+                  <a:solidFill>
+                    <a:schemeClr val="bg1"/>
+                  </a:solidFill>
+                </a:rPr>
+                <a:t>ㅁㅈㅁㅈ</a:t>
+              </a:r>
+              <a:endParaRPr lang="en-US" altLang="ko-KR" sz="1200" dirty="0">
+                <a:solidFill>
+                  <a:schemeClr val="bg1"/>
+                </a:solidFill>
+              </a:endParaRPr>
+            </a:p>
+            <a:p>
+              <a:r>
+                <a:rPr lang="en-US" altLang="ko-KR" sz="1200" dirty="0">
+                  <a:solidFill>
+                    <a:schemeClr val="bg1"/>
+                  </a:solidFill>
+                </a:rPr>
+                <a:t>- </a:t>
+              </a:r>
+              <a:r>
+                <a:rPr lang="ko-KR" altLang="en-US" sz="1200" dirty="0">
+                  <a:solidFill>
+                    <a:schemeClr val="bg1"/>
+                  </a:solidFill>
+                </a:rPr>
+                <a:t>좋아하는 연예인의 착용 제품을 찾아주는 쇼핑 플랫폼 </a:t>
+              </a:r>
+              <a:endParaRPr lang="en-US" altLang="ko-KR" sz="1200" dirty="0">
+                <a:solidFill>
+                  <a:schemeClr val="bg1"/>
+                </a:solidFill>
+              </a:endParaRPr>
+            </a:p>
+          </p:txBody>
+        </p:sp>
+      </p:grpSp>
+      <p:grpSp>
+        <p:nvGrpSpPr>
+          <p:cNvPr id="30" name="그룹 29">
+            <a:extLst>
+              <a:ext uri="{FF2B5EF4-FFF2-40B4-BE49-F238E27FC236}">
+                <a16:creationId xmlns:a16="http://schemas.microsoft.com/office/drawing/2014/main" id="{956FCDD1-8102-469E-963F-8CF798D512DC}"/>
+              </a:ext>
+            </a:extLst>
+          </p:cNvPr>
+          <p:cNvGrpSpPr/>
+          <p:nvPr/>
+        </p:nvGrpSpPr>
+        <p:grpSpPr>
+          <a:xfrm>
+            <a:off x="276836" y="1283533"/>
+            <a:ext cx="2171089" cy="608077"/>
+            <a:chOff x="276836" y="1474033"/>
+            <a:chExt cx="2171089" cy="608077"/>
+          </a:xfrm>
+        </p:grpSpPr>
+        <p:sp>
+          <p:nvSpPr>
+            <p:cNvPr id="11" name="TextBox 10">
+              <a:extLst>
+                <a:ext uri="{FF2B5EF4-FFF2-40B4-BE49-F238E27FC236}">
+                  <a16:creationId xmlns:a16="http://schemas.microsoft.com/office/drawing/2014/main" id="{A11D4FEC-A08E-42DB-9970-9FD7B36730CB}"/>
+                </a:ext>
+              </a:extLst>
+            </p:cNvPr>
+            <p:cNvSpPr txBox="1"/>
+            <p:nvPr/>
+          </p:nvSpPr>
+          <p:spPr>
+            <a:xfrm>
+              <a:off x="276836" y="1474033"/>
+              <a:ext cx="1005403" cy="338554"/>
+            </a:xfrm>
+            <a:prstGeom prst="rect">
+              <a:avLst/>
+            </a:prstGeom>
+            <a:noFill/>
+          </p:spPr>
+          <p:txBody>
+            <a:bodyPr wrap="none" rtlCol="0">
+              <a:spAutoFit/>
+            </a:bodyPr>
+            <a:lstStyle/>
+            <a:p>
+              <a:r>
+                <a:rPr lang="ko-KR" altLang="en-US" sz="1600" b="1" dirty="0">
+                  <a:solidFill>
+                    <a:schemeClr val="bg1"/>
+                  </a:solidFill>
+                </a:rPr>
+                <a:t>화면이름</a:t>
+              </a:r>
+            </a:p>
+          </p:txBody>
+        </p:sp>
+        <p:sp>
+          <p:nvSpPr>
+            <p:cNvPr id="12" name="TextBox 11">
+              <a:extLst>
+                <a:ext uri="{FF2B5EF4-FFF2-40B4-BE49-F238E27FC236}">
+                  <a16:creationId xmlns:a16="http://schemas.microsoft.com/office/drawing/2014/main" id="{95279311-CDE0-44BF-8410-51979300FD53}"/>
+                </a:ext>
+              </a:extLst>
+            </p:cNvPr>
+            <p:cNvSpPr txBox="1"/>
+            <p:nvPr/>
+          </p:nvSpPr>
+          <p:spPr>
+            <a:xfrm>
+              <a:off x="276836" y="1805111"/>
+              <a:ext cx="2171089" cy="276999"/>
+            </a:xfrm>
+            <a:prstGeom prst="rect">
+              <a:avLst/>
+            </a:prstGeom>
+            <a:noFill/>
+          </p:spPr>
+          <p:txBody>
+            <a:bodyPr wrap="square" rtlCol="0">
+              <a:spAutoFit/>
+            </a:bodyPr>
+            <a:lstStyle/>
+            <a:p>
+              <a:r>
+                <a:rPr lang="ko-KR" altLang="en-US" sz="1200" dirty="0">
+                  <a:solidFill>
+                    <a:schemeClr val="bg1"/>
+                  </a:solidFill>
+                </a:rPr>
+                <a:t>로그인 페이지</a:t>
+              </a:r>
+              <a:endParaRPr lang="en-US" altLang="ko-KR" sz="1200" dirty="0">
+                <a:solidFill>
+                  <a:schemeClr val="bg1"/>
+                </a:solidFill>
+              </a:endParaRPr>
+            </a:p>
+          </p:txBody>
+        </p:sp>
+      </p:grpSp>
+      <p:grpSp>
+        <p:nvGrpSpPr>
+          <p:cNvPr id="29" name="그룹 28">
+            <a:extLst>
+              <a:ext uri="{FF2B5EF4-FFF2-40B4-BE49-F238E27FC236}">
+                <a16:creationId xmlns:a16="http://schemas.microsoft.com/office/drawing/2014/main" id="{CE8B1C68-700F-45A9-8016-5ED0A02FFBE2}"/>
+              </a:ext>
+            </a:extLst>
+          </p:cNvPr>
+          <p:cNvGrpSpPr/>
+          <p:nvPr/>
+        </p:nvGrpSpPr>
+        <p:grpSpPr>
+          <a:xfrm>
+            <a:off x="276836" y="2287696"/>
+            <a:ext cx="2171089" cy="608077"/>
+            <a:chOff x="276836" y="2678221"/>
+            <a:chExt cx="2171089" cy="608077"/>
+          </a:xfrm>
+        </p:grpSpPr>
+        <p:sp>
+          <p:nvSpPr>
+            <p:cNvPr id="13" name="TextBox 12">
+              <a:extLst>
+                <a:ext uri="{FF2B5EF4-FFF2-40B4-BE49-F238E27FC236}">
+                  <a16:creationId xmlns:a16="http://schemas.microsoft.com/office/drawing/2014/main" id="{8A754930-80DC-40A4-874B-EBE42B054C69}"/>
+                </a:ext>
+              </a:extLst>
+            </p:cNvPr>
+            <p:cNvSpPr txBox="1"/>
+            <p:nvPr/>
+          </p:nvSpPr>
+          <p:spPr>
+            <a:xfrm>
+              <a:off x="276836" y="2678221"/>
+              <a:ext cx="1005403" cy="338554"/>
+            </a:xfrm>
+            <a:prstGeom prst="rect">
+              <a:avLst/>
+            </a:prstGeom>
+            <a:noFill/>
+          </p:spPr>
+          <p:txBody>
+            <a:bodyPr wrap="none" rtlCol="0">
+              <a:spAutoFit/>
+            </a:bodyPr>
+            <a:lstStyle/>
+            <a:p>
+              <a:r>
+                <a:rPr lang="ko-KR" altLang="en-US" sz="1600" b="1" dirty="0">
+                  <a:solidFill>
+                    <a:schemeClr val="bg1"/>
+                  </a:solidFill>
+                </a:rPr>
+                <a:t>화면코드</a:t>
+              </a:r>
+            </a:p>
+          </p:txBody>
+        </p:sp>
+        <p:sp>
+          <p:nvSpPr>
+            <p:cNvPr id="14" name="TextBox 13">
+              <a:extLst>
+                <a:ext uri="{FF2B5EF4-FFF2-40B4-BE49-F238E27FC236}">
+                  <a16:creationId xmlns:a16="http://schemas.microsoft.com/office/drawing/2014/main" id="{A23439F9-C374-4017-AD5C-0C17D06FDD60}"/>
+                </a:ext>
+              </a:extLst>
+            </p:cNvPr>
+            <p:cNvSpPr txBox="1"/>
+            <p:nvPr/>
+          </p:nvSpPr>
+          <p:spPr>
+            <a:xfrm>
+              <a:off x="276836" y="3009299"/>
+              <a:ext cx="2171089" cy="276999"/>
+            </a:xfrm>
+            <a:prstGeom prst="rect">
+              <a:avLst/>
+            </a:prstGeom>
+            <a:noFill/>
+          </p:spPr>
+          <p:txBody>
+            <a:bodyPr wrap="square" rtlCol="0">
+              <a:spAutoFit/>
+            </a:bodyPr>
+            <a:lstStyle/>
+            <a:p>
+              <a:r>
+                <a:rPr lang="ko-KR" altLang="en-US" sz="1200" dirty="0">
+                  <a:solidFill>
+                    <a:schemeClr val="bg1"/>
+                  </a:solidFill>
+                </a:rPr>
+                <a:t>예시</a:t>
+              </a:r>
+              <a:r>
+                <a:rPr lang="en-US" altLang="ko-KR" sz="1200" dirty="0">
+                  <a:solidFill>
+                    <a:schemeClr val="bg1"/>
+                  </a:solidFill>
+                </a:rPr>
+                <a:t>) main_login_01</a:t>
+              </a:r>
+            </a:p>
+          </p:txBody>
+        </p:sp>
+      </p:grpSp>
+      <p:grpSp>
+        <p:nvGrpSpPr>
+          <p:cNvPr id="28" name="그룹 27">
+            <a:extLst>
+              <a:ext uri="{FF2B5EF4-FFF2-40B4-BE49-F238E27FC236}">
+                <a16:creationId xmlns:a16="http://schemas.microsoft.com/office/drawing/2014/main" id="{3B60CFA0-0763-417B-8AE3-E4433CBD2755}"/>
+              </a:ext>
+            </a:extLst>
+          </p:cNvPr>
+          <p:cNvGrpSpPr/>
+          <p:nvPr/>
+        </p:nvGrpSpPr>
+        <p:grpSpPr>
+          <a:xfrm>
+            <a:off x="276836" y="3104991"/>
+            <a:ext cx="2171089" cy="608077"/>
+            <a:chOff x="276836" y="3666966"/>
+            <a:chExt cx="2171089" cy="608077"/>
+          </a:xfrm>
+        </p:grpSpPr>
+        <p:sp>
+          <p:nvSpPr>
+            <p:cNvPr id="15" name="TextBox 14">
+              <a:extLst>
+                <a:ext uri="{FF2B5EF4-FFF2-40B4-BE49-F238E27FC236}">
+                  <a16:creationId xmlns:a16="http://schemas.microsoft.com/office/drawing/2014/main" id="{9DBDFEAB-84D3-47DC-AEB0-DD14BE3C3381}"/>
+                </a:ext>
+              </a:extLst>
+            </p:cNvPr>
+            <p:cNvSpPr txBox="1"/>
+            <p:nvPr/>
+          </p:nvSpPr>
+          <p:spPr>
+            <a:xfrm>
+              <a:off x="276836" y="3666966"/>
+              <a:ext cx="800219" cy="338554"/>
+            </a:xfrm>
+            <a:prstGeom prst="rect">
+              <a:avLst/>
+            </a:prstGeom>
+            <a:noFill/>
+          </p:spPr>
+          <p:txBody>
+            <a:bodyPr wrap="none" rtlCol="0">
+              <a:spAutoFit/>
+            </a:bodyPr>
+            <a:lstStyle/>
+            <a:p>
+              <a:r>
+                <a:rPr lang="ko-KR" altLang="en-US" sz="1600" b="1" dirty="0">
+                  <a:solidFill>
+                    <a:schemeClr val="bg1"/>
+                  </a:solidFill>
+                </a:rPr>
+                <a:t>작성자</a:t>
+              </a:r>
+            </a:p>
+          </p:txBody>
+        </p:sp>
+        <p:sp>
+          <p:nvSpPr>
+            <p:cNvPr id="16" name="TextBox 15">
+              <a:extLst>
+                <a:ext uri="{FF2B5EF4-FFF2-40B4-BE49-F238E27FC236}">
+                  <a16:creationId xmlns:a16="http://schemas.microsoft.com/office/drawing/2014/main" id="{AE876C31-DEE5-4929-A872-47CFFD6D977C}"/>
+                </a:ext>
+              </a:extLst>
+            </p:cNvPr>
+            <p:cNvSpPr txBox="1"/>
+            <p:nvPr/>
+          </p:nvSpPr>
+          <p:spPr>
+            <a:xfrm>
+              <a:off x="276836" y="3998044"/>
+              <a:ext cx="2171089" cy="276999"/>
+            </a:xfrm>
+            <a:prstGeom prst="rect">
+              <a:avLst/>
+            </a:prstGeom>
+            <a:noFill/>
+          </p:spPr>
+          <p:txBody>
+            <a:bodyPr wrap="square" rtlCol="0">
+              <a:spAutoFit/>
+            </a:bodyPr>
+            <a:lstStyle/>
+            <a:p>
+              <a:r>
+                <a:rPr lang="ko-KR" altLang="en-US" sz="1200" dirty="0">
+                  <a:solidFill>
+                    <a:schemeClr val="bg1"/>
+                  </a:solidFill>
+                </a:rPr>
+                <a:t>팀원</a:t>
+              </a:r>
+              <a:r>
+                <a:rPr lang="en-US" altLang="ko-KR" sz="1200" dirty="0">
+                  <a:solidFill>
+                    <a:schemeClr val="bg1"/>
+                  </a:solidFill>
+                </a:rPr>
+                <a:t>: </a:t>
+              </a:r>
+              <a:r>
+                <a:rPr lang="ko-KR" altLang="en-US" sz="1200" dirty="0">
+                  <a:solidFill>
+                    <a:schemeClr val="bg1"/>
+                  </a:solidFill>
+                </a:rPr>
+                <a:t>이예지</a:t>
+              </a:r>
+              <a:endParaRPr lang="en-US" altLang="ko-KR" sz="1200" dirty="0">
+                <a:solidFill>
+                  <a:schemeClr val="bg1"/>
+                </a:solidFill>
+              </a:endParaRPr>
+            </a:p>
+          </p:txBody>
+        </p:sp>
+      </p:grpSp>
+      <p:sp>
+        <p:nvSpPr>
+          <p:cNvPr id="17" name="직사각형 16">
+            <a:extLst>
+              <a:ext uri="{FF2B5EF4-FFF2-40B4-BE49-F238E27FC236}">
+                <a16:creationId xmlns:a16="http://schemas.microsoft.com/office/drawing/2014/main" id="{F2EE50EF-1C64-4D24-A8FC-FEB31ECABF02}"/>
+              </a:ext>
+            </a:extLst>
+          </p:cNvPr>
+          <p:cNvSpPr/>
+          <p:nvPr/>
+        </p:nvSpPr>
+        <p:spPr>
+          <a:xfrm>
+            <a:off x="2743200" y="5172074"/>
+            <a:ext cx="7162799" cy="1685923"/>
+          </a:xfrm>
+          <a:prstGeom prst="rect">
+            <a:avLst/>
+          </a:prstGeom>
+          <a:solidFill>
+            <a:schemeClr val="bg1">
+              <a:lumMod val="95000"/>
+            </a:schemeClr>
+          </a:solidFill>
+          <a:ln>
+            <a:noFill/>
+          </a:ln>
+        </p:spPr>
+        <p:style>
+          <a:lnRef idx="2">
+            <a:schemeClr val="accent1">
+              <a:shade val="50000"/>
+            </a:schemeClr>
+          </a:lnRef>
+          <a:fillRef idx="1">
+            <a:schemeClr val="accent1"/>
+          </a:fillRef>
+          <a:effectRef idx="0">
+            <a:schemeClr val="accent1"/>
+          </a:effectRef>
+          <a:fontRef idx="minor">
+            <a:schemeClr val="lt1"/>
+          </a:fontRef>
+        </p:style>
+        <p:txBody>
+          <a:bodyPr rtlCol="0" anchor="ctr"/>
+          <a:lstStyle/>
+          <a:p>
+            <a:pPr algn="ctr"/>
+            <a:endParaRPr lang="ko-KR" altLang="en-US" sz="1600"/>
+          </a:p>
+        </p:txBody>
+      </p:sp>
+      <p:sp>
+        <p:nvSpPr>
+          <p:cNvPr id="18" name="TextBox 17">
+            <a:extLst>
+              <a:ext uri="{FF2B5EF4-FFF2-40B4-BE49-F238E27FC236}">
+                <a16:creationId xmlns:a16="http://schemas.microsoft.com/office/drawing/2014/main" id="{17EFCDDE-1130-408D-9BF1-4DAA52C217DC}"/>
+              </a:ext>
+            </a:extLst>
+          </p:cNvPr>
+          <p:cNvSpPr txBox="1"/>
+          <p:nvPr/>
+        </p:nvSpPr>
+        <p:spPr>
+          <a:xfrm>
+            <a:off x="3020037" y="5412546"/>
+            <a:ext cx="1005403" cy="338554"/>
+          </a:xfrm>
+          <a:prstGeom prst="rect">
+            <a:avLst/>
+          </a:prstGeom>
+          <a:noFill/>
+        </p:spPr>
+        <p:txBody>
+          <a:bodyPr wrap="none" rtlCol="0">
+            <a:spAutoFit/>
+          </a:bodyPr>
+          <a:lstStyle/>
+          <a:p>
+            <a:r>
+              <a:rPr lang="ko-KR" altLang="en-US" sz="1600" b="1" dirty="0">
+                <a:solidFill>
+                  <a:srgbClr val="0090D0"/>
+                </a:solidFill>
+              </a:rPr>
+              <a:t>화면설명</a:t>
+            </a:r>
+          </a:p>
+        </p:txBody>
+      </p:sp>
+      <p:sp>
+        <p:nvSpPr>
+          <p:cNvPr id="19" name="TextBox 18">
+            <a:extLst>
+              <a:ext uri="{FF2B5EF4-FFF2-40B4-BE49-F238E27FC236}">
+                <a16:creationId xmlns:a16="http://schemas.microsoft.com/office/drawing/2014/main" id="{0DBB6D9D-7151-48F9-9712-A4D8DDC0AA70}"/>
+              </a:ext>
+            </a:extLst>
+          </p:cNvPr>
+          <p:cNvSpPr txBox="1"/>
+          <p:nvPr/>
+        </p:nvSpPr>
+        <p:spPr>
+          <a:xfrm>
+            <a:off x="3020037" y="5781724"/>
+            <a:ext cx="2466366" cy="276999"/>
+          </a:xfrm>
+          <a:prstGeom prst="rect">
+            <a:avLst/>
+          </a:prstGeom>
+          <a:noFill/>
+        </p:spPr>
+        <p:txBody>
+          <a:bodyPr wrap="square" rtlCol="0">
+            <a:spAutoFit/>
+          </a:bodyPr>
+          <a:lstStyle/>
+          <a:p>
+            <a:r>
+              <a:rPr lang="en-US" altLang="ko-KR" sz="1200" dirty="0"/>
+              <a:t> - </a:t>
+            </a:r>
+            <a:r>
+              <a:rPr lang="ko-KR" altLang="en-US" sz="1200" dirty="0"/>
+              <a:t>화면설명 입력</a:t>
+            </a:r>
+            <a:endParaRPr lang="en-US" altLang="ko-KR" sz="1200" dirty="0"/>
+          </a:p>
+        </p:txBody>
+      </p:sp>
+      <p:grpSp>
+        <p:nvGrpSpPr>
+          <p:cNvPr id="32" name="그룹 31">
+            <a:extLst>
+              <a:ext uri="{FF2B5EF4-FFF2-40B4-BE49-F238E27FC236}">
+                <a16:creationId xmlns:a16="http://schemas.microsoft.com/office/drawing/2014/main" id="{CA1DD512-4BF6-481A-95B3-0402591A68BA}"/>
+              </a:ext>
+            </a:extLst>
+          </p:cNvPr>
+          <p:cNvGrpSpPr/>
+          <p:nvPr/>
+        </p:nvGrpSpPr>
+        <p:grpSpPr>
+          <a:xfrm>
+            <a:off x="276836" y="3936433"/>
+            <a:ext cx="2171089" cy="792743"/>
+            <a:chOff x="276836" y="269845"/>
+            <a:chExt cx="2171089" cy="792743"/>
+          </a:xfrm>
+        </p:grpSpPr>
+        <p:sp>
+          <p:nvSpPr>
+            <p:cNvPr id="33" name="TextBox 32">
+              <a:extLst>
+                <a:ext uri="{FF2B5EF4-FFF2-40B4-BE49-F238E27FC236}">
+                  <a16:creationId xmlns:a16="http://schemas.microsoft.com/office/drawing/2014/main" id="{E2C757D1-6594-4C66-81E7-820AE4027158}"/>
+                </a:ext>
+              </a:extLst>
+            </p:cNvPr>
+            <p:cNvSpPr txBox="1"/>
+            <p:nvPr/>
+          </p:nvSpPr>
+          <p:spPr>
+            <a:xfrm>
+              <a:off x="276836" y="269845"/>
+              <a:ext cx="1005403" cy="338554"/>
+            </a:xfrm>
+            <a:prstGeom prst="rect">
+              <a:avLst/>
+            </a:prstGeom>
+            <a:noFill/>
+          </p:spPr>
+          <p:txBody>
+            <a:bodyPr wrap="none" rtlCol="0">
+              <a:spAutoFit/>
+            </a:bodyPr>
+            <a:lstStyle/>
+            <a:p>
+              <a:r>
+                <a:rPr lang="ko-KR" altLang="en-US" sz="1600" b="1" dirty="0">
+                  <a:solidFill>
+                    <a:schemeClr val="bg1"/>
+                  </a:solidFill>
+                </a:rPr>
+                <a:t>유의사항</a:t>
+              </a:r>
+            </a:p>
+          </p:txBody>
+        </p:sp>
+        <p:sp>
+          <p:nvSpPr>
+            <p:cNvPr id="34" name="TextBox 33">
+              <a:extLst>
+                <a:ext uri="{FF2B5EF4-FFF2-40B4-BE49-F238E27FC236}">
+                  <a16:creationId xmlns:a16="http://schemas.microsoft.com/office/drawing/2014/main" id="{D86AE12A-76EC-49AD-A2BE-EBED9566CBB2}"/>
+                </a:ext>
+              </a:extLst>
+            </p:cNvPr>
+            <p:cNvSpPr txBox="1"/>
+            <p:nvPr/>
+          </p:nvSpPr>
+          <p:spPr>
+            <a:xfrm>
+              <a:off x="276836" y="600923"/>
+              <a:ext cx="2171089" cy="461665"/>
+            </a:xfrm>
+            <a:prstGeom prst="rect">
+              <a:avLst/>
+            </a:prstGeom>
+            <a:noFill/>
+          </p:spPr>
+          <p:txBody>
+            <a:bodyPr wrap="square" rtlCol="0">
+              <a:spAutoFit/>
+            </a:bodyPr>
+            <a:lstStyle/>
+            <a:p>
+              <a:r>
+                <a:rPr lang="en-US" altLang="ko-KR" sz="1200" dirty="0">
+                  <a:solidFill>
+                    <a:schemeClr val="bg1"/>
+                  </a:solidFill>
+                </a:rPr>
+                <a:t> - </a:t>
+              </a:r>
+              <a:r>
+                <a:rPr lang="ko-KR" altLang="en-US" sz="1200" dirty="0">
+                  <a:solidFill>
+                    <a:schemeClr val="bg1"/>
+                  </a:solidFill>
+                </a:rPr>
+                <a:t> 회원가입을 하여야 이용가능</a:t>
+              </a:r>
+              <a:endParaRPr lang="en-US" altLang="ko-KR" sz="1200" dirty="0">
+                <a:solidFill>
+                  <a:schemeClr val="bg1"/>
+                </a:solidFill>
+              </a:endParaRPr>
+            </a:p>
+          </p:txBody>
+        </p:sp>
+      </p:grpSp>
+      <p:sp>
+        <p:nvSpPr>
+          <p:cNvPr id="36" name="TextBox 35">
+            <a:extLst>
+              <a:ext uri="{FF2B5EF4-FFF2-40B4-BE49-F238E27FC236}">
+                <a16:creationId xmlns:a16="http://schemas.microsoft.com/office/drawing/2014/main" id="{4A3FAFFD-4C84-4F14-8CFD-262EC1F85AD5}"/>
+              </a:ext>
+            </a:extLst>
+          </p:cNvPr>
+          <p:cNvSpPr txBox="1"/>
+          <p:nvPr/>
+        </p:nvSpPr>
+        <p:spPr>
+          <a:xfrm>
+            <a:off x="5763239" y="5781723"/>
+            <a:ext cx="2466366" cy="276999"/>
+          </a:xfrm>
+          <a:prstGeom prst="rect">
+            <a:avLst/>
+          </a:prstGeom>
+          <a:noFill/>
+        </p:spPr>
+        <p:txBody>
+          <a:bodyPr wrap="square" rtlCol="0">
+            <a:spAutoFit/>
+          </a:bodyPr>
+          <a:lstStyle/>
+          <a:p>
+            <a:r>
+              <a:rPr lang="en-US" altLang="ko-KR" sz="1200" dirty="0"/>
+              <a:t> - </a:t>
+            </a:r>
+            <a:r>
+              <a:rPr lang="ko-KR" altLang="en-US" sz="1200" dirty="0"/>
+              <a:t>화면설명 입력</a:t>
+            </a:r>
+            <a:endParaRPr lang="en-US" altLang="ko-KR" sz="1200" dirty="0"/>
+          </a:p>
+        </p:txBody>
+      </p:sp>
+    </p:spTree>
+    <p:extLst>
+      <p:ext uri="{BB962C8B-B14F-4D97-AF65-F5344CB8AC3E}">
+        <p14:creationId xmlns:p14="http://schemas.microsoft.com/office/powerpoint/2010/main" val="3929901952"/>
+      </p:ext>
+    </p:extLst>
+  </p:cSld>
+  <p:clrMapOvr>
+    <a:masterClrMapping/>
+  </p:clrMapOvr>
+</p:sld>
+</file>
+
+<file path=ppt/slides/slide6.xml><?xml version="1.0" encoding="utf-8"?>
+<p:sld xmlns:a="http://schemas.openxmlformats.org/drawingml/2006/main" xmlns:r="http://schemas.openxmlformats.org/officeDocument/2006/relationships" xmlns:p="http://schemas.openxmlformats.org/presentationml/2006/main">
+  <p:cSld>
+    <p:spTree>
+      <p:nvGrpSpPr>
+        <p:cNvPr id="1" name=""/>
+        <p:cNvGrpSpPr/>
+        <p:nvPr/>
+      </p:nvGrpSpPr>
+      <p:grpSpPr>
+        <a:xfrm>
+          <a:off x="0" y="0"/>
+          <a:ext cx="0" cy="0"/>
+          <a:chOff x="0" y="0"/>
+          <a:chExt cx="0" cy="0"/>
+        </a:xfrm>
+      </p:grpSpPr>
+      <p:sp>
+        <p:nvSpPr>
+          <p:cNvPr id="4" name="직사각형 3">
+            <a:extLst>
+              <a:ext uri="{FF2B5EF4-FFF2-40B4-BE49-F238E27FC236}">
+                <a16:creationId xmlns:a16="http://schemas.microsoft.com/office/drawing/2014/main" id="{17CCAA0A-5307-48D3-9858-F46440A1DFFF}"/>
+              </a:ext>
+            </a:extLst>
+          </p:cNvPr>
+          <p:cNvSpPr/>
+          <p:nvPr/>
+        </p:nvSpPr>
+        <p:spPr>
+          <a:xfrm>
+            <a:off x="0" y="2"/>
+            <a:ext cx="2743201" cy="6857996"/>
+          </a:xfrm>
+          <a:prstGeom prst="rect">
+            <a:avLst/>
+          </a:prstGeom>
+          <a:solidFill>
+            <a:schemeClr val="accent1">
+              <a:lumMod val="60000"/>
+              <a:lumOff val="40000"/>
+            </a:schemeClr>
           </a:solidFill>
           <a:ln>
             <a:noFill/>
@@ -14125,7 +17417,7 @@
 </p:sld>
 </file>
 
-<file path=ppt/slides/slide5.xml><?xml version="1.0" encoding="utf-8"?>
+<file path=ppt/slides/slide7.xml><?xml version="1.0" encoding="utf-8"?>
 <p:sld xmlns:a="http://schemas.openxmlformats.org/drawingml/2006/main" xmlns:r="http://schemas.openxmlformats.org/officeDocument/2006/relationships" xmlns:p="http://schemas.openxmlformats.org/presentationml/2006/main">
   <p:cSld>
     <p:spTree>
@@ -14163,7 +17455,10 @@
             <a:avLst/>
           </a:prstGeom>
           <a:solidFill>
-            <a:srgbClr val="0090D0"/>
+            <a:schemeClr val="accent1">
+              <a:lumMod val="60000"/>
+              <a:lumOff val="40000"/>
+            </a:schemeClr>
           </a:solidFill>
           <a:ln>
             <a:noFill/>
@@ -15862,2755 +19157,6 @@
     <p:extLst>
       <p:ext uri="{BB962C8B-B14F-4D97-AF65-F5344CB8AC3E}">
         <p14:creationId xmlns:p14="http://schemas.microsoft.com/office/powerpoint/2010/main" val="206900922"/>
-      </p:ext>
-    </p:extLst>
-  </p:cSld>
-  <p:clrMapOvr>
-    <a:masterClrMapping/>
-  </p:clrMapOvr>
-</p:sld>
-</file>
-
-<file path=ppt/slides/slide6.xml><?xml version="1.0" encoding="utf-8"?>
-<p:sld xmlns:a="http://schemas.openxmlformats.org/drawingml/2006/main" xmlns:r="http://schemas.openxmlformats.org/officeDocument/2006/relationships" xmlns:p="http://schemas.openxmlformats.org/presentationml/2006/main">
-  <p:cSld>
-    <p:spTree>
-      <p:nvGrpSpPr>
-        <p:cNvPr id="1" name=""/>
-        <p:cNvGrpSpPr/>
-        <p:nvPr/>
-      </p:nvGrpSpPr>
-      <p:grpSpPr>
-        <a:xfrm>
-          <a:off x="0" y="0"/>
-          <a:ext cx="0" cy="0"/>
-          <a:chOff x="0" y="0"/>
-          <a:chExt cx="0" cy="0"/>
-        </a:xfrm>
-      </p:grpSpPr>
-      <p:sp>
-        <p:nvSpPr>
-          <p:cNvPr id="4" name="직사각형 3">
-            <a:extLst>
-              <a:ext uri="{FF2B5EF4-FFF2-40B4-BE49-F238E27FC236}">
-                <a16:creationId xmlns:a16="http://schemas.microsoft.com/office/drawing/2014/main" id="{17CCAA0A-5307-48D3-9858-F46440A1DFFF}"/>
-              </a:ext>
-            </a:extLst>
-          </p:cNvPr>
-          <p:cNvSpPr/>
-          <p:nvPr/>
-        </p:nvSpPr>
-        <p:spPr>
-          <a:xfrm>
-            <a:off x="0" y="2"/>
-            <a:ext cx="2743201" cy="6857996"/>
-          </a:xfrm>
-          <a:prstGeom prst="rect">
-            <a:avLst/>
-          </a:prstGeom>
-          <a:solidFill>
-            <a:srgbClr val="0090D0"/>
-          </a:solidFill>
-          <a:ln>
-            <a:noFill/>
-          </a:ln>
-        </p:spPr>
-        <p:style>
-          <a:lnRef idx="2">
-            <a:schemeClr val="accent1">
-              <a:shade val="50000"/>
-            </a:schemeClr>
-          </a:lnRef>
-          <a:fillRef idx="1">
-            <a:schemeClr val="accent1"/>
-          </a:fillRef>
-          <a:effectRef idx="0">
-            <a:schemeClr val="accent1"/>
-          </a:effectRef>
-          <a:fontRef idx="minor">
-            <a:schemeClr val="lt1"/>
-          </a:fontRef>
-        </p:style>
-        <p:txBody>
-          <a:bodyPr rtlCol="0" anchor="ctr"/>
-          <a:lstStyle/>
-          <a:p>
-            <a:pPr algn="ctr"/>
-            <a:endParaRPr lang="ko-KR" altLang="en-US" sz="1600"/>
-          </a:p>
-        </p:txBody>
-      </p:sp>
-      <p:grpSp>
-        <p:nvGrpSpPr>
-          <p:cNvPr id="31" name="그룹 30">
-            <a:extLst>
-              <a:ext uri="{FF2B5EF4-FFF2-40B4-BE49-F238E27FC236}">
-                <a16:creationId xmlns:a16="http://schemas.microsoft.com/office/drawing/2014/main" id="{466D0EF9-BADE-427D-91D6-1EF0D4516307}"/>
-              </a:ext>
-            </a:extLst>
-          </p:cNvPr>
-          <p:cNvGrpSpPr/>
-          <p:nvPr/>
-        </p:nvGrpSpPr>
-        <p:grpSpPr>
-          <a:xfrm>
-            <a:off x="276836" y="269845"/>
-            <a:ext cx="2171089" cy="792743"/>
-            <a:chOff x="276836" y="269845"/>
-            <a:chExt cx="2171089" cy="792743"/>
-          </a:xfrm>
-        </p:grpSpPr>
-        <p:sp>
-          <p:nvSpPr>
-            <p:cNvPr id="6" name="TextBox 5">
-              <a:extLst>
-                <a:ext uri="{FF2B5EF4-FFF2-40B4-BE49-F238E27FC236}">
-                  <a16:creationId xmlns:a16="http://schemas.microsoft.com/office/drawing/2014/main" id="{EA58E314-C773-4F36-8C88-B79D5D98B4F8}"/>
-                </a:ext>
-              </a:extLst>
-            </p:cNvPr>
-            <p:cNvSpPr txBox="1"/>
-            <p:nvPr/>
-          </p:nvSpPr>
-          <p:spPr>
-            <a:xfrm>
-              <a:off x="276836" y="269845"/>
-              <a:ext cx="1005403" cy="338554"/>
-            </a:xfrm>
-            <a:prstGeom prst="rect">
-              <a:avLst/>
-            </a:prstGeom>
-            <a:noFill/>
-          </p:spPr>
-          <p:txBody>
-            <a:bodyPr wrap="none" rtlCol="0">
-              <a:spAutoFit/>
-            </a:bodyPr>
-            <a:lstStyle/>
-            <a:p>
-              <a:r>
-                <a:rPr lang="ko-KR" altLang="en-US" sz="1600" b="1" dirty="0">
-                  <a:solidFill>
-                    <a:schemeClr val="bg1"/>
-                  </a:solidFill>
-                </a:rPr>
-                <a:t>ㅁㅈㅁㅈ</a:t>
-              </a:r>
-            </a:p>
-          </p:txBody>
-        </p:sp>
-        <p:sp>
-          <p:nvSpPr>
-            <p:cNvPr id="10" name="TextBox 9">
-              <a:extLst>
-                <a:ext uri="{FF2B5EF4-FFF2-40B4-BE49-F238E27FC236}">
-                  <a16:creationId xmlns:a16="http://schemas.microsoft.com/office/drawing/2014/main" id="{E2FC9F57-DA73-432C-ADB1-4C65C38E146D}"/>
-                </a:ext>
-              </a:extLst>
-            </p:cNvPr>
-            <p:cNvSpPr txBox="1"/>
-            <p:nvPr/>
-          </p:nvSpPr>
-          <p:spPr>
-            <a:xfrm>
-              <a:off x="276836" y="600923"/>
-              <a:ext cx="2171089" cy="461665"/>
-            </a:xfrm>
-            <a:prstGeom prst="rect">
-              <a:avLst/>
-            </a:prstGeom>
-            <a:noFill/>
-          </p:spPr>
-          <p:txBody>
-            <a:bodyPr wrap="square" rtlCol="0">
-              <a:spAutoFit/>
-            </a:bodyPr>
-            <a:lstStyle/>
-            <a:p>
-              <a:r>
-                <a:rPr lang="ko-KR" altLang="en-US" sz="1200" dirty="0">
-                  <a:solidFill>
-                    <a:schemeClr val="bg1"/>
-                  </a:solidFill>
-                </a:rPr>
-                <a:t>이미지를 통한 상품검색 및 구입 서비스 플랫폼</a:t>
-              </a:r>
-              <a:endParaRPr lang="en-US" altLang="ko-KR" sz="1200" dirty="0">
-                <a:solidFill>
-                  <a:schemeClr val="bg1"/>
-                </a:solidFill>
-              </a:endParaRPr>
-            </a:p>
-          </p:txBody>
-        </p:sp>
-      </p:grpSp>
-      <p:grpSp>
-        <p:nvGrpSpPr>
-          <p:cNvPr id="30" name="그룹 29">
-            <a:extLst>
-              <a:ext uri="{FF2B5EF4-FFF2-40B4-BE49-F238E27FC236}">
-                <a16:creationId xmlns:a16="http://schemas.microsoft.com/office/drawing/2014/main" id="{956FCDD1-8102-469E-963F-8CF798D512DC}"/>
-              </a:ext>
-            </a:extLst>
-          </p:cNvPr>
-          <p:cNvGrpSpPr/>
-          <p:nvPr/>
-        </p:nvGrpSpPr>
-        <p:grpSpPr>
-          <a:xfrm>
-            <a:off x="276836" y="1283533"/>
-            <a:ext cx="2180308" cy="610497"/>
-            <a:chOff x="276836" y="1474033"/>
-            <a:chExt cx="2180308" cy="610497"/>
-          </a:xfrm>
-        </p:grpSpPr>
-        <p:sp>
-          <p:nvSpPr>
-            <p:cNvPr id="11" name="TextBox 10">
-              <a:extLst>
-                <a:ext uri="{FF2B5EF4-FFF2-40B4-BE49-F238E27FC236}">
-                  <a16:creationId xmlns:a16="http://schemas.microsoft.com/office/drawing/2014/main" id="{A11D4FEC-A08E-42DB-9970-9FD7B36730CB}"/>
-                </a:ext>
-              </a:extLst>
-            </p:cNvPr>
-            <p:cNvSpPr txBox="1"/>
-            <p:nvPr/>
-          </p:nvSpPr>
-          <p:spPr>
-            <a:xfrm>
-              <a:off x="276836" y="1474033"/>
-              <a:ext cx="1005403" cy="338554"/>
-            </a:xfrm>
-            <a:prstGeom prst="rect">
-              <a:avLst/>
-            </a:prstGeom>
-            <a:noFill/>
-          </p:spPr>
-          <p:txBody>
-            <a:bodyPr wrap="none" rtlCol="0">
-              <a:spAutoFit/>
-            </a:bodyPr>
-            <a:lstStyle/>
-            <a:p>
-              <a:r>
-                <a:rPr lang="ko-KR" altLang="en-US" sz="1600" b="1" dirty="0">
-                  <a:solidFill>
-                    <a:schemeClr val="bg1"/>
-                  </a:solidFill>
-                </a:rPr>
-                <a:t>화면이름</a:t>
-              </a:r>
-            </a:p>
-          </p:txBody>
-        </p:sp>
-        <p:sp>
-          <p:nvSpPr>
-            <p:cNvPr id="12" name="TextBox 11">
-              <a:extLst>
-                <a:ext uri="{FF2B5EF4-FFF2-40B4-BE49-F238E27FC236}">
-                  <a16:creationId xmlns:a16="http://schemas.microsoft.com/office/drawing/2014/main" id="{95279311-CDE0-44BF-8410-51979300FD53}"/>
-                </a:ext>
-              </a:extLst>
-            </p:cNvPr>
-            <p:cNvSpPr txBox="1"/>
-            <p:nvPr/>
-          </p:nvSpPr>
-          <p:spPr>
-            <a:xfrm>
-              <a:off x="286055" y="1807531"/>
-              <a:ext cx="2171089" cy="276999"/>
-            </a:xfrm>
-            <a:prstGeom prst="rect">
-              <a:avLst/>
-            </a:prstGeom>
-            <a:noFill/>
-          </p:spPr>
-          <p:txBody>
-            <a:bodyPr wrap="square" rtlCol="0">
-              <a:spAutoFit/>
-            </a:bodyPr>
-            <a:lstStyle/>
-            <a:p>
-              <a:r>
-                <a:rPr lang="ko-KR" altLang="en-US" sz="1200" dirty="0">
-                  <a:solidFill>
-                    <a:schemeClr val="bg1"/>
-                  </a:solidFill>
-                </a:rPr>
-                <a:t>이미지 검색</a:t>
-              </a:r>
-              <a:endParaRPr lang="en-US" altLang="ko-KR" sz="1200" dirty="0">
-                <a:solidFill>
-                  <a:schemeClr val="bg1"/>
-                </a:solidFill>
-              </a:endParaRPr>
-            </a:p>
-          </p:txBody>
-        </p:sp>
-      </p:grpSp>
-      <p:grpSp>
-        <p:nvGrpSpPr>
-          <p:cNvPr id="29" name="그룹 28">
-            <a:extLst>
-              <a:ext uri="{FF2B5EF4-FFF2-40B4-BE49-F238E27FC236}">
-                <a16:creationId xmlns:a16="http://schemas.microsoft.com/office/drawing/2014/main" id="{CE8B1C68-700F-45A9-8016-5ED0A02FFBE2}"/>
-              </a:ext>
-            </a:extLst>
-          </p:cNvPr>
-          <p:cNvGrpSpPr/>
-          <p:nvPr/>
-        </p:nvGrpSpPr>
-        <p:grpSpPr>
-          <a:xfrm>
-            <a:off x="276836" y="2287696"/>
-            <a:ext cx="2171089" cy="608077"/>
-            <a:chOff x="276836" y="2678221"/>
-            <a:chExt cx="2171089" cy="608077"/>
-          </a:xfrm>
-        </p:grpSpPr>
-        <p:sp>
-          <p:nvSpPr>
-            <p:cNvPr id="13" name="TextBox 12">
-              <a:extLst>
-                <a:ext uri="{FF2B5EF4-FFF2-40B4-BE49-F238E27FC236}">
-                  <a16:creationId xmlns:a16="http://schemas.microsoft.com/office/drawing/2014/main" id="{8A754930-80DC-40A4-874B-EBE42B054C69}"/>
-                </a:ext>
-              </a:extLst>
-            </p:cNvPr>
-            <p:cNvSpPr txBox="1"/>
-            <p:nvPr/>
-          </p:nvSpPr>
-          <p:spPr>
-            <a:xfrm>
-              <a:off x="276836" y="2678221"/>
-              <a:ext cx="1005403" cy="338554"/>
-            </a:xfrm>
-            <a:prstGeom prst="rect">
-              <a:avLst/>
-            </a:prstGeom>
-            <a:noFill/>
-          </p:spPr>
-          <p:txBody>
-            <a:bodyPr wrap="none" rtlCol="0">
-              <a:spAutoFit/>
-            </a:bodyPr>
-            <a:lstStyle/>
-            <a:p>
-              <a:r>
-                <a:rPr lang="ko-KR" altLang="en-US" sz="1600" b="1" dirty="0">
-                  <a:solidFill>
-                    <a:schemeClr val="bg1"/>
-                  </a:solidFill>
-                </a:rPr>
-                <a:t>화면코드</a:t>
-              </a:r>
-            </a:p>
-          </p:txBody>
-        </p:sp>
-        <p:sp>
-          <p:nvSpPr>
-            <p:cNvPr id="14" name="TextBox 13">
-              <a:extLst>
-                <a:ext uri="{FF2B5EF4-FFF2-40B4-BE49-F238E27FC236}">
-                  <a16:creationId xmlns:a16="http://schemas.microsoft.com/office/drawing/2014/main" id="{A23439F9-C374-4017-AD5C-0C17D06FDD60}"/>
-                </a:ext>
-              </a:extLst>
-            </p:cNvPr>
-            <p:cNvSpPr txBox="1"/>
-            <p:nvPr/>
-          </p:nvSpPr>
-          <p:spPr>
-            <a:xfrm>
-              <a:off x="276836" y="3009299"/>
-              <a:ext cx="2171089" cy="276999"/>
-            </a:xfrm>
-            <a:prstGeom prst="rect">
-              <a:avLst/>
-            </a:prstGeom>
-            <a:noFill/>
-          </p:spPr>
-          <p:txBody>
-            <a:bodyPr wrap="square" rtlCol="0">
-              <a:spAutoFit/>
-            </a:bodyPr>
-            <a:lstStyle/>
-            <a:p>
-              <a:r>
-                <a:rPr lang="ko-KR" altLang="en-US" sz="1200" dirty="0">
-                  <a:solidFill>
-                    <a:schemeClr val="bg1"/>
-                  </a:solidFill>
-                </a:rPr>
-                <a:t>예시</a:t>
-              </a:r>
-              <a:r>
-                <a:rPr lang="en-US" altLang="ko-KR" sz="1200" dirty="0">
-                  <a:solidFill>
-                    <a:schemeClr val="bg1"/>
-                  </a:solidFill>
-                </a:rPr>
-                <a:t>) main_login_01</a:t>
-              </a:r>
-            </a:p>
-          </p:txBody>
-        </p:sp>
-      </p:grpSp>
-      <p:grpSp>
-        <p:nvGrpSpPr>
-          <p:cNvPr id="28" name="그룹 27">
-            <a:extLst>
-              <a:ext uri="{FF2B5EF4-FFF2-40B4-BE49-F238E27FC236}">
-                <a16:creationId xmlns:a16="http://schemas.microsoft.com/office/drawing/2014/main" id="{3B60CFA0-0763-417B-8AE3-E4433CBD2755}"/>
-              </a:ext>
-            </a:extLst>
-          </p:cNvPr>
-          <p:cNvGrpSpPr/>
-          <p:nvPr/>
-        </p:nvGrpSpPr>
-        <p:grpSpPr>
-          <a:xfrm>
-            <a:off x="276836" y="3104991"/>
-            <a:ext cx="2171089" cy="608077"/>
-            <a:chOff x="276836" y="3666966"/>
-            <a:chExt cx="2171089" cy="608077"/>
-          </a:xfrm>
-        </p:grpSpPr>
-        <p:sp>
-          <p:nvSpPr>
-            <p:cNvPr id="15" name="TextBox 14">
-              <a:extLst>
-                <a:ext uri="{FF2B5EF4-FFF2-40B4-BE49-F238E27FC236}">
-                  <a16:creationId xmlns:a16="http://schemas.microsoft.com/office/drawing/2014/main" id="{9DBDFEAB-84D3-47DC-AEB0-DD14BE3C3381}"/>
-                </a:ext>
-              </a:extLst>
-            </p:cNvPr>
-            <p:cNvSpPr txBox="1"/>
-            <p:nvPr/>
-          </p:nvSpPr>
-          <p:spPr>
-            <a:xfrm>
-              <a:off x="276836" y="3666966"/>
-              <a:ext cx="800219" cy="338554"/>
-            </a:xfrm>
-            <a:prstGeom prst="rect">
-              <a:avLst/>
-            </a:prstGeom>
-            <a:noFill/>
-          </p:spPr>
-          <p:txBody>
-            <a:bodyPr wrap="none" rtlCol="0">
-              <a:spAutoFit/>
-            </a:bodyPr>
-            <a:lstStyle/>
-            <a:p>
-              <a:r>
-                <a:rPr lang="ko-KR" altLang="en-US" sz="1600" b="1" dirty="0">
-                  <a:solidFill>
-                    <a:schemeClr val="bg1"/>
-                  </a:solidFill>
-                </a:rPr>
-                <a:t>작성자</a:t>
-              </a:r>
-            </a:p>
-          </p:txBody>
-        </p:sp>
-        <p:sp>
-          <p:nvSpPr>
-            <p:cNvPr id="16" name="TextBox 15">
-              <a:extLst>
-                <a:ext uri="{FF2B5EF4-FFF2-40B4-BE49-F238E27FC236}">
-                  <a16:creationId xmlns:a16="http://schemas.microsoft.com/office/drawing/2014/main" id="{AE876C31-DEE5-4929-A872-47CFFD6D977C}"/>
-                </a:ext>
-              </a:extLst>
-            </p:cNvPr>
-            <p:cNvSpPr txBox="1"/>
-            <p:nvPr/>
-          </p:nvSpPr>
-          <p:spPr>
-            <a:xfrm>
-              <a:off x="276836" y="3998044"/>
-              <a:ext cx="2171089" cy="276999"/>
-            </a:xfrm>
-            <a:prstGeom prst="rect">
-              <a:avLst/>
-            </a:prstGeom>
-            <a:noFill/>
-          </p:spPr>
-          <p:txBody>
-            <a:bodyPr wrap="square" rtlCol="0">
-              <a:spAutoFit/>
-            </a:bodyPr>
-            <a:lstStyle/>
-            <a:p>
-              <a:r>
-                <a:rPr lang="ko-KR" altLang="en-US" sz="1200" dirty="0">
-                  <a:solidFill>
-                    <a:schemeClr val="bg1"/>
-                  </a:solidFill>
-                </a:rPr>
-                <a:t>팀장 </a:t>
-              </a:r>
-              <a:r>
-                <a:rPr lang="en-US" altLang="ko-KR" sz="1200" dirty="0">
-                  <a:solidFill>
-                    <a:schemeClr val="bg1"/>
-                  </a:solidFill>
-                </a:rPr>
-                <a:t>– </a:t>
-              </a:r>
-              <a:r>
-                <a:rPr lang="ko-KR" altLang="en-US" sz="1200" dirty="0">
-                  <a:solidFill>
-                    <a:schemeClr val="bg1"/>
-                  </a:solidFill>
-                </a:rPr>
-                <a:t>홍길동 </a:t>
-              </a:r>
-              <a:r>
-                <a:rPr lang="en-US" altLang="ko-KR" sz="1200" dirty="0">
-                  <a:solidFill>
-                    <a:schemeClr val="bg1"/>
-                  </a:solidFill>
-                </a:rPr>
-                <a:t>/ </a:t>
-              </a:r>
-              <a:r>
-                <a:rPr lang="ko-KR" altLang="en-US" sz="1200" dirty="0">
-                  <a:solidFill>
-                    <a:schemeClr val="bg1"/>
-                  </a:solidFill>
-                </a:rPr>
-                <a:t>팀원 </a:t>
-              </a:r>
-              <a:r>
-                <a:rPr lang="en-US" altLang="ko-KR" sz="1200" dirty="0">
-                  <a:solidFill>
-                    <a:schemeClr val="bg1"/>
-                  </a:solidFill>
-                </a:rPr>
-                <a:t>- </a:t>
-              </a:r>
-              <a:r>
-                <a:rPr lang="ko-KR" altLang="en-US" sz="1200" dirty="0">
-                  <a:solidFill>
-                    <a:schemeClr val="bg1"/>
-                  </a:solidFill>
-                </a:rPr>
-                <a:t>고길동</a:t>
-              </a:r>
-              <a:endParaRPr lang="en-US" altLang="ko-KR" sz="1200" dirty="0">
-                <a:solidFill>
-                  <a:schemeClr val="bg1"/>
-                </a:solidFill>
-              </a:endParaRPr>
-            </a:p>
-          </p:txBody>
-        </p:sp>
-      </p:grpSp>
-      <p:sp>
-        <p:nvSpPr>
-          <p:cNvPr id="17" name="직사각형 16">
-            <a:extLst>
-              <a:ext uri="{FF2B5EF4-FFF2-40B4-BE49-F238E27FC236}">
-                <a16:creationId xmlns:a16="http://schemas.microsoft.com/office/drawing/2014/main" id="{F2EE50EF-1C64-4D24-A8FC-FEB31ECABF02}"/>
-              </a:ext>
-            </a:extLst>
-          </p:cNvPr>
-          <p:cNvSpPr/>
-          <p:nvPr/>
-        </p:nvSpPr>
-        <p:spPr>
-          <a:xfrm>
-            <a:off x="2743200" y="5172074"/>
-            <a:ext cx="7162799" cy="1685923"/>
-          </a:xfrm>
-          <a:prstGeom prst="rect">
-            <a:avLst/>
-          </a:prstGeom>
-          <a:solidFill>
-            <a:schemeClr val="bg1">
-              <a:lumMod val="95000"/>
-            </a:schemeClr>
-          </a:solidFill>
-          <a:ln>
-            <a:noFill/>
-          </a:ln>
-        </p:spPr>
-        <p:style>
-          <a:lnRef idx="2">
-            <a:schemeClr val="accent1">
-              <a:shade val="50000"/>
-            </a:schemeClr>
-          </a:lnRef>
-          <a:fillRef idx="1">
-            <a:schemeClr val="accent1"/>
-          </a:fillRef>
-          <a:effectRef idx="0">
-            <a:schemeClr val="accent1"/>
-          </a:effectRef>
-          <a:fontRef idx="minor">
-            <a:schemeClr val="lt1"/>
-          </a:fontRef>
-        </p:style>
-        <p:txBody>
-          <a:bodyPr rtlCol="0" anchor="ctr"/>
-          <a:lstStyle/>
-          <a:p>
-            <a:pPr algn="ctr"/>
-            <a:endParaRPr lang="ko-KR" altLang="en-US" sz="1600"/>
-          </a:p>
-        </p:txBody>
-      </p:sp>
-      <p:sp>
-        <p:nvSpPr>
-          <p:cNvPr id="18" name="TextBox 17">
-            <a:extLst>
-              <a:ext uri="{FF2B5EF4-FFF2-40B4-BE49-F238E27FC236}">
-                <a16:creationId xmlns:a16="http://schemas.microsoft.com/office/drawing/2014/main" id="{17EFCDDE-1130-408D-9BF1-4DAA52C217DC}"/>
-              </a:ext>
-            </a:extLst>
-          </p:cNvPr>
-          <p:cNvSpPr txBox="1"/>
-          <p:nvPr/>
-        </p:nvSpPr>
-        <p:spPr>
-          <a:xfrm>
-            <a:off x="3020037" y="5412546"/>
-            <a:ext cx="1005403" cy="338554"/>
-          </a:xfrm>
-          <a:prstGeom prst="rect">
-            <a:avLst/>
-          </a:prstGeom>
-          <a:noFill/>
-        </p:spPr>
-        <p:txBody>
-          <a:bodyPr wrap="none" rtlCol="0">
-            <a:spAutoFit/>
-          </a:bodyPr>
-          <a:lstStyle/>
-          <a:p>
-            <a:r>
-              <a:rPr lang="ko-KR" altLang="en-US" sz="1600" b="1" dirty="0">
-                <a:solidFill>
-                  <a:srgbClr val="0090D0"/>
-                </a:solidFill>
-              </a:rPr>
-              <a:t>화면설명</a:t>
-            </a:r>
-          </a:p>
-        </p:txBody>
-      </p:sp>
-      <p:sp>
-        <p:nvSpPr>
-          <p:cNvPr id="19" name="TextBox 18">
-            <a:extLst>
-              <a:ext uri="{FF2B5EF4-FFF2-40B4-BE49-F238E27FC236}">
-                <a16:creationId xmlns:a16="http://schemas.microsoft.com/office/drawing/2014/main" id="{0DBB6D9D-7151-48F9-9712-A4D8DDC0AA70}"/>
-              </a:ext>
-            </a:extLst>
-          </p:cNvPr>
-          <p:cNvSpPr txBox="1"/>
-          <p:nvPr/>
-        </p:nvSpPr>
-        <p:spPr>
-          <a:xfrm>
-            <a:off x="3020037" y="5781724"/>
-            <a:ext cx="2466366" cy="830997"/>
-          </a:xfrm>
-          <a:prstGeom prst="rect">
-            <a:avLst/>
-          </a:prstGeom>
-          <a:noFill/>
-        </p:spPr>
-        <p:txBody>
-          <a:bodyPr wrap="square" rtlCol="0">
-            <a:spAutoFit/>
-          </a:bodyPr>
-          <a:lstStyle/>
-          <a:p>
-            <a:r>
-              <a:rPr lang="en-US" altLang="ko-KR" sz="1200" dirty="0"/>
-              <a:t> - </a:t>
-            </a:r>
-            <a:r>
-              <a:rPr lang="ko-KR" altLang="en-US" sz="1200" dirty="0"/>
-              <a:t>화면설명 입력</a:t>
-            </a:r>
-            <a:endParaRPr lang="en-US" altLang="ko-KR" sz="1200" dirty="0"/>
-          </a:p>
-          <a:p>
-            <a:r>
-              <a:rPr lang="en-US" altLang="ko-KR" sz="1200" dirty="0"/>
-              <a:t> - </a:t>
-            </a:r>
-            <a:r>
-              <a:rPr lang="ko-KR" altLang="en-US" sz="1200" dirty="0"/>
-              <a:t>화면설명 입력</a:t>
-            </a:r>
-            <a:endParaRPr lang="en-US" altLang="ko-KR" sz="1200" dirty="0"/>
-          </a:p>
-          <a:p>
-            <a:r>
-              <a:rPr lang="en-US" altLang="ko-KR" sz="1200" dirty="0"/>
-              <a:t> - </a:t>
-            </a:r>
-            <a:r>
-              <a:rPr lang="ko-KR" altLang="en-US" sz="1200" dirty="0"/>
-              <a:t>화면설명 입력</a:t>
-            </a:r>
-            <a:endParaRPr lang="en-US" altLang="ko-KR" sz="1200" dirty="0"/>
-          </a:p>
-          <a:p>
-            <a:r>
-              <a:rPr lang="en-US" altLang="ko-KR" sz="1200" dirty="0"/>
-              <a:t> - </a:t>
-            </a:r>
-            <a:r>
-              <a:rPr lang="ko-KR" altLang="en-US" sz="1200" dirty="0"/>
-              <a:t>화면설명 입력</a:t>
-            </a:r>
-            <a:endParaRPr lang="en-US" altLang="ko-KR" sz="1200" dirty="0"/>
-          </a:p>
-        </p:txBody>
-      </p:sp>
-      <p:grpSp>
-        <p:nvGrpSpPr>
-          <p:cNvPr id="32" name="그룹 31">
-            <a:extLst>
-              <a:ext uri="{FF2B5EF4-FFF2-40B4-BE49-F238E27FC236}">
-                <a16:creationId xmlns:a16="http://schemas.microsoft.com/office/drawing/2014/main" id="{CA1DD512-4BF6-481A-95B3-0402591A68BA}"/>
-              </a:ext>
-            </a:extLst>
-          </p:cNvPr>
-          <p:cNvGrpSpPr/>
-          <p:nvPr/>
-        </p:nvGrpSpPr>
-        <p:grpSpPr>
-          <a:xfrm>
-            <a:off x="276836" y="3936433"/>
-            <a:ext cx="2171089" cy="2270070"/>
-            <a:chOff x="276836" y="269845"/>
-            <a:chExt cx="2171089" cy="2270070"/>
-          </a:xfrm>
-        </p:grpSpPr>
-        <p:sp>
-          <p:nvSpPr>
-            <p:cNvPr id="33" name="TextBox 32">
-              <a:extLst>
-                <a:ext uri="{FF2B5EF4-FFF2-40B4-BE49-F238E27FC236}">
-                  <a16:creationId xmlns:a16="http://schemas.microsoft.com/office/drawing/2014/main" id="{E2C757D1-6594-4C66-81E7-820AE4027158}"/>
-                </a:ext>
-              </a:extLst>
-            </p:cNvPr>
-            <p:cNvSpPr txBox="1"/>
-            <p:nvPr/>
-          </p:nvSpPr>
-          <p:spPr>
-            <a:xfrm>
-              <a:off x="276836" y="269845"/>
-              <a:ext cx="1005403" cy="338554"/>
-            </a:xfrm>
-            <a:prstGeom prst="rect">
-              <a:avLst/>
-            </a:prstGeom>
-            <a:noFill/>
-          </p:spPr>
-          <p:txBody>
-            <a:bodyPr wrap="none" rtlCol="0">
-              <a:spAutoFit/>
-            </a:bodyPr>
-            <a:lstStyle/>
-            <a:p>
-              <a:r>
-                <a:rPr lang="ko-KR" altLang="en-US" sz="1600" b="1" dirty="0">
-                  <a:solidFill>
-                    <a:schemeClr val="bg1"/>
-                  </a:solidFill>
-                </a:rPr>
-                <a:t>유의사항</a:t>
-              </a:r>
-            </a:p>
-          </p:txBody>
-        </p:sp>
-        <p:sp>
-          <p:nvSpPr>
-            <p:cNvPr id="34" name="TextBox 33">
-              <a:extLst>
-                <a:ext uri="{FF2B5EF4-FFF2-40B4-BE49-F238E27FC236}">
-                  <a16:creationId xmlns:a16="http://schemas.microsoft.com/office/drawing/2014/main" id="{D86AE12A-76EC-49AD-A2BE-EBED9566CBB2}"/>
-                </a:ext>
-              </a:extLst>
-            </p:cNvPr>
-            <p:cNvSpPr txBox="1"/>
-            <p:nvPr/>
-          </p:nvSpPr>
-          <p:spPr>
-            <a:xfrm>
-              <a:off x="276836" y="600923"/>
-              <a:ext cx="2171089" cy="1938992"/>
-            </a:xfrm>
-            <a:prstGeom prst="rect">
-              <a:avLst/>
-            </a:prstGeom>
-            <a:noFill/>
-          </p:spPr>
-          <p:txBody>
-            <a:bodyPr wrap="square" rtlCol="0">
-              <a:spAutoFit/>
-            </a:bodyPr>
-            <a:lstStyle/>
-            <a:p>
-              <a:r>
-                <a:rPr lang="en-US" altLang="ko-KR" sz="1200" dirty="0">
-                  <a:solidFill>
-                    <a:schemeClr val="bg1"/>
-                  </a:solidFill>
-                </a:rPr>
-                <a:t> - </a:t>
-              </a:r>
-              <a:r>
-                <a:rPr lang="ko-KR" altLang="en-US" sz="1200" dirty="0">
-                  <a:solidFill>
-                    <a:schemeClr val="bg1"/>
-                  </a:solidFill>
-                </a:rPr>
-                <a:t>유의사항 입력</a:t>
-              </a:r>
-              <a:endParaRPr lang="en-US" altLang="ko-KR" sz="1200" dirty="0">
-                <a:solidFill>
-                  <a:schemeClr val="bg1"/>
-                </a:solidFill>
-              </a:endParaRPr>
-            </a:p>
-            <a:p>
-              <a:r>
-                <a:rPr lang="en-US" altLang="ko-KR" sz="1200" dirty="0">
-                  <a:solidFill>
-                    <a:schemeClr val="bg1"/>
-                  </a:solidFill>
-                </a:rPr>
-                <a:t> - </a:t>
-              </a:r>
-              <a:r>
-                <a:rPr lang="ko-KR" altLang="en-US" sz="1200" dirty="0">
-                  <a:solidFill>
-                    <a:schemeClr val="bg1"/>
-                  </a:solidFill>
-                </a:rPr>
-                <a:t>유의사항 입력</a:t>
-              </a:r>
-              <a:endParaRPr lang="en-US" altLang="ko-KR" sz="1200" dirty="0">
-                <a:solidFill>
-                  <a:schemeClr val="bg1"/>
-                </a:solidFill>
-              </a:endParaRPr>
-            </a:p>
-            <a:p>
-              <a:r>
-                <a:rPr lang="en-US" altLang="ko-KR" sz="1200" dirty="0">
-                  <a:solidFill>
-                    <a:schemeClr val="bg1"/>
-                  </a:solidFill>
-                </a:rPr>
-                <a:t> - </a:t>
-              </a:r>
-              <a:r>
-                <a:rPr lang="ko-KR" altLang="en-US" sz="1200" dirty="0">
-                  <a:solidFill>
-                    <a:schemeClr val="bg1"/>
-                  </a:solidFill>
-                </a:rPr>
-                <a:t>유의사항 입력</a:t>
-              </a:r>
-              <a:endParaRPr lang="en-US" altLang="ko-KR" sz="1200" dirty="0">
-                <a:solidFill>
-                  <a:schemeClr val="bg1"/>
-                </a:solidFill>
-              </a:endParaRPr>
-            </a:p>
-            <a:p>
-              <a:r>
-                <a:rPr lang="en-US" altLang="ko-KR" sz="1200" dirty="0">
-                  <a:solidFill>
-                    <a:schemeClr val="bg1"/>
-                  </a:solidFill>
-                </a:rPr>
-                <a:t> - </a:t>
-              </a:r>
-              <a:r>
-                <a:rPr lang="ko-KR" altLang="en-US" sz="1200" dirty="0">
-                  <a:solidFill>
-                    <a:schemeClr val="bg1"/>
-                  </a:solidFill>
-                </a:rPr>
-                <a:t>유의사항 입력</a:t>
-              </a:r>
-              <a:endParaRPr lang="en-US" altLang="ko-KR" sz="1200" dirty="0">
-                <a:solidFill>
-                  <a:schemeClr val="bg1"/>
-                </a:solidFill>
-              </a:endParaRPr>
-            </a:p>
-            <a:p>
-              <a:r>
-                <a:rPr lang="en-US" altLang="ko-KR" sz="1200" dirty="0">
-                  <a:solidFill>
-                    <a:schemeClr val="bg1"/>
-                  </a:solidFill>
-                </a:rPr>
-                <a:t> - </a:t>
-              </a:r>
-              <a:r>
-                <a:rPr lang="ko-KR" altLang="en-US" sz="1200" dirty="0">
-                  <a:solidFill>
-                    <a:schemeClr val="bg1"/>
-                  </a:solidFill>
-                </a:rPr>
-                <a:t>유의사항 입력</a:t>
-              </a:r>
-              <a:endParaRPr lang="en-US" altLang="ko-KR" sz="1200" dirty="0">
-                <a:solidFill>
-                  <a:schemeClr val="bg1"/>
-                </a:solidFill>
-              </a:endParaRPr>
-            </a:p>
-            <a:p>
-              <a:r>
-                <a:rPr lang="en-US" altLang="ko-KR" sz="1200" dirty="0">
-                  <a:solidFill>
-                    <a:schemeClr val="bg1"/>
-                  </a:solidFill>
-                </a:rPr>
-                <a:t> - </a:t>
-              </a:r>
-              <a:r>
-                <a:rPr lang="ko-KR" altLang="en-US" sz="1200" dirty="0">
-                  <a:solidFill>
-                    <a:schemeClr val="bg1"/>
-                  </a:solidFill>
-                </a:rPr>
-                <a:t>유의사항 입력</a:t>
-              </a:r>
-              <a:endParaRPr lang="en-US" altLang="ko-KR" sz="1200" dirty="0">
-                <a:solidFill>
-                  <a:schemeClr val="bg1"/>
-                </a:solidFill>
-              </a:endParaRPr>
-            </a:p>
-            <a:p>
-              <a:r>
-                <a:rPr lang="en-US" altLang="ko-KR" sz="1200" dirty="0">
-                  <a:solidFill>
-                    <a:schemeClr val="bg1"/>
-                  </a:solidFill>
-                </a:rPr>
-                <a:t> - </a:t>
-              </a:r>
-              <a:r>
-                <a:rPr lang="ko-KR" altLang="en-US" sz="1200" dirty="0">
-                  <a:solidFill>
-                    <a:schemeClr val="bg1"/>
-                  </a:solidFill>
-                </a:rPr>
-                <a:t>유의사항 입력</a:t>
-              </a:r>
-              <a:endParaRPr lang="en-US" altLang="ko-KR" sz="1200" dirty="0">
-                <a:solidFill>
-                  <a:schemeClr val="bg1"/>
-                </a:solidFill>
-              </a:endParaRPr>
-            </a:p>
-            <a:p>
-              <a:r>
-                <a:rPr lang="en-US" altLang="ko-KR" sz="1200" dirty="0">
-                  <a:solidFill>
-                    <a:schemeClr val="bg1"/>
-                  </a:solidFill>
-                </a:rPr>
-                <a:t> - </a:t>
-              </a:r>
-              <a:r>
-                <a:rPr lang="ko-KR" altLang="en-US" sz="1200" dirty="0">
-                  <a:solidFill>
-                    <a:schemeClr val="bg1"/>
-                  </a:solidFill>
-                </a:rPr>
-                <a:t>유의사항 입력</a:t>
-              </a:r>
-              <a:endParaRPr lang="en-US" altLang="ko-KR" sz="1200" dirty="0">
-                <a:solidFill>
-                  <a:schemeClr val="bg1"/>
-                </a:solidFill>
-              </a:endParaRPr>
-            </a:p>
-            <a:p>
-              <a:r>
-                <a:rPr lang="en-US" altLang="ko-KR" sz="1200" dirty="0">
-                  <a:solidFill>
-                    <a:schemeClr val="bg1"/>
-                  </a:solidFill>
-                </a:rPr>
-                <a:t> - </a:t>
-              </a:r>
-              <a:r>
-                <a:rPr lang="ko-KR" altLang="en-US" sz="1200" dirty="0">
-                  <a:solidFill>
-                    <a:schemeClr val="bg1"/>
-                  </a:solidFill>
-                </a:rPr>
-                <a:t>유의사항 입력</a:t>
-              </a:r>
-              <a:endParaRPr lang="en-US" altLang="ko-KR" sz="1200" dirty="0">
-                <a:solidFill>
-                  <a:schemeClr val="bg1"/>
-                </a:solidFill>
-              </a:endParaRPr>
-            </a:p>
-            <a:p>
-              <a:r>
-                <a:rPr lang="en-US" altLang="ko-KR" sz="1200" dirty="0">
-                  <a:solidFill>
-                    <a:schemeClr val="bg1"/>
-                  </a:solidFill>
-                </a:rPr>
-                <a:t> - </a:t>
-              </a:r>
-              <a:r>
-                <a:rPr lang="ko-KR" altLang="en-US" sz="1200" dirty="0">
-                  <a:solidFill>
-                    <a:schemeClr val="bg1"/>
-                  </a:solidFill>
-                </a:rPr>
-                <a:t>유의사항 입력</a:t>
-              </a:r>
-              <a:endParaRPr lang="en-US" altLang="ko-KR" sz="1200" dirty="0">
-                <a:solidFill>
-                  <a:schemeClr val="bg1"/>
-                </a:solidFill>
-              </a:endParaRPr>
-            </a:p>
-          </p:txBody>
-        </p:sp>
-      </p:grpSp>
-      <p:sp>
-        <p:nvSpPr>
-          <p:cNvPr id="36" name="TextBox 35">
-            <a:extLst>
-              <a:ext uri="{FF2B5EF4-FFF2-40B4-BE49-F238E27FC236}">
-                <a16:creationId xmlns:a16="http://schemas.microsoft.com/office/drawing/2014/main" id="{4A3FAFFD-4C84-4F14-8CFD-262EC1F85AD5}"/>
-              </a:ext>
-            </a:extLst>
-          </p:cNvPr>
-          <p:cNvSpPr txBox="1"/>
-          <p:nvPr/>
-        </p:nvSpPr>
-        <p:spPr>
-          <a:xfrm>
-            <a:off x="5763239" y="5781723"/>
-            <a:ext cx="2466366" cy="830997"/>
-          </a:xfrm>
-          <a:prstGeom prst="rect">
-            <a:avLst/>
-          </a:prstGeom>
-          <a:noFill/>
-        </p:spPr>
-        <p:txBody>
-          <a:bodyPr wrap="square" rtlCol="0">
-            <a:spAutoFit/>
-          </a:bodyPr>
-          <a:lstStyle/>
-          <a:p>
-            <a:r>
-              <a:rPr lang="en-US" altLang="ko-KR" sz="1200" dirty="0"/>
-              <a:t> - </a:t>
-            </a:r>
-            <a:r>
-              <a:rPr lang="ko-KR" altLang="en-US" sz="1200" dirty="0"/>
-              <a:t>화면설명 입력</a:t>
-            </a:r>
-            <a:endParaRPr lang="en-US" altLang="ko-KR" sz="1200" dirty="0"/>
-          </a:p>
-          <a:p>
-            <a:r>
-              <a:rPr lang="en-US" altLang="ko-KR" sz="1200" dirty="0"/>
-              <a:t> - </a:t>
-            </a:r>
-            <a:r>
-              <a:rPr lang="ko-KR" altLang="en-US" sz="1200" dirty="0"/>
-              <a:t>화면설명 입력</a:t>
-            </a:r>
-            <a:endParaRPr lang="en-US" altLang="ko-KR" sz="1200" dirty="0"/>
-          </a:p>
-          <a:p>
-            <a:r>
-              <a:rPr lang="en-US" altLang="ko-KR" sz="1200" dirty="0"/>
-              <a:t> - </a:t>
-            </a:r>
-            <a:r>
-              <a:rPr lang="ko-KR" altLang="en-US" sz="1200" dirty="0"/>
-              <a:t>화면설명 입력</a:t>
-            </a:r>
-            <a:endParaRPr lang="en-US" altLang="ko-KR" sz="1200" dirty="0"/>
-          </a:p>
-          <a:p>
-            <a:r>
-              <a:rPr lang="en-US" altLang="ko-KR" sz="1200" dirty="0"/>
-              <a:t> - </a:t>
-            </a:r>
-            <a:r>
-              <a:rPr lang="ko-KR" altLang="en-US" sz="1200" dirty="0"/>
-              <a:t>화면설명 입력</a:t>
-            </a:r>
-            <a:endParaRPr lang="en-US" altLang="ko-KR" sz="1200" dirty="0"/>
-          </a:p>
-        </p:txBody>
-      </p:sp>
-      <p:sp>
-        <p:nvSpPr>
-          <p:cNvPr id="2" name="TextBox 1">
-            <a:extLst>
-              <a:ext uri="{FF2B5EF4-FFF2-40B4-BE49-F238E27FC236}">
-                <a16:creationId xmlns:a16="http://schemas.microsoft.com/office/drawing/2014/main" id="{62B9EB77-DD1D-FACD-C2AD-ABB952AD8618}"/>
-              </a:ext>
-            </a:extLst>
-          </p:cNvPr>
-          <p:cNvSpPr txBox="1"/>
-          <p:nvPr/>
-        </p:nvSpPr>
-        <p:spPr>
-          <a:xfrm>
-            <a:off x="5233991" y="439122"/>
-            <a:ext cx="5991228" cy="523220"/>
-          </a:xfrm>
-          <a:prstGeom prst="rect">
-            <a:avLst/>
-          </a:prstGeom>
-          <a:noFill/>
-        </p:spPr>
-        <p:txBody>
-          <a:bodyPr wrap="square" rtlCol="0">
-            <a:spAutoFit/>
-          </a:bodyPr>
-          <a:lstStyle/>
-          <a:p>
-            <a:r>
-              <a:rPr lang="ko-KR" altLang="en-US" sz="2800" b="1" dirty="0"/>
-              <a:t>이미지 검색</a:t>
-            </a:r>
-          </a:p>
-        </p:txBody>
-      </p:sp>
-      <p:sp>
-        <p:nvSpPr>
-          <p:cNvPr id="3" name="TextBox 2">
-            <a:extLst>
-              <a:ext uri="{FF2B5EF4-FFF2-40B4-BE49-F238E27FC236}">
-                <a16:creationId xmlns:a16="http://schemas.microsoft.com/office/drawing/2014/main" id="{4B7E999F-F108-27B2-71C1-E732DF74260A}"/>
-              </a:ext>
-            </a:extLst>
-          </p:cNvPr>
-          <p:cNvSpPr txBox="1"/>
-          <p:nvPr/>
-        </p:nvSpPr>
-        <p:spPr>
-          <a:xfrm>
-            <a:off x="3899647" y="1092701"/>
-            <a:ext cx="4849906" cy="3139321"/>
-          </a:xfrm>
-          <a:prstGeom prst="rect">
-            <a:avLst/>
-          </a:prstGeom>
-          <a:noFill/>
-          <a:ln w="28575">
-            <a:solidFill>
-              <a:schemeClr val="bg2">
-                <a:lumMod val="75000"/>
-              </a:schemeClr>
-            </a:solidFill>
-          </a:ln>
-        </p:spPr>
-        <p:txBody>
-          <a:bodyPr wrap="square" rtlCol="0">
-            <a:spAutoFit/>
-          </a:bodyPr>
-          <a:lstStyle/>
-          <a:p>
-            <a:endParaRPr lang="en-US" altLang="ko-KR" dirty="0"/>
-          </a:p>
-          <a:p>
-            <a:endParaRPr lang="en-US" altLang="ko-KR" dirty="0"/>
-          </a:p>
-          <a:p>
-            <a:endParaRPr lang="en-US" altLang="ko-KR" dirty="0"/>
-          </a:p>
-          <a:p>
-            <a:endParaRPr lang="en-US" altLang="ko-KR" dirty="0"/>
-          </a:p>
-          <a:p>
-            <a:endParaRPr lang="en-US" altLang="ko-KR" dirty="0"/>
-          </a:p>
-          <a:p>
-            <a:pPr algn="ctr"/>
-            <a:r>
-              <a:rPr lang="ko-KR" altLang="en-US" dirty="0">
-                <a:solidFill>
-                  <a:schemeClr val="bg2">
-                    <a:lumMod val="75000"/>
-                  </a:schemeClr>
-                </a:solidFill>
-              </a:rPr>
-              <a:t>이미지를 업로드 하세요</a:t>
-            </a:r>
-            <a:endParaRPr lang="en-US" altLang="ko-KR" dirty="0">
-              <a:solidFill>
-                <a:schemeClr val="bg2">
-                  <a:lumMod val="75000"/>
-                </a:schemeClr>
-              </a:solidFill>
-            </a:endParaRPr>
-          </a:p>
-          <a:p>
-            <a:pPr algn="ctr"/>
-            <a:endParaRPr lang="en-US" altLang="ko-KR" dirty="0">
-              <a:solidFill>
-                <a:schemeClr val="bg2">
-                  <a:lumMod val="75000"/>
-                </a:schemeClr>
-              </a:solidFill>
-            </a:endParaRPr>
-          </a:p>
-          <a:p>
-            <a:pPr algn="ctr"/>
-            <a:endParaRPr lang="en-US" altLang="ko-KR" dirty="0">
-              <a:solidFill>
-                <a:schemeClr val="bg2">
-                  <a:lumMod val="75000"/>
-                </a:schemeClr>
-              </a:solidFill>
-            </a:endParaRPr>
-          </a:p>
-          <a:p>
-            <a:pPr algn="ctr"/>
-            <a:endParaRPr lang="en-US" altLang="ko-KR" dirty="0">
-              <a:solidFill>
-                <a:schemeClr val="bg2">
-                  <a:lumMod val="75000"/>
-                </a:schemeClr>
-              </a:solidFill>
-            </a:endParaRPr>
-          </a:p>
-          <a:p>
-            <a:pPr algn="ctr"/>
-            <a:endParaRPr lang="en-US" altLang="ko-KR" dirty="0">
-              <a:solidFill>
-                <a:schemeClr val="bg2">
-                  <a:lumMod val="75000"/>
-                </a:schemeClr>
-              </a:solidFill>
-            </a:endParaRPr>
-          </a:p>
-          <a:p>
-            <a:pPr algn="ctr"/>
-            <a:endParaRPr lang="ko-KR" altLang="en-US" dirty="0">
-              <a:solidFill>
-                <a:schemeClr val="bg2">
-                  <a:lumMod val="75000"/>
-                </a:schemeClr>
-              </a:solidFill>
-            </a:endParaRPr>
-          </a:p>
-        </p:txBody>
-      </p:sp>
-      <p:sp>
-        <p:nvSpPr>
-          <p:cNvPr id="7" name="Rectangle 6">
-            <a:extLst>
-              <a:ext uri="{FF2B5EF4-FFF2-40B4-BE49-F238E27FC236}">
-                <a16:creationId xmlns:a16="http://schemas.microsoft.com/office/drawing/2014/main" id="{3B3E2848-3D04-D668-5F70-4F8290DAB55F}"/>
-              </a:ext>
-            </a:extLst>
-          </p:cNvPr>
-          <p:cNvSpPr/>
-          <p:nvPr/>
-        </p:nvSpPr>
-        <p:spPr>
-          <a:xfrm>
-            <a:off x="5869164" y="4326431"/>
-            <a:ext cx="1374317" cy="363574"/>
-          </a:xfrm>
-          <a:prstGeom prst="rect">
-            <a:avLst/>
-          </a:prstGeom>
-        </p:spPr>
-        <p:style>
-          <a:lnRef idx="2">
-            <a:schemeClr val="accent1">
-              <a:shade val="50000"/>
-            </a:schemeClr>
-          </a:lnRef>
-          <a:fillRef idx="1">
-            <a:schemeClr val="accent1"/>
-          </a:fillRef>
-          <a:effectRef idx="0">
-            <a:schemeClr val="accent1"/>
-          </a:effectRef>
-          <a:fontRef idx="minor">
-            <a:schemeClr val="lt1"/>
-          </a:fontRef>
-        </p:style>
-        <p:txBody>
-          <a:bodyPr rtlCol="0" anchor="ctr"/>
-          <a:lstStyle/>
-          <a:p>
-            <a:pPr algn="ctr"/>
-            <a:r>
-              <a:rPr lang="ko-KR" altLang="en-US" sz="1400" dirty="0"/>
-              <a:t>파일찾기</a:t>
-            </a:r>
-          </a:p>
-        </p:txBody>
-      </p:sp>
-      <p:sp>
-        <p:nvSpPr>
-          <p:cNvPr id="8" name="Rectangle 7">
-            <a:extLst>
-              <a:ext uri="{FF2B5EF4-FFF2-40B4-BE49-F238E27FC236}">
-                <a16:creationId xmlns:a16="http://schemas.microsoft.com/office/drawing/2014/main" id="{EC548982-C1EF-D679-38A4-127F99607277}"/>
-              </a:ext>
-            </a:extLst>
-          </p:cNvPr>
-          <p:cNvSpPr/>
-          <p:nvPr/>
-        </p:nvSpPr>
-        <p:spPr>
-          <a:xfrm>
-            <a:off x="7375236" y="4326431"/>
-            <a:ext cx="1374317" cy="363574"/>
-          </a:xfrm>
-          <a:prstGeom prst="rect">
-            <a:avLst/>
-          </a:prstGeom>
-        </p:spPr>
-        <p:style>
-          <a:lnRef idx="2">
-            <a:schemeClr val="accent1">
-              <a:shade val="50000"/>
-            </a:schemeClr>
-          </a:lnRef>
-          <a:fillRef idx="1">
-            <a:schemeClr val="accent1"/>
-          </a:fillRef>
-          <a:effectRef idx="0">
-            <a:schemeClr val="accent1"/>
-          </a:effectRef>
-          <a:fontRef idx="minor">
-            <a:schemeClr val="lt1"/>
-          </a:fontRef>
-        </p:style>
-        <p:txBody>
-          <a:bodyPr rtlCol="0" anchor="ctr"/>
-          <a:lstStyle/>
-          <a:p>
-            <a:pPr algn="ctr"/>
-            <a:r>
-              <a:rPr lang="ko-KR" altLang="en-US" sz="1400" dirty="0"/>
-              <a:t>검색하기</a:t>
-            </a:r>
-          </a:p>
-        </p:txBody>
-      </p:sp>
-    </p:spTree>
-    <p:extLst>
-      <p:ext uri="{BB962C8B-B14F-4D97-AF65-F5344CB8AC3E}">
-        <p14:creationId xmlns:p14="http://schemas.microsoft.com/office/powerpoint/2010/main" val="3060962209"/>
-      </p:ext>
-    </p:extLst>
-  </p:cSld>
-  <p:clrMapOvr>
-    <a:masterClrMapping/>
-  </p:clrMapOvr>
-</p:sld>
-</file>
-
-<file path=ppt/slides/slide7.xml><?xml version="1.0" encoding="utf-8"?>
-<p:sld xmlns:a="http://schemas.openxmlformats.org/drawingml/2006/main" xmlns:r="http://schemas.openxmlformats.org/officeDocument/2006/relationships" xmlns:p="http://schemas.openxmlformats.org/presentationml/2006/main">
-  <p:cSld>
-    <p:spTree>
-      <p:nvGrpSpPr>
-        <p:cNvPr id="1" name=""/>
-        <p:cNvGrpSpPr/>
-        <p:nvPr/>
-      </p:nvGrpSpPr>
-      <p:grpSpPr>
-        <a:xfrm>
-          <a:off x="0" y="0"/>
-          <a:ext cx="0" cy="0"/>
-          <a:chOff x="0" y="0"/>
-          <a:chExt cx="0" cy="0"/>
-        </a:xfrm>
-      </p:grpSpPr>
-      <p:sp>
-        <p:nvSpPr>
-          <p:cNvPr id="4" name="직사각형 3">
-            <a:extLst>
-              <a:ext uri="{FF2B5EF4-FFF2-40B4-BE49-F238E27FC236}">
-                <a16:creationId xmlns:a16="http://schemas.microsoft.com/office/drawing/2014/main" id="{17CCAA0A-5307-48D3-9858-F46440A1DFFF}"/>
-              </a:ext>
-            </a:extLst>
-          </p:cNvPr>
-          <p:cNvSpPr/>
-          <p:nvPr/>
-        </p:nvSpPr>
-        <p:spPr>
-          <a:xfrm>
-            <a:off x="0" y="2"/>
-            <a:ext cx="2743201" cy="6857996"/>
-          </a:xfrm>
-          <a:prstGeom prst="rect">
-            <a:avLst/>
-          </a:prstGeom>
-          <a:solidFill>
-            <a:srgbClr val="0090D0"/>
-          </a:solidFill>
-          <a:ln>
-            <a:noFill/>
-          </a:ln>
-        </p:spPr>
-        <p:style>
-          <a:lnRef idx="2">
-            <a:schemeClr val="accent1">
-              <a:shade val="50000"/>
-            </a:schemeClr>
-          </a:lnRef>
-          <a:fillRef idx="1">
-            <a:schemeClr val="accent1"/>
-          </a:fillRef>
-          <a:effectRef idx="0">
-            <a:schemeClr val="accent1"/>
-          </a:effectRef>
-          <a:fontRef idx="minor">
-            <a:schemeClr val="lt1"/>
-          </a:fontRef>
-        </p:style>
-        <p:txBody>
-          <a:bodyPr rtlCol="0" anchor="ctr"/>
-          <a:lstStyle/>
-          <a:p>
-            <a:pPr algn="ctr"/>
-            <a:endParaRPr lang="ko-KR" altLang="en-US" sz="1600"/>
-          </a:p>
-        </p:txBody>
-      </p:sp>
-      <p:grpSp>
-        <p:nvGrpSpPr>
-          <p:cNvPr id="31" name="그룹 30">
-            <a:extLst>
-              <a:ext uri="{FF2B5EF4-FFF2-40B4-BE49-F238E27FC236}">
-                <a16:creationId xmlns:a16="http://schemas.microsoft.com/office/drawing/2014/main" id="{466D0EF9-BADE-427D-91D6-1EF0D4516307}"/>
-              </a:ext>
-            </a:extLst>
-          </p:cNvPr>
-          <p:cNvGrpSpPr/>
-          <p:nvPr/>
-        </p:nvGrpSpPr>
-        <p:grpSpPr>
-          <a:xfrm>
-            <a:off x="276836" y="269845"/>
-            <a:ext cx="2171089" cy="792743"/>
-            <a:chOff x="276836" y="269845"/>
-            <a:chExt cx="2171089" cy="792743"/>
-          </a:xfrm>
-        </p:grpSpPr>
-        <p:sp>
-          <p:nvSpPr>
-            <p:cNvPr id="6" name="TextBox 5">
-              <a:extLst>
-                <a:ext uri="{FF2B5EF4-FFF2-40B4-BE49-F238E27FC236}">
-                  <a16:creationId xmlns:a16="http://schemas.microsoft.com/office/drawing/2014/main" id="{EA58E314-C773-4F36-8C88-B79D5D98B4F8}"/>
-                </a:ext>
-              </a:extLst>
-            </p:cNvPr>
-            <p:cNvSpPr txBox="1"/>
-            <p:nvPr/>
-          </p:nvSpPr>
-          <p:spPr>
-            <a:xfrm>
-              <a:off x="276836" y="269845"/>
-              <a:ext cx="1005403" cy="338554"/>
-            </a:xfrm>
-            <a:prstGeom prst="rect">
-              <a:avLst/>
-            </a:prstGeom>
-            <a:noFill/>
-          </p:spPr>
-          <p:txBody>
-            <a:bodyPr wrap="none" rtlCol="0">
-              <a:spAutoFit/>
-            </a:bodyPr>
-            <a:lstStyle/>
-            <a:p>
-              <a:r>
-                <a:rPr lang="ko-KR" altLang="en-US" sz="1600" b="1" dirty="0">
-                  <a:solidFill>
-                    <a:schemeClr val="bg1"/>
-                  </a:solidFill>
-                </a:rPr>
-                <a:t>ㅁㅈㅁㅈ</a:t>
-              </a:r>
-            </a:p>
-          </p:txBody>
-        </p:sp>
-        <p:sp>
-          <p:nvSpPr>
-            <p:cNvPr id="10" name="TextBox 9">
-              <a:extLst>
-                <a:ext uri="{FF2B5EF4-FFF2-40B4-BE49-F238E27FC236}">
-                  <a16:creationId xmlns:a16="http://schemas.microsoft.com/office/drawing/2014/main" id="{E2FC9F57-DA73-432C-ADB1-4C65C38E146D}"/>
-                </a:ext>
-              </a:extLst>
-            </p:cNvPr>
-            <p:cNvSpPr txBox="1"/>
-            <p:nvPr/>
-          </p:nvSpPr>
-          <p:spPr>
-            <a:xfrm>
-              <a:off x="276836" y="600923"/>
-              <a:ext cx="2171089" cy="461665"/>
-            </a:xfrm>
-            <a:prstGeom prst="rect">
-              <a:avLst/>
-            </a:prstGeom>
-            <a:noFill/>
-          </p:spPr>
-          <p:txBody>
-            <a:bodyPr wrap="square" rtlCol="0">
-              <a:spAutoFit/>
-            </a:bodyPr>
-            <a:lstStyle/>
-            <a:p>
-              <a:r>
-                <a:rPr lang="ko-KR" altLang="en-US" sz="1200" dirty="0">
-                  <a:solidFill>
-                    <a:schemeClr val="bg1"/>
-                  </a:solidFill>
-                </a:rPr>
-                <a:t>이미지를 통한 상품검색 및 구입 서비스 플랫폼</a:t>
-              </a:r>
-              <a:endParaRPr lang="en-US" altLang="ko-KR" sz="1200" dirty="0">
-                <a:solidFill>
-                  <a:schemeClr val="bg1"/>
-                </a:solidFill>
-              </a:endParaRPr>
-            </a:p>
-          </p:txBody>
-        </p:sp>
-      </p:grpSp>
-      <p:grpSp>
-        <p:nvGrpSpPr>
-          <p:cNvPr id="30" name="그룹 29">
-            <a:extLst>
-              <a:ext uri="{FF2B5EF4-FFF2-40B4-BE49-F238E27FC236}">
-                <a16:creationId xmlns:a16="http://schemas.microsoft.com/office/drawing/2014/main" id="{956FCDD1-8102-469E-963F-8CF798D512DC}"/>
-              </a:ext>
-            </a:extLst>
-          </p:cNvPr>
-          <p:cNvGrpSpPr/>
-          <p:nvPr/>
-        </p:nvGrpSpPr>
-        <p:grpSpPr>
-          <a:xfrm>
-            <a:off x="276836" y="1283533"/>
-            <a:ext cx="2171089" cy="608077"/>
-            <a:chOff x="276836" y="1474033"/>
-            <a:chExt cx="2171089" cy="608077"/>
-          </a:xfrm>
-        </p:grpSpPr>
-        <p:sp>
-          <p:nvSpPr>
-            <p:cNvPr id="11" name="TextBox 10">
-              <a:extLst>
-                <a:ext uri="{FF2B5EF4-FFF2-40B4-BE49-F238E27FC236}">
-                  <a16:creationId xmlns:a16="http://schemas.microsoft.com/office/drawing/2014/main" id="{A11D4FEC-A08E-42DB-9970-9FD7B36730CB}"/>
-                </a:ext>
-              </a:extLst>
-            </p:cNvPr>
-            <p:cNvSpPr txBox="1"/>
-            <p:nvPr/>
-          </p:nvSpPr>
-          <p:spPr>
-            <a:xfrm>
-              <a:off x="276836" y="1474033"/>
-              <a:ext cx="1005403" cy="338554"/>
-            </a:xfrm>
-            <a:prstGeom prst="rect">
-              <a:avLst/>
-            </a:prstGeom>
-            <a:noFill/>
-          </p:spPr>
-          <p:txBody>
-            <a:bodyPr wrap="none" rtlCol="0">
-              <a:spAutoFit/>
-            </a:bodyPr>
-            <a:lstStyle/>
-            <a:p>
-              <a:r>
-                <a:rPr lang="ko-KR" altLang="en-US" sz="1600" b="1" dirty="0">
-                  <a:solidFill>
-                    <a:schemeClr val="bg1"/>
-                  </a:solidFill>
-                </a:rPr>
-                <a:t>화면이름</a:t>
-              </a:r>
-            </a:p>
-          </p:txBody>
-        </p:sp>
-        <p:sp>
-          <p:nvSpPr>
-            <p:cNvPr id="12" name="TextBox 11">
-              <a:extLst>
-                <a:ext uri="{FF2B5EF4-FFF2-40B4-BE49-F238E27FC236}">
-                  <a16:creationId xmlns:a16="http://schemas.microsoft.com/office/drawing/2014/main" id="{95279311-CDE0-44BF-8410-51979300FD53}"/>
-                </a:ext>
-              </a:extLst>
-            </p:cNvPr>
-            <p:cNvSpPr txBox="1"/>
-            <p:nvPr/>
-          </p:nvSpPr>
-          <p:spPr>
-            <a:xfrm>
-              <a:off x="276836" y="1805111"/>
-              <a:ext cx="2171089" cy="276999"/>
-            </a:xfrm>
-            <a:prstGeom prst="rect">
-              <a:avLst/>
-            </a:prstGeom>
-            <a:noFill/>
-          </p:spPr>
-          <p:txBody>
-            <a:bodyPr wrap="square" rtlCol="0">
-              <a:spAutoFit/>
-            </a:bodyPr>
-            <a:lstStyle/>
-            <a:p>
-              <a:r>
-                <a:rPr lang="ko-KR" altLang="en-US" sz="1200" dirty="0">
-                  <a:solidFill>
-                    <a:schemeClr val="bg1"/>
-                  </a:solidFill>
-                </a:rPr>
-                <a:t>검색결과</a:t>
-              </a:r>
-              <a:endParaRPr lang="en-US" altLang="ko-KR" sz="1200" dirty="0">
-                <a:solidFill>
-                  <a:schemeClr val="bg1"/>
-                </a:solidFill>
-              </a:endParaRPr>
-            </a:p>
-          </p:txBody>
-        </p:sp>
-      </p:grpSp>
-      <p:grpSp>
-        <p:nvGrpSpPr>
-          <p:cNvPr id="29" name="그룹 28">
-            <a:extLst>
-              <a:ext uri="{FF2B5EF4-FFF2-40B4-BE49-F238E27FC236}">
-                <a16:creationId xmlns:a16="http://schemas.microsoft.com/office/drawing/2014/main" id="{CE8B1C68-700F-45A9-8016-5ED0A02FFBE2}"/>
-              </a:ext>
-            </a:extLst>
-          </p:cNvPr>
-          <p:cNvGrpSpPr/>
-          <p:nvPr/>
-        </p:nvGrpSpPr>
-        <p:grpSpPr>
-          <a:xfrm>
-            <a:off x="276836" y="2287696"/>
-            <a:ext cx="2171089" cy="608077"/>
-            <a:chOff x="276836" y="2678221"/>
-            <a:chExt cx="2171089" cy="608077"/>
-          </a:xfrm>
-        </p:grpSpPr>
-        <p:sp>
-          <p:nvSpPr>
-            <p:cNvPr id="13" name="TextBox 12">
-              <a:extLst>
-                <a:ext uri="{FF2B5EF4-FFF2-40B4-BE49-F238E27FC236}">
-                  <a16:creationId xmlns:a16="http://schemas.microsoft.com/office/drawing/2014/main" id="{8A754930-80DC-40A4-874B-EBE42B054C69}"/>
-                </a:ext>
-              </a:extLst>
-            </p:cNvPr>
-            <p:cNvSpPr txBox="1"/>
-            <p:nvPr/>
-          </p:nvSpPr>
-          <p:spPr>
-            <a:xfrm>
-              <a:off x="276836" y="2678221"/>
-              <a:ext cx="1005403" cy="338554"/>
-            </a:xfrm>
-            <a:prstGeom prst="rect">
-              <a:avLst/>
-            </a:prstGeom>
-            <a:noFill/>
-          </p:spPr>
-          <p:txBody>
-            <a:bodyPr wrap="none" rtlCol="0">
-              <a:spAutoFit/>
-            </a:bodyPr>
-            <a:lstStyle/>
-            <a:p>
-              <a:r>
-                <a:rPr lang="ko-KR" altLang="en-US" sz="1600" b="1" dirty="0">
-                  <a:solidFill>
-                    <a:schemeClr val="bg1"/>
-                  </a:solidFill>
-                </a:rPr>
-                <a:t>화면코드</a:t>
-              </a:r>
-            </a:p>
-          </p:txBody>
-        </p:sp>
-        <p:sp>
-          <p:nvSpPr>
-            <p:cNvPr id="14" name="TextBox 13">
-              <a:extLst>
-                <a:ext uri="{FF2B5EF4-FFF2-40B4-BE49-F238E27FC236}">
-                  <a16:creationId xmlns:a16="http://schemas.microsoft.com/office/drawing/2014/main" id="{A23439F9-C374-4017-AD5C-0C17D06FDD60}"/>
-                </a:ext>
-              </a:extLst>
-            </p:cNvPr>
-            <p:cNvSpPr txBox="1"/>
-            <p:nvPr/>
-          </p:nvSpPr>
-          <p:spPr>
-            <a:xfrm>
-              <a:off x="276836" y="3009299"/>
-              <a:ext cx="2171089" cy="276999"/>
-            </a:xfrm>
-            <a:prstGeom prst="rect">
-              <a:avLst/>
-            </a:prstGeom>
-            <a:noFill/>
-          </p:spPr>
-          <p:txBody>
-            <a:bodyPr wrap="square" rtlCol="0">
-              <a:spAutoFit/>
-            </a:bodyPr>
-            <a:lstStyle/>
-            <a:p>
-              <a:r>
-                <a:rPr lang="ko-KR" altLang="en-US" sz="1200" dirty="0">
-                  <a:solidFill>
-                    <a:schemeClr val="bg1"/>
-                  </a:solidFill>
-                </a:rPr>
-                <a:t>예시</a:t>
-              </a:r>
-              <a:r>
-                <a:rPr lang="en-US" altLang="ko-KR" sz="1200" dirty="0">
-                  <a:solidFill>
-                    <a:schemeClr val="bg1"/>
-                  </a:solidFill>
-                </a:rPr>
-                <a:t>) main_login_01</a:t>
-              </a:r>
-            </a:p>
-          </p:txBody>
-        </p:sp>
-      </p:grpSp>
-      <p:grpSp>
-        <p:nvGrpSpPr>
-          <p:cNvPr id="28" name="그룹 27">
-            <a:extLst>
-              <a:ext uri="{FF2B5EF4-FFF2-40B4-BE49-F238E27FC236}">
-                <a16:creationId xmlns:a16="http://schemas.microsoft.com/office/drawing/2014/main" id="{3B60CFA0-0763-417B-8AE3-E4433CBD2755}"/>
-              </a:ext>
-            </a:extLst>
-          </p:cNvPr>
-          <p:cNvGrpSpPr/>
-          <p:nvPr/>
-        </p:nvGrpSpPr>
-        <p:grpSpPr>
-          <a:xfrm>
-            <a:off x="276836" y="3104991"/>
-            <a:ext cx="2171089" cy="608077"/>
-            <a:chOff x="276836" y="3666966"/>
-            <a:chExt cx="2171089" cy="608077"/>
-          </a:xfrm>
-        </p:grpSpPr>
-        <p:sp>
-          <p:nvSpPr>
-            <p:cNvPr id="15" name="TextBox 14">
-              <a:extLst>
-                <a:ext uri="{FF2B5EF4-FFF2-40B4-BE49-F238E27FC236}">
-                  <a16:creationId xmlns:a16="http://schemas.microsoft.com/office/drawing/2014/main" id="{9DBDFEAB-84D3-47DC-AEB0-DD14BE3C3381}"/>
-                </a:ext>
-              </a:extLst>
-            </p:cNvPr>
-            <p:cNvSpPr txBox="1"/>
-            <p:nvPr/>
-          </p:nvSpPr>
-          <p:spPr>
-            <a:xfrm>
-              <a:off x="276836" y="3666966"/>
-              <a:ext cx="800219" cy="338554"/>
-            </a:xfrm>
-            <a:prstGeom prst="rect">
-              <a:avLst/>
-            </a:prstGeom>
-            <a:noFill/>
-          </p:spPr>
-          <p:txBody>
-            <a:bodyPr wrap="none" rtlCol="0">
-              <a:spAutoFit/>
-            </a:bodyPr>
-            <a:lstStyle/>
-            <a:p>
-              <a:r>
-                <a:rPr lang="ko-KR" altLang="en-US" sz="1600" b="1" dirty="0">
-                  <a:solidFill>
-                    <a:schemeClr val="bg1"/>
-                  </a:solidFill>
-                </a:rPr>
-                <a:t>작성자</a:t>
-              </a:r>
-            </a:p>
-          </p:txBody>
-        </p:sp>
-        <p:sp>
-          <p:nvSpPr>
-            <p:cNvPr id="16" name="TextBox 15">
-              <a:extLst>
-                <a:ext uri="{FF2B5EF4-FFF2-40B4-BE49-F238E27FC236}">
-                  <a16:creationId xmlns:a16="http://schemas.microsoft.com/office/drawing/2014/main" id="{AE876C31-DEE5-4929-A872-47CFFD6D977C}"/>
-                </a:ext>
-              </a:extLst>
-            </p:cNvPr>
-            <p:cNvSpPr txBox="1"/>
-            <p:nvPr/>
-          </p:nvSpPr>
-          <p:spPr>
-            <a:xfrm>
-              <a:off x="276836" y="3998044"/>
-              <a:ext cx="2171089" cy="276999"/>
-            </a:xfrm>
-            <a:prstGeom prst="rect">
-              <a:avLst/>
-            </a:prstGeom>
-            <a:noFill/>
-          </p:spPr>
-          <p:txBody>
-            <a:bodyPr wrap="square" rtlCol="0">
-              <a:spAutoFit/>
-            </a:bodyPr>
-            <a:lstStyle/>
-            <a:p>
-              <a:r>
-                <a:rPr lang="ko-KR" altLang="en-US" sz="1200" dirty="0">
-                  <a:solidFill>
-                    <a:schemeClr val="bg1"/>
-                  </a:solidFill>
-                </a:rPr>
-                <a:t>팀장 </a:t>
-              </a:r>
-              <a:r>
-                <a:rPr lang="en-US" altLang="ko-KR" sz="1200" dirty="0">
-                  <a:solidFill>
-                    <a:schemeClr val="bg1"/>
-                  </a:solidFill>
-                </a:rPr>
-                <a:t>– </a:t>
-              </a:r>
-              <a:r>
-                <a:rPr lang="ko-KR" altLang="en-US" sz="1200" dirty="0">
-                  <a:solidFill>
-                    <a:schemeClr val="bg1"/>
-                  </a:solidFill>
-                </a:rPr>
-                <a:t>홍길동 </a:t>
-              </a:r>
-              <a:r>
-                <a:rPr lang="en-US" altLang="ko-KR" sz="1200" dirty="0">
-                  <a:solidFill>
-                    <a:schemeClr val="bg1"/>
-                  </a:solidFill>
-                </a:rPr>
-                <a:t>/ </a:t>
-              </a:r>
-              <a:r>
-                <a:rPr lang="ko-KR" altLang="en-US" sz="1200" dirty="0">
-                  <a:solidFill>
-                    <a:schemeClr val="bg1"/>
-                  </a:solidFill>
-                </a:rPr>
-                <a:t>팀원 </a:t>
-              </a:r>
-              <a:r>
-                <a:rPr lang="en-US" altLang="ko-KR" sz="1200" dirty="0">
-                  <a:solidFill>
-                    <a:schemeClr val="bg1"/>
-                  </a:solidFill>
-                </a:rPr>
-                <a:t>- </a:t>
-              </a:r>
-              <a:r>
-                <a:rPr lang="ko-KR" altLang="en-US" sz="1200" dirty="0">
-                  <a:solidFill>
-                    <a:schemeClr val="bg1"/>
-                  </a:solidFill>
-                </a:rPr>
-                <a:t>고길동</a:t>
-              </a:r>
-              <a:endParaRPr lang="en-US" altLang="ko-KR" sz="1200" dirty="0">
-                <a:solidFill>
-                  <a:schemeClr val="bg1"/>
-                </a:solidFill>
-              </a:endParaRPr>
-            </a:p>
-          </p:txBody>
-        </p:sp>
-      </p:grpSp>
-      <p:sp>
-        <p:nvSpPr>
-          <p:cNvPr id="17" name="직사각형 16">
-            <a:extLst>
-              <a:ext uri="{FF2B5EF4-FFF2-40B4-BE49-F238E27FC236}">
-                <a16:creationId xmlns:a16="http://schemas.microsoft.com/office/drawing/2014/main" id="{F2EE50EF-1C64-4D24-A8FC-FEB31ECABF02}"/>
-              </a:ext>
-            </a:extLst>
-          </p:cNvPr>
-          <p:cNvSpPr/>
-          <p:nvPr/>
-        </p:nvSpPr>
-        <p:spPr>
-          <a:xfrm>
-            <a:off x="2743200" y="5172074"/>
-            <a:ext cx="7162799" cy="1685923"/>
-          </a:xfrm>
-          <a:prstGeom prst="rect">
-            <a:avLst/>
-          </a:prstGeom>
-          <a:solidFill>
-            <a:schemeClr val="bg1">
-              <a:lumMod val="95000"/>
-            </a:schemeClr>
-          </a:solidFill>
-          <a:ln>
-            <a:noFill/>
-          </a:ln>
-        </p:spPr>
-        <p:style>
-          <a:lnRef idx="2">
-            <a:schemeClr val="accent1">
-              <a:shade val="50000"/>
-            </a:schemeClr>
-          </a:lnRef>
-          <a:fillRef idx="1">
-            <a:schemeClr val="accent1"/>
-          </a:fillRef>
-          <a:effectRef idx="0">
-            <a:schemeClr val="accent1"/>
-          </a:effectRef>
-          <a:fontRef idx="minor">
-            <a:schemeClr val="lt1"/>
-          </a:fontRef>
-        </p:style>
-        <p:txBody>
-          <a:bodyPr rtlCol="0" anchor="ctr"/>
-          <a:lstStyle/>
-          <a:p>
-            <a:pPr algn="ctr"/>
-            <a:endParaRPr lang="ko-KR" altLang="en-US" sz="1600"/>
-          </a:p>
-        </p:txBody>
-      </p:sp>
-      <p:sp>
-        <p:nvSpPr>
-          <p:cNvPr id="18" name="TextBox 17">
-            <a:extLst>
-              <a:ext uri="{FF2B5EF4-FFF2-40B4-BE49-F238E27FC236}">
-                <a16:creationId xmlns:a16="http://schemas.microsoft.com/office/drawing/2014/main" id="{17EFCDDE-1130-408D-9BF1-4DAA52C217DC}"/>
-              </a:ext>
-            </a:extLst>
-          </p:cNvPr>
-          <p:cNvSpPr txBox="1"/>
-          <p:nvPr/>
-        </p:nvSpPr>
-        <p:spPr>
-          <a:xfrm>
-            <a:off x="3020037" y="5412546"/>
-            <a:ext cx="1005403" cy="338554"/>
-          </a:xfrm>
-          <a:prstGeom prst="rect">
-            <a:avLst/>
-          </a:prstGeom>
-          <a:noFill/>
-        </p:spPr>
-        <p:txBody>
-          <a:bodyPr wrap="none" rtlCol="0">
-            <a:spAutoFit/>
-          </a:bodyPr>
-          <a:lstStyle/>
-          <a:p>
-            <a:r>
-              <a:rPr lang="ko-KR" altLang="en-US" sz="1600" b="1" dirty="0">
-                <a:solidFill>
-                  <a:srgbClr val="0090D0"/>
-                </a:solidFill>
-              </a:rPr>
-              <a:t>화면설명</a:t>
-            </a:r>
-          </a:p>
-        </p:txBody>
-      </p:sp>
-      <p:sp>
-        <p:nvSpPr>
-          <p:cNvPr id="19" name="TextBox 18">
-            <a:extLst>
-              <a:ext uri="{FF2B5EF4-FFF2-40B4-BE49-F238E27FC236}">
-                <a16:creationId xmlns:a16="http://schemas.microsoft.com/office/drawing/2014/main" id="{0DBB6D9D-7151-48F9-9712-A4D8DDC0AA70}"/>
-              </a:ext>
-            </a:extLst>
-          </p:cNvPr>
-          <p:cNvSpPr txBox="1"/>
-          <p:nvPr/>
-        </p:nvSpPr>
-        <p:spPr>
-          <a:xfrm>
-            <a:off x="3020037" y="5781724"/>
-            <a:ext cx="2466366" cy="830997"/>
-          </a:xfrm>
-          <a:prstGeom prst="rect">
-            <a:avLst/>
-          </a:prstGeom>
-          <a:noFill/>
-        </p:spPr>
-        <p:txBody>
-          <a:bodyPr wrap="square" rtlCol="0">
-            <a:spAutoFit/>
-          </a:bodyPr>
-          <a:lstStyle/>
-          <a:p>
-            <a:r>
-              <a:rPr lang="en-US" altLang="ko-KR" sz="1200" dirty="0"/>
-              <a:t> - </a:t>
-            </a:r>
-            <a:r>
-              <a:rPr lang="ko-KR" altLang="en-US" sz="1200" dirty="0"/>
-              <a:t>화면설명 입력</a:t>
-            </a:r>
-            <a:endParaRPr lang="en-US" altLang="ko-KR" sz="1200" dirty="0"/>
-          </a:p>
-          <a:p>
-            <a:r>
-              <a:rPr lang="en-US" altLang="ko-KR" sz="1200" dirty="0"/>
-              <a:t> - </a:t>
-            </a:r>
-            <a:r>
-              <a:rPr lang="ko-KR" altLang="en-US" sz="1200" dirty="0"/>
-              <a:t>화면설명 입력</a:t>
-            </a:r>
-            <a:endParaRPr lang="en-US" altLang="ko-KR" sz="1200" dirty="0"/>
-          </a:p>
-          <a:p>
-            <a:r>
-              <a:rPr lang="en-US" altLang="ko-KR" sz="1200" dirty="0"/>
-              <a:t> - </a:t>
-            </a:r>
-            <a:r>
-              <a:rPr lang="ko-KR" altLang="en-US" sz="1200" dirty="0"/>
-              <a:t>화면설명 입력</a:t>
-            </a:r>
-            <a:endParaRPr lang="en-US" altLang="ko-KR" sz="1200" dirty="0"/>
-          </a:p>
-          <a:p>
-            <a:r>
-              <a:rPr lang="en-US" altLang="ko-KR" sz="1200" dirty="0"/>
-              <a:t> - </a:t>
-            </a:r>
-            <a:r>
-              <a:rPr lang="ko-KR" altLang="en-US" sz="1200" dirty="0"/>
-              <a:t>화면설명 입력</a:t>
-            </a:r>
-            <a:endParaRPr lang="en-US" altLang="ko-KR" sz="1200" dirty="0"/>
-          </a:p>
-        </p:txBody>
-      </p:sp>
-      <p:grpSp>
-        <p:nvGrpSpPr>
-          <p:cNvPr id="32" name="그룹 31">
-            <a:extLst>
-              <a:ext uri="{FF2B5EF4-FFF2-40B4-BE49-F238E27FC236}">
-                <a16:creationId xmlns:a16="http://schemas.microsoft.com/office/drawing/2014/main" id="{CA1DD512-4BF6-481A-95B3-0402591A68BA}"/>
-              </a:ext>
-            </a:extLst>
-          </p:cNvPr>
-          <p:cNvGrpSpPr/>
-          <p:nvPr/>
-        </p:nvGrpSpPr>
-        <p:grpSpPr>
-          <a:xfrm>
-            <a:off x="276836" y="3936433"/>
-            <a:ext cx="2171089" cy="2270070"/>
-            <a:chOff x="276836" y="269845"/>
-            <a:chExt cx="2171089" cy="2270070"/>
-          </a:xfrm>
-        </p:grpSpPr>
-        <p:sp>
-          <p:nvSpPr>
-            <p:cNvPr id="33" name="TextBox 32">
-              <a:extLst>
-                <a:ext uri="{FF2B5EF4-FFF2-40B4-BE49-F238E27FC236}">
-                  <a16:creationId xmlns:a16="http://schemas.microsoft.com/office/drawing/2014/main" id="{E2C757D1-6594-4C66-81E7-820AE4027158}"/>
-                </a:ext>
-              </a:extLst>
-            </p:cNvPr>
-            <p:cNvSpPr txBox="1"/>
-            <p:nvPr/>
-          </p:nvSpPr>
-          <p:spPr>
-            <a:xfrm>
-              <a:off x="276836" y="269845"/>
-              <a:ext cx="1005403" cy="338554"/>
-            </a:xfrm>
-            <a:prstGeom prst="rect">
-              <a:avLst/>
-            </a:prstGeom>
-            <a:noFill/>
-          </p:spPr>
-          <p:txBody>
-            <a:bodyPr wrap="none" rtlCol="0">
-              <a:spAutoFit/>
-            </a:bodyPr>
-            <a:lstStyle/>
-            <a:p>
-              <a:r>
-                <a:rPr lang="ko-KR" altLang="en-US" sz="1600" b="1" dirty="0">
-                  <a:solidFill>
-                    <a:schemeClr val="bg1"/>
-                  </a:solidFill>
-                </a:rPr>
-                <a:t>유의사항</a:t>
-              </a:r>
-            </a:p>
-          </p:txBody>
-        </p:sp>
-        <p:sp>
-          <p:nvSpPr>
-            <p:cNvPr id="34" name="TextBox 33">
-              <a:extLst>
-                <a:ext uri="{FF2B5EF4-FFF2-40B4-BE49-F238E27FC236}">
-                  <a16:creationId xmlns:a16="http://schemas.microsoft.com/office/drawing/2014/main" id="{D86AE12A-76EC-49AD-A2BE-EBED9566CBB2}"/>
-                </a:ext>
-              </a:extLst>
-            </p:cNvPr>
-            <p:cNvSpPr txBox="1"/>
-            <p:nvPr/>
-          </p:nvSpPr>
-          <p:spPr>
-            <a:xfrm>
-              <a:off x="276836" y="600923"/>
-              <a:ext cx="2171089" cy="1938992"/>
-            </a:xfrm>
-            <a:prstGeom prst="rect">
-              <a:avLst/>
-            </a:prstGeom>
-            <a:noFill/>
-          </p:spPr>
-          <p:txBody>
-            <a:bodyPr wrap="square" rtlCol="0">
-              <a:spAutoFit/>
-            </a:bodyPr>
-            <a:lstStyle/>
-            <a:p>
-              <a:r>
-                <a:rPr lang="en-US" altLang="ko-KR" sz="1200" dirty="0">
-                  <a:solidFill>
-                    <a:schemeClr val="bg1"/>
-                  </a:solidFill>
-                </a:rPr>
-                <a:t> - </a:t>
-              </a:r>
-              <a:r>
-                <a:rPr lang="ko-KR" altLang="en-US" sz="1200" dirty="0">
-                  <a:solidFill>
-                    <a:schemeClr val="bg1"/>
-                  </a:solidFill>
-                </a:rPr>
-                <a:t>유의사항 입력</a:t>
-              </a:r>
-              <a:endParaRPr lang="en-US" altLang="ko-KR" sz="1200" dirty="0">
-                <a:solidFill>
-                  <a:schemeClr val="bg1"/>
-                </a:solidFill>
-              </a:endParaRPr>
-            </a:p>
-            <a:p>
-              <a:r>
-                <a:rPr lang="en-US" altLang="ko-KR" sz="1200" dirty="0">
-                  <a:solidFill>
-                    <a:schemeClr val="bg1"/>
-                  </a:solidFill>
-                </a:rPr>
-                <a:t> - </a:t>
-              </a:r>
-              <a:r>
-                <a:rPr lang="ko-KR" altLang="en-US" sz="1200" dirty="0">
-                  <a:solidFill>
-                    <a:schemeClr val="bg1"/>
-                  </a:solidFill>
-                </a:rPr>
-                <a:t>유의사항 입력</a:t>
-              </a:r>
-              <a:endParaRPr lang="en-US" altLang="ko-KR" sz="1200" dirty="0">
-                <a:solidFill>
-                  <a:schemeClr val="bg1"/>
-                </a:solidFill>
-              </a:endParaRPr>
-            </a:p>
-            <a:p>
-              <a:r>
-                <a:rPr lang="en-US" altLang="ko-KR" sz="1200" dirty="0">
-                  <a:solidFill>
-                    <a:schemeClr val="bg1"/>
-                  </a:solidFill>
-                </a:rPr>
-                <a:t> - </a:t>
-              </a:r>
-              <a:r>
-                <a:rPr lang="ko-KR" altLang="en-US" sz="1200" dirty="0">
-                  <a:solidFill>
-                    <a:schemeClr val="bg1"/>
-                  </a:solidFill>
-                </a:rPr>
-                <a:t>유의사항 입력</a:t>
-              </a:r>
-              <a:endParaRPr lang="en-US" altLang="ko-KR" sz="1200" dirty="0">
-                <a:solidFill>
-                  <a:schemeClr val="bg1"/>
-                </a:solidFill>
-              </a:endParaRPr>
-            </a:p>
-            <a:p>
-              <a:r>
-                <a:rPr lang="en-US" altLang="ko-KR" sz="1200" dirty="0">
-                  <a:solidFill>
-                    <a:schemeClr val="bg1"/>
-                  </a:solidFill>
-                </a:rPr>
-                <a:t> - </a:t>
-              </a:r>
-              <a:r>
-                <a:rPr lang="ko-KR" altLang="en-US" sz="1200" dirty="0">
-                  <a:solidFill>
-                    <a:schemeClr val="bg1"/>
-                  </a:solidFill>
-                </a:rPr>
-                <a:t>유의사항 입력</a:t>
-              </a:r>
-              <a:endParaRPr lang="en-US" altLang="ko-KR" sz="1200" dirty="0">
-                <a:solidFill>
-                  <a:schemeClr val="bg1"/>
-                </a:solidFill>
-              </a:endParaRPr>
-            </a:p>
-            <a:p>
-              <a:r>
-                <a:rPr lang="en-US" altLang="ko-KR" sz="1200" dirty="0">
-                  <a:solidFill>
-                    <a:schemeClr val="bg1"/>
-                  </a:solidFill>
-                </a:rPr>
-                <a:t> - </a:t>
-              </a:r>
-              <a:r>
-                <a:rPr lang="ko-KR" altLang="en-US" sz="1200" dirty="0">
-                  <a:solidFill>
-                    <a:schemeClr val="bg1"/>
-                  </a:solidFill>
-                </a:rPr>
-                <a:t>유의사항 입력</a:t>
-              </a:r>
-              <a:endParaRPr lang="en-US" altLang="ko-KR" sz="1200" dirty="0">
-                <a:solidFill>
-                  <a:schemeClr val="bg1"/>
-                </a:solidFill>
-              </a:endParaRPr>
-            </a:p>
-            <a:p>
-              <a:r>
-                <a:rPr lang="en-US" altLang="ko-KR" sz="1200" dirty="0">
-                  <a:solidFill>
-                    <a:schemeClr val="bg1"/>
-                  </a:solidFill>
-                </a:rPr>
-                <a:t> - </a:t>
-              </a:r>
-              <a:r>
-                <a:rPr lang="ko-KR" altLang="en-US" sz="1200" dirty="0">
-                  <a:solidFill>
-                    <a:schemeClr val="bg1"/>
-                  </a:solidFill>
-                </a:rPr>
-                <a:t>유의사항 입력</a:t>
-              </a:r>
-              <a:endParaRPr lang="en-US" altLang="ko-KR" sz="1200" dirty="0">
-                <a:solidFill>
-                  <a:schemeClr val="bg1"/>
-                </a:solidFill>
-              </a:endParaRPr>
-            </a:p>
-            <a:p>
-              <a:r>
-                <a:rPr lang="en-US" altLang="ko-KR" sz="1200" dirty="0">
-                  <a:solidFill>
-                    <a:schemeClr val="bg1"/>
-                  </a:solidFill>
-                </a:rPr>
-                <a:t> - </a:t>
-              </a:r>
-              <a:r>
-                <a:rPr lang="ko-KR" altLang="en-US" sz="1200" dirty="0">
-                  <a:solidFill>
-                    <a:schemeClr val="bg1"/>
-                  </a:solidFill>
-                </a:rPr>
-                <a:t>유의사항 입력</a:t>
-              </a:r>
-              <a:endParaRPr lang="en-US" altLang="ko-KR" sz="1200" dirty="0">
-                <a:solidFill>
-                  <a:schemeClr val="bg1"/>
-                </a:solidFill>
-              </a:endParaRPr>
-            </a:p>
-            <a:p>
-              <a:r>
-                <a:rPr lang="en-US" altLang="ko-KR" sz="1200" dirty="0">
-                  <a:solidFill>
-                    <a:schemeClr val="bg1"/>
-                  </a:solidFill>
-                </a:rPr>
-                <a:t> - </a:t>
-              </a:r>
-              <a:r>
-                <a:rPr lang="ko-KR" altLang="en-US" sz="1200" dirty="0">
-                  <a:solidFill>
-                    <a:schemeClr val="bg1"/>
-                  </a:solidFill>
-                </a:rPr>
-                <a:t>유의사항 입력</a:t>
-              </a:r>
-              <a:endParaRPr lang="en-US" altLang="ko-KR" sz="1200" dirty="0">
-                <a:solidFill>
-                  <a:schemeClr val="bg1"/>
-                </a:solidFill>
-              </a:endParaRPr>
-            </a:p>
-            <a:p>
-              <a:r>
-                <a:rPr lang="en-US" altLang="ko-KR" sz="1200" dirty="0">
-                  <a:solidFill>
-                    <a:schemeClr val="bg1"/>
-                  </a:solidFill>
-                </a:rPr>
-                <a:t> - </a:t>
-              </a:r>
-              <a:r>
-                <a:rPr lang="ko-KR" altLang="en-US" sz="1200" dirty="0">
-                  <a:solidFill>
-                    <a:schemeClr val="bg1"/>
-                  </a:solidFill>
-                </a:rPr>
-                <a:t>유의사항 입력</a:t>
-              </a:r>
-              <a:endParaRPr lang="en-US" altLang="ko-KR" sz="1200" dirty="0">
-                <a:solidFill>
-                  <a:schemeClr val="bg1"/>
-                </a:solidFill>
-              </a:endParaRPr>
-            </a:p>
-            <a:p>
-              <a:r>
-                <a:rPr lang="en-US" altLang="ko-KR" sz="1200" dirty="0">
-                  <a:solidFill>
-                    <a:schemeClr val="bg1"/>
-                  </a:solidFill>
-                </a:rPr>
-                <a:t> - </a:t>
-              </a:r>
-              <a:r>
-                <a:rPr lang="ko-KR" altLang="en-US" sz="1200" dirty="0">
-                  <a:solidFill>
-                    <a:schemeClr val="bg1"/>
-                  </a:solidFill>
-                </a:rPr>
-                <a:t>유의사항 입력</a:t>
-              </a:r>
-              <a:endParaRPr lang="en-US" altLang="ko-KR" sz="1200" dirty="0">
-                <a:solidFill>
-                  <a:schemeClr val="bg1"/>
-                </a:solidFill>
-              </a:endParaRPr>
-            </a:p>
-          </p:txBody>
-        </p:sp>
-      </p:grpSp>
-      <p:sp>
-        <p:nvSpPr>
-          <p:cNvPr id="36" name="TextBox 35">
-            <a:extLst>
-              <a:ext uri="{FF2B5EF4-FFF2-40B4-BE49-F238E27FC236}">
-                <a16:creationId xmlns:a16="http://schemas.microsoft.com/office/drawing/2014/main" id="{4A3FAFFD-4C84-4F14-8CFD-262EC1F85AD5}"/>
-              </a:ext>
-            </a:extLst>
-          </p:cNvPr>
-          <p:cNvSpPr txBox="1"/>
-          <p:nvPr/>
-        </p:nvSpPr>
-        <p:spPr>
-          <a:xfrm>
-            <a:off x="5763239" y="5781723"/>
-            <a:ext cx="2466366" cy="830997"/>
-          </a:xfrm>
-          <a:prstGeom prst="rect">
-            <a:avLst/>
-          </a:prstGeom>
-          <a:noFill/>
-        </p:spPr>
-        <p:txBody>
-          <a:bodyPr wrap="square" rtlCol="0">
-            <a:spAutoFit/>
-          </a:bodyPr>
-          <a:lstStyle/>
-          <a:p>
-            <a:r>
-              <a:rPr lang="en-US" altLang="ko-KR" sz="1200" dirty="0"/>
-              <a:t> - </a:t>
-            </a:r>
-            <a:r>
-              <a:rPr lang="ko-KR" altLang="en-US" sz="1200" dirty="0"/>
-              <a:t>화면설명 입력</a:t>
-            </a:r>
-            <a:endParaRPr lang="en-US" altLang="ko-KR" sz="1200" dirty="0"/>
-          </a:p>
-          <a:p>
-            <a:r>
-              <a:rPr lang="en-US" altLang="ko-KR" sz="1200" dirty="0"/>
-              <a:t> - </a:t>
-            </a:r>
-            <a:r>
-              <a:rPr lang="ko-KR" altLang="en-US" sz="1200" dirty="0"/>
-              <a:t>화면설명 입력</a:t>
-            </a:r>
-            <a:endParaRPr lang="en-US" altLang="ko-KR" sz="1200" dirty="0"/>
-          </a:p>
-          <a:p>
-            <a:r>
-              <a:rPr lang="en-US" altLang="ko-KR" sz="1200" dirty="0"/>
-              <a:t> - </a:t>
-            </a:r>
-            <a:r>
-              <a:rPr lang="ko-KR" altLang="en-US" sz="1200" dirty="0"/>
-              <a:t>화면설명 입력</a:t>
-            </a:r>
-            <a:endParaRPr lang="en-US" altLang="ko-KR" sz="1200" dirty="0"/>
-          </a:p>
-          <a:p>
-            <a:r>
-              <a:rPr lang="en-US" altLang="ko-KR" sz="1200" dirty="0"/>
-              <a:t> - </a:t>
-            </a:r>
-            <a:r>
-              <a:rPr lang="ko-KR" altLang="en-US" sz="1200" dirty="0"/>
-              <a:t>화면설명 입력</a:t>
-            </a:r>
-            <a:endParaRPr lang="en-US" altLang="ko-KR" sz="1200" dirty="0"/>
-          </a:p>
-        </p:txBody>
-      </p:sp>
-      <p:sp>
-        <p:nvSpPr>
-          <p:cNvPr id="2" name="TextBox 1">
-            <a:extLst>
-              <a:ext uri="{FF2B5EF4-FFF2-40B4-BE49-F238E27FC236}">
-                <a16:creationId xmlns:a16="http://schemas.microsoft.com/office/drawing/2014/main" id="{E87EA39F-0A51-30A6-0D35-5685442DB7DA}"/>
-              </a:ext>
-            </a:extLst>
-          </p:cNvPr>
-          <p:cNvSpPr txBox="1"/>
-          <p:nvPr/>
-        </p:nvSpPr>
-        <p:spPr>
-          <a:xfrm>
-            <a:off x="5233991" y="439122"/>
-            <a:ext cx="5991228" cy="523220"/>
-          </a:xfrm>
-          <a:prstGeom prst="rect">
-            <a:avLst/>
-          </a:prstGeom>
-          <a:noFill/>
-        </p:spPr>
-        <p:txBody>
-          <a:bodyPr wrap="square" rtlCol="0">
-            <a:spAutoFit/>
-          </a:bodyPr>
-          <a:lstStyle/>
-          <a:p>
-            <a:r>
-              <a:rPr lang="ko-KR" altLang="en-US" sz="2800" b="1" dirty="0"/>
-              <a:t>검색 결과</a:t>
-            </a:r>
-          </a:p>
-        </p:txBody>
-      </p:sp>
-      <p:sp>
-        <p:nvSpPr>
-          <p:cNvPr id="8" name="TextBox 7">
-            <a:extLst>
-              <a:ext uri="{FF2B5EF4-FFF2-40B4-BE49-F238E27FC236}">
-                <a16:creationId xmlns:a16="http://schemas.microsoft.com/office/drawing/2014/main" id="{0EB984FF-9DDE-1F95-5CF2-7D53B39867E6}"/>
-              </a:ext>
-            </a:extLst>
-          </p:cNvPr>
-          <p:cNvSpPr txBox="1"/>
-          <p:nvPr/>
-        </p:nvSpPr>
-        <p:spPr>
-          <a:xfrm>
-            <a:off x="6166655" y="1591506"/>
-            <a:ext cx="1416423" cy="369332"/>
-          </a:xfrm>
-          <a:prstGeom prst="rect">
-            <a:avLst/>
-          </a:prstGeom>
-          <a:noFill/>
-        </p:spPr>
-        <p:txBody>
-          <a:bodyPr wrap="square" rtlCol="0">
-            <a:spAutoFit/>
-          </a:bodyPr>
-          <a:lstStyle/>
-          <a:p>
-            <a:r>
-              <a:rPr lang="ko-KR" altLang="en-US" b="1" dirty="0"/>
-              <a:t>브랜드명</a:t>
-            </a:r>
-          </a:p>
-        </p:txBody>
-      </p:sp>
-      <p:sp>
-        <p:nvSpPr>
-          <p:cNvPr id="9" name="TextBox 8">
-            <a:extLst>
-              <a:ext uri="{FF2B5EF4-FFF2-40B4-BE49-F238E27FC236}">
-                <a16:creationId xmlns:a16="http://schemas.microsoft.com/office/drawing/2014/main" id="{5A53E14F-160E-B1C6-7C54-7B10387B30B9}"/>
-              </a:ext>
-            </a:extLst>
-          </p:cNvPr>
-          <p:cNvSpPr txBox="1"/>
-          <p:nvPr/>
-        </p:nvSpPr>
-        <p:spPr>
-          <a:xfrm>
-            <a:off x="6166656" y="2908139"/>
-            <a:ext cx="1416423" cy="369332"/>
-          </a:xfrm>
-          <a:prstGeom prst="rect">
-            <a:avLst/>
-          </a:prstGeom>
-          <a:noFill/>
-        </p:spPr>
-        <p:txBody>
-          <a:bodyPr wrap="square" rtlCol="0">
-            <a:spAutoFit/>
-          </a:bodyPr>
-          <a:lstStyle/>
-          <a:p>
-            <a:r>
-              <a:rPr lang="ko-KR" altLang="en-US" b="1" dirty="0"/>
-              <a:t>제품명</a:t>
-            </a:r>
-          </a:p>
-        </p:txBody>
-      </p:sp>
-      <p:sp>
-        <p:nvSpPr>
-          <p:cNvPr id="21" name="Rectangle 20">
-            <a:extLst>
-              <a:ext uri="{FF2B5EF4-FFF2-40B4-BE49-F238E27FC236}">
-                <a16:creationId xmlns:a16="http://schemas.microsoft.com/office/drawing/2014/main" id="{CAA30DD6-4440-642C-B93E-18BC443B2693}"/>
-              </a:ext>
-            </a:extLst>
-          </p:cNvPr>
-          <p:cNvSpPr/>
-          <p:nvPr/>
-        </p:nvSpPr>
-        <p:spPr>
-          <a:xfrm>
-            <a:off x="6726945" y="4309858"/>
-            <a:ext cx="2064599" cy="523220"/>
-          </a:xfrm>
-          <a:prstGeom prst="rect">
-            <a:avLst/>
-          </a:prstGeom>
-        </p:spPr>
-        <p:style>
-          <a:lnRef idx="2">
-            <a:schemeClr val="accent1">
-              <a:shade val="50000"/>
-            </a:schemeClr>
-          </a:lnRef>
-          <a:fillRef idx="1">
-            <a:schemeClr val="accent1"/>
-          </a:fillRef>
-          <a:effectRef idx="0">
-            <a:schemeClr val="accent1"/>
-          </a:effectRef>
-          <a:fontRef idx="minor">
-            <a:schemeClr val="lt1"/>
-          </a:fontRef>
-        </p:style>
-        <p:txBody>
-          <a:bodyPr rtlCol="0" anchor="ctr"/>
-          <a:lstStyle/>
-          <a:p>
-            <a:pPr algn="ctr"/>
-            <a:r>
-              <a:rPr lang="ko-KR" altLang="en-US" sz="1400" dirty="0"/>
-              <a:t>판매 사이트 바로가기</a:t>
-            </a:r>
-          </a:p>
-        </p:txBody>
-      </p:sp>
-      <p:pic>
-        <p:nvPicPr>
-          <p:cNvPr id="25" name="Picture 24">
-            <a:extLst>
-              <a:ext uri="{FF2B5EF4-FFF2-40B4-BE49-F238E27FC236}">
-                <a16:creationId xmlns:a16="http://schemas.microsoft.com/office/drawing/2014/main" id="{3A47884F-2396-350D-4B48-6518D56C2503}"/>
-              </a:ext>
-            </a:extLst>
-          </p:cNvPr>
-          <p:cNvPicPr>
-            <a:picLocks noChangeAspect="1"/>
-          </p:cNvPicPr>
-          <p:nvPr/>
-        </p:nvPicPr>
-        <p:blipFill>
-          <a:blip r:embed="rId2"/>
-          <a:stretch>
-            <a:fillRect/>
-          </a:stretch>
-        </p:blipFill>
-        <p:spPr>
-          <a:xfrm>
-            <a:off x="7759245" y="1571938"/>
-            <a:ext cx="1158340" cy="434378"/>
-          </a:xfrm>
-          <a:prstGeom prst="rect">
-            <a:avLst/>
-          </a:prstGeom>
-        </p:spPr>
-      </p:pic>
-      <p:pic>
-        <p:nvPicPr>
-          <p:cNvPr id="35" name="Picture 34">
-            <a:extLst>
-              <a:ext uri="{FF2B5EF4-FFF2-40B4-BE49-F238E27FC236}">
-                <a16:creationId xmlns:a16="http://schemas.microsoft.com/office/drawing/2014/main" id="{E8A8CC92-40F6-A550-FC9F-3CDAB08D5D64}"/>
-              </a:ext>
-            </a:extLst>
-          </p:cNvPr>
-          <p:cNvPicPr>
-            <a:picLocks noChangeAspect="1"/>
-          </p:cNvPicPr>
-          <p:nvPr/>
-        </p:nvPicPr>
-        <p:blipFill>
-          <a:blip r:embed="rId3"/>
-          <a:stretch>
-            <a:fillRect/>
-          </a:stretch>
-        </p:blipFill>
-        <p:spPr>
-          <a:xfrm>
-            <a:off x="7501162" y="2255417"/>
-            <a:ext cx="1416423" cy="1715446"/>
-          </a:xfrm>
-          <a:prstGeom prst="rect">
-            <a:avLst/>
-          </a:prstGeom>
-        </p:spPr>
-      </p:pic>
-      <p:pic>
-        <p:nvPicPr>
-          <p:cNvPr id="37" name="Picture 36">
-            <a:extLst>
-              <a:ext uri="{FF2B5EF4-FFF2-40B4-BE49-F238E27FC236}">
-                <a16:creationId xmlns:a16="http://schemas.microsoft.com/office/drawing/2014/main" id="{0B1928E4-5090-59A9-1D60-5F4790D37816}"/>
-              </a:ext>
-            </a:extLst>
-          </p:cNvPr>
-          <p:cNvPicPr>
-            <a:picLocks noChangeAspect="1"/>
-          </p:cNvPicPr>
-          <p:nvPr/>
-        </p:nvPicPr>
-        <p:blipFill>
-          <a:blip r:embed="rId4"/>
-          <a:stretch>
-            <a:fillRect/>
-          </a:stretch>
-        </p:blipFill>
-        <p:spPr>
-          <a:xfrm>
-            <a:off x="3179055" y="1083137"/>
-            <a:ext cx="2584183" cy="3879145"/>
-          </a:xfrm>
-          <a:prstGeom prst="rect">
-            <a:avLst/>
-          </a:prstGeom>
-        </p:spPr>
-      </p:pic>
-      <p:sp>
-        <p:nvSpPr>
-          <p:cNvPr id="7" name="TextBox 6">
-            <a:extLst>
-              <a:ext uri="{FF2B5EF4-FFF2-40B4-BE49-F238E27FC236}">
-                <a16:creationId xmlns:a16="http://schemas.microsoft.com/office/drawing/2014/main" id="{DAE8A104-83CC-0A60-1D53-50F5026E078C}"/>
-              </a:ext>
-            </a:extLst>
-          </p:cNvPr>
-          <p:cNvSpPr txBox="1"/>
-          <p:nvPr/>
-        </p:nvSpPr>
-        <p:spPr>
-          <a:xfrm>
-            <a:off x="3958454" y="3980139"/>
-            <a:ext cx="994546" cy="1009936"/>
-          </a:xfrm>
-          <a:prstGeom prst="rect">
-            <a:avLst/>
-          </a:prstGeom>
-          <a:noFill/>
-          <a:ln w="57150">
-            <a:solidFill>
-              <a:srgbClr val="FF0000"/>
-            </a:solidFill>
-          </a:ln>
-        </p:spPr>
-        <p:txBody>
-          <a:bodyPr wrap="square" rtlCol="0">
-            <a:spAutoFit/>
-          </a:bodyPr>
-          <a:lstStyle/>
-          <a:p>
-            <a:endParaRPr lang="ko-KR" altLang="en-US" dirty="0"/>
-          </a:p>
-        </p:txBody>
-      </p:sp>
-    </p:spTree>
-    <p:extLst>
-      <p:ext uri="{BB962C8B-B14F-4D97-AF65-F5344CB8AC3E}">
-        <p14:creationId xmlns:p14="http://schemas.microsoft.com/office/powerpoint/2010/main" val="192743807"/>
       </p:ext>
     </p:extLst>
   </p:cSld>
@@ -18658,7 +19204,10 @@
             <a:avLst/>
           </a:prstGeom>
           <a:solidFill>
-            <a:srgbClr val="0090D0"/>
+            <a:schemeClr val="accent1">
+              <a:lumMod val="60000"/>
+              <a:lumOff val="40000"/>
+            </a:schemeClr>
           </a:solidFill>
           <a:ln>
             <a:noFill/>
@@ -18808,9 +19357,9 @@
         <p:grpSpPr>
           <a:xfrm>
             <a:off x="276836" y="1283533"/>
-            <a:ext cx="2171089" cy="608077"/>
+            <a:ext cx="2180308" cy="610497"/>
             <a:chOff x="276836" y="1474033"/>
-            <a:chExt cx="2171089" cy="608077"/>
+            <a:chExt cx="2180308" cy="610497"/>
           </a:xfrm>
         </p:grpSpPr>
         <p:sp>
@@ -18866,7 +19415,7 @@
           </p:nvSpPr>
           <p:spPr>
             <a:xfrm>
-              <a:off x="276836" y="1805111"/>
+              <a:off x="286055" y="1807531"/>
               <a:ext cx="2171089" cy="276999"/>
             </a:xfrm>
             <a:prstGeom prst="rect">
@@ -18886,7 +19435,7 @@
                     <a:schemeClr val="bg1"/>
                   </a:solidFill>
                 </a:rPr>
-                <a:t>커뮤니티</a:t>
+                <a:t>이미지 검색</a:t>
               </a:r>
               <a:endParaRPr lang="en-US" altLang="ko-KR" sz="1200" dirty="0">
                 <a:solidFill>
@@ -19719,7 +20268,7 @@
           <p:cNvPr id="2" name="TextBox 1">
             <a:extLst>
               <a:ext uri="{FF2B5EF4-FFF2-40B4-BE49-F238E27FC236}">
-                <a16:creationId xmlns:a16="http://schemas.microsoft.com/office/drawing/2014/main" id="{58508F00-E4A8-1F5B-A8D0-7F95C6F506EF}"/>
+                <a16:creationId xmlns:a16="http://schemas.microsoft.com/office/drawing/2014/main" id="{62B9EB77-DD1D-FACD-C2AD-ABB952AD8618}"/>
               </a:ext>
             </a:extLst>
           </p:cNvPr>
@@ -19744,17 +20293,138 @@
           <a:p>
             <a:r>
               <a:rPr lang="ko-KR" altLang="en-US" sz="2800" b="1" dirty="0"/>
-              <a:t>커뮤니티</a:t>
+              <a:t>이미지 검색</a:t>
             </a:r>
           </a:p>
         </p:txBody>
       </p:sp>
       <p:sp>
         <p:nvSpPr>
-          <p:cNvPr id="5" name="Rectangle 4">
+          <p:cNvPr id="3" name="TextBox 2">
             <a:extLst>
               <a:ext uri="{FF2B5EF4-FFF2-40B4-BE49-F238E27FC236}">
-                <a16:creationId xmlns:a16="http://schemas.microsoft.com/office/drawing/2014/main" id="{D5A43CA0-6FD9-37B8-E06F-2FDA4B3C8C4A}"/>
+                <a16:creationId xmlns:a16="http://schemas.microsoft.com/office/drawing/2014/main" id="{4B7E999F-F108-27B2-71C1-E732DF74260A}"/>
+              </a:ext>
+            </a:extLst>
+          </p:cNvPr>
+          <p:cNvSpPr txBox="1"/>
+          <p:nvPr/>
+        </p:nvSpPr>
+        <p:spPr>
+          <a:xfrm>
+            <a:off x="3899647" y="1092701"/>
+            <a:ext cx="4849906" cy="3139321"/>
+          </a:xfrm>
+          <a:prstGeom prst="rect">
+            <a:avLst/>
+          </a:prstGeom>
+          <a:noFill/>
+          <a:ln w="28575">
+            <a:solidFill>
+              <a:schemeClr val="bg2">
+                <a:lumMod val="75000"/>
+              </a:schemeClr>
+            </a:solidFill>
+          </a:ln>
+        </p:spPr>
+        <p:txBody>
+          <a:bodyPr wrap="square" rtlCol="0">
+            <a:spAutoFit/>
+          </a:bodyPr>
+          <a:lstStyle/>
+          <a:p>
+            <a:endParaRPr lang="en-US" altLang="ko-KR" dirty="0"/>
+          </a:p>
+          <a:p>
+            <a:endParaRPr lang="en-US" altLang="ko-KR" dirty="0"/>
+          </a:p>
+          <a:p>
+            <a:endParaRPr lang="en-US" altLang="ko-KR" dirty="0"/>
+          </a:p>
+          <a:p>
+            <a:endParaRPr lang="en-US" altLang="ko-KR" dirty="0"/>
+          </a:p>
+          <a:p>
+            <a:endParaRPr lang="en-US" altLang="ko-KR" dirty="0"/>
+          </a:p>
+          <a:p>
+            <a:pPr algn="ctr"/>
+            <a:r>
+              <a:rPr lang="ko-KR" altLang="en-US" dirty="0">
+                <a:solidFill>
+                  <a:schemeClr val="bg2">
+                    <a:lumMod val="75000"/>
+                  </a:schemeClr>
+                </a:solidFill>
+              </a:rPr>
+              <a:t>이미지를 업로드 하세요</a:t>
+            </a:r>
+            <a:endParaRPr lang="en-US" altLang="ko-KR" dirty="0">
+              <a:solidFill>
+                <a:schemeClr val="bg2">
+                  <a:lumMod val="75000"/>
+                </a:schemeClr>
+              </a:solidFill>
+            </a:endParaRPr>
+          </a:p>
+          <a:p>
+            <a:pPr algn="ctr"/>
+            <a:endParaRPr lang="en-US" altLang="ko-KR" dirty="0">
+              <a:solidFill>
+                <a:schemeClr val="bg2">
+                  <a:lumMod val="75000"/>
+                </a:schemeClr>
+              </a:solidFill>
+            </a:endParaRPr>
+          </a:p>
+          <a:p>
+            <a:pPr algn="ctr"/>
+            <a:endParaRPr lang="en-US" altLang="ko-KR" dirty="0">
+              <a:solidFill>
+                <a:schemeClr val="bg2">
+                  <a:lumMod val="75000"/>
+                </a:schemeClr>
+              </a:solidFill>
+            </a:endParaRPr>
+          </a:p>
+          <a:p>
+            <a:pPr algn="ctr"/>
+            <a:endParaRPr lang="en-US" altLang="ko-KR" dirty="0">
+              <a:solidFill>
+                <a:schemeClr val="bg2">
+                  <a:lumMod val="75000"/>
+                </a:schemeClr>
+              </a:solidFill>
+            </a:endParaRPr>
+          </a:p>
+          <a:p>
+            <a:pPr algn="ctr"/>
+            <a:endParaRPr lang="en-US" altLang="ko-KR" dirty="0">
+              <a:solidFill>
+                <a:schemeClr val="bg2">
+                  <a:lumMod val="75000"/>
+                </a:schemeClr>
+              </a:solidFill>
+            </a:endParaRPr>
+          </a:p>
+          <a:p>
+            <a:pPr algn="ctr"/>
+            <a:endParaRPr lang="ko-KR" altLang="en-US" dirty="0">
+              <a:solidFill>
+                <a:schemeClr val="bg2">
+                  <a:lumMod val="75000"/>
+                </a:schemeClr>
+              </a:solidFill>
+            </a:endParaRPr>
+          </a:p>
+        </p:txBody>
+      </p:sp>
+      <p:sp>
+        <p:nvSpPr>
+          <p:cNvPr id="7" name="Rectangle 6">
+            <a:extLst>
+              <a:ext uri="{FF2B5EF4-FFF2-40B4-BE49-F238E27FC236}">
+                <a16:creationId xmlns:a16="http://schemas.microsoft.com/office/drawing/2014/main" id="{3B3E2848-3D04-D668-5F70-4F8290DAB55F}"/>
               </a:ext>
             </a:extLst>
           </p:cNvPr>
@@ -19763,8 +20433,8 @@
         </p:nvSpPr>
         <p:spPr>
           <a:xfrm>
-            <a:off x="8513876" y="1080381"/>
-            <a:ext cx="959219" cy="345007"/>
+            <a:off x="5869164" y="4326431"/>
+            <a:ext cx="1374317" cy="363574"/>
           </a:xfrm>
           <a:prstGeom prst="rect">
             <a:avLst/>
@@ -19792,8 +20462,57 @@
           <a:p>
             <a:pPr algn="ctr"/>
             <a:r>
-              <a:rPr lang="ko-KR" altLang="en-US" sz="1200" b="1" dirty="0"/>
-              <a:t>작성</a:t>
+              <a:rPr lang="ko-KR" altLang="en-US" sz="1400" dirty="0"/>
+              <a:t>파일찾기</a:t>
+            </a:r>
+          </a:p>
+        </p:txBody>
+      </p:sp>
+      <p:sp>
+        <p:nvSpPr>
+          <p:cNvPr id="8" name="Rectangle 7">
+            <a:extLst>
+              <a:ext uri="{FF2B5EF4-FFF2-40B4-BE49-F238E27FC236}">
+                <a16:creationId xmlns:a16="http://schemas.microsoft.com/office/drawing/2014/main" id="{EC548982-C1EF-D679-38A4-127F99607277}"/>
+              </a:ext>
+            </a:extLst>
+          </p:cNvPr>
+          <p:cNvSpPr/>
+          <p:nvPr/>
+        </p:nvSpPr>
+        <p:spPr>
+          <a:xfrm>
+            <a:off x="7375236" y="4326431"/>
+            <a:ext cx="1374317" cy="363574"/>
+          </a:xfrm>
+          <a:prstGeom prst="rect">
+            <a:avLst/>
+          </a:prstGeom>
+        </p:spPr>
+        <p:style>
+          <a:lnRef idx="2">
+            <a:schemeClr val="accent1">
+              <a:shade val="50000"/>
+            </a:schemeClr>
+          </a:lnRef>
+          <a:fillRef idx="1">
+            <a:schemeClr val="accent1"/>
+          </a:fillRef>
+          <a:effectRef idx="0">
+            <a:schemeClr val="accent1"/>
+          </a:effectRef>
+          <a:fontRef idx="minor">
+            <a:schemeClr val="lt1"/>
+          </a:fontRef>
+        </p:style>
+        <p:txBody>
+          <a:bodyPr rtlCol="0" anchor="ctr"/>
+          <a:lstStyle/>
+          <a:p>
+            <a:pPr algn="ctr"/>
+            <a:r>
+              <a:rPr lang="ko-KR" altLang="en-US" sz="1400" dirty="0"/>
+              <a:t>검색하기</a:t>
             </a:r>
           </a:p>
         </p:txBody>
@@ -19801,7 +20520,7 @@
     </p:spTree>
     <p:extLst>
       <p:ext uri="{BB962C8B-B14F-4D97-AF65-F5344CB8AC3E}">
-        <p14:creationId xmlns:p14="http://schemas.microsoft.com/office/powerpoint/2010/main" val="154078480"/>
+        <p14:creationId xmlns:p14="http://schemas.microsoft.com/office/powerpoint/2010/main" val="3060962209"/>
       </p:ext>
     </p:extLst>
   </p:cSld>
@@ -19849,7 +20568,10 @@
             <a:avLst/>
           </a:prstGeom>
           <a:solidFill>
-            <a:srgbClr val="0090D0"/>
+            <a:schemeClr val="accent1">
+              <a:lumMod val="60000"/>
+              <a:lumOff val="40000"/>
+            </a:schemeClr>
           </a:solidFill>
           <a:ln>
             <a:noFill/>
@@ -20071,6 +20793,14 @@
             </a:bodyPr>
             <a:lstStyle/>
             <a:p>
+              <a:r>
+                <a:rPr lang="ko-KR" altLang="en-US" sz="1200" dirty="0">
+                  <a:solidFill>
+                    <a:schemeClr val="bg1"/>
+                  </a:solidFill>
+                </a:rPr>
+                <a:t>검색결과</a:t>
+              </a:r>
               <a:endParaRPr lang="en-US" altLang="ko-KR" sz="1200" dirty="0">
                 <a:solidFill>
                   <a:schemeClr val="bg1"/>
@@ -20447,7 +21177,7 @@
         <p:spPr>
           <a:xfrm>
             <a:off x="3020037" y="5781724"/>
-            <a:ext cx="2466366" cy="276999"/>
+            <a:ext cx="2466366" cy="830997"/>
           </a:xfrm>
           <a:prstGeom prst="rect">
             <a:avLst/>
@@ -20459,6 +21189,39 @@
             <a:spAutoFit/>
           </a:bodyPr>
           <a:lstStyle/>
+          <a:p>
+            <a:r>
+              <a:rPr lang="en-US" altLang="ko-KR" sz="1200" dirty="0"/>
+              <a:t> - </a:t>
+            </a:r>
+            <a:r>
+              <a:rPr lang="ko-KR" altLang="en-US" sz="1200" dirty="0"/>
+              <a:t>화면설명 입력</a:t>
+            </a:r>
+            <a:endParaRPr lang="en-US" altLang="ko-KR" sz="1200" dirty="0"/>
+          </a:p>
+          <a:p>
+            <a:r>
+              <a:rPr lang="en-US" altLang="ko-KR" sz="1200" dirty="0"/>
+              <a:t> - </a:t>
+            </a:r>
+            <a:r>
+              <a:rPr lang="ko-KR" altLang="en-US" sz="1200" dirty="0"/>
+              <a:t>화면설명 입력</a:t>
+            </a:r>
+            <a:endParaRPr lang="en-US" altLang="ko-KR" sz="1200" dirty="0"/>
+          </a:p>
+          <a:p>
+            <a:r>
+              <a:rPr lang="en-US" altLang="ko-KR" sz="1200" dirty="0"/>
+              <a:t> - </a:t>
+            </a:r>
+            <a:r>
+              <a:rPr lang="ko-KR" altLang="en-US" sz="1200" dirty="0"/>
+              <a:t>화면설명 입력</a:t>
+            </a:r>
+            <a:endParaRPr lang="en-US" altLang="ko-KR" sz="1200" dirty="0"/>
+          </a:p>
           <a:p>
             <a:r>
               <a:rPr lang="en-US" altLang="ko-KR" sz="1200" dirty="0"/>
@@ -20487,9 +21250,9 @@
         <p:grpSpPr>
           <a:xfrm>
             <a:off x="276836" y="3936433"/>
-            <a:ext cx="2171089" cy="792743"/>
+            <a:ext cx="2171089" cy="2270070"/>
             <a:chOff x="276836" y="269845"/>
-            <a:chExt cx="2171089" cy="792743"/>
+            <a:chExt cx="2171089" cy="2270070"/>
           </a:xfrm>
         </p:grpSpPr>
         <p:sp>
@@ -20546,7 +21309,7 @@
           <p:spPr>
             <a:xfrm>
               <a:off x="276836" y="600923"/>
-              <a:ext cx="2171089" cy="461665"/>
+              <a:ext cx="2171089" cy="1938992"/>
             </a:xfrm>
             <a:prstGeom prst="rect">
               <a:avLst/>
@@ -20588,8 +21351,205 @@
                     <a:schemeClr val="bg1"/>
                   </a:solidFill>
                 </a:rPr>
-                <a:t> </a:t>
-              </a:r>
+                <a:t> - </a:t>
+              </a:r>
+              <a:r>
+                <a:rPr lang="ko-KR" altLang="en-US" sz="1200" dirty="0">
+                  <a:solidFill>
+                    <a:schemeClr val="bg1"/>
+                  </a:solidFill>
+                </a:rPr>
+                <a:t>유의사항 입력</a:t>
+              </a:r>
+              <a:endParaRPr lang="en-US" altLang="ko-KR" sz="1200" dirty="0">
+                <a:solidFill>
+                  <a:schemeClr val="bg1"/>
+                </a:solidFill>
+              </a:endParaRPr>
+            </a:p>
+            <a:p>
+              <a:r>
+                <a:rPr lang="en-US" altLang="ko-KR" sz="1200" dirty="0">
+                  <a:solidFill>
+                    <a:schemeClr val="bg1"/>
+                  </a:solidFill>
+                </a:rPr>
+                <a:t> - </a:t>
+              </a:r>
+              <a:r>
+                <a:rPr lang="ko-KR" altLang="en-US" sz="1200" dirty="0">
+                  <a:solidFill>
+                    <a:schemeClr val="bg1"/>
+                  </a:solidFill>
+                </a:rPr>
+                <a:t>유의사항 입력</a:t>
+              </a:r>
+              <a:endParaRPr lang="en-US" altLang="ko-KR" sz="1200" dirty="0">
+                <a:solidFill>
+                  <a:schemeClr val="bg1"/>
+                </a:solidFill>
+              </a:endParaRPr>
+            </a:p>
+            <a:p>
+              <a:r>
+                <a:rPr lang="en-US" altLang="ko-KR" sz="1200" dirty="0">
+                  <a:solidFill>
+                    <a:schemeClr val="bg1"/>
+                  </a:solidFill>
+                </a:rPr>
+                <a:t> - </a:t>
+              </a:r>
+              <a:r>
+                <a:rPr lang="ko-KR" altLang="en-US" sz="1200" dirty="0">
+                  <a:solidFill>
+                    <a:schemeClr val="bg1"/>
+                  </a:solidFill>
+                </a:rPr>
+                <a:t>유의사항 입력</a:t>
+              </a:r>
+              <a:endParaRPr lang="en-US" altLang="ko-KR" sz="1200" dirty="0">
+                <a:solidFill>
+                  <a:schemeClr val="bg1"/>
+                </a:solidFill>
+              </a:endParaRPr>
+            </a:p>
+            <a:p>
+              <a:r>
+                <a:rPr lang="en-US" altLang="ko-KR" sz="1200" dirty="0">
+                  <a:solidFill>
+                    <a:schemeClr val="bg1"/>
+                  </a:solidFill>
+                </a:rPr>
+                <a:t> - </a:t>
+              </a:r>
+              <a:r>
+                <a:rPr lang="ko-KR" altLang="en-US" sz="1200" dirty="0">
+                  <a:solidFill>
+                    <a:schemeClr val="bg1"/>
+                  </a:solidFill>
+                </a:rPr>
+                <a:t>유의사항 입력</a:t>
+              </a:r>
+              <a:endParaRPr lang="en-US" altLang="ko-KR" sz="1200" dirty="0">
+                <a:solidFill>
+                  <a:schemeClr val="bg1"/>
+                </a:solidFill>
+              </a:endParaRPr>
+            </a:p>
+            <a:p>
+              <a:r>
+                <a:rPr lang="en-US" altLang="ko-KR" sz="1200" dirty="0">
+                  <a:solidFill>
+                    <a:schemeClr val="bg1"/>
+                  </a:solidFill>
+                </a:rPr>
+                <a:t> - </a:t>
+              </a:r>
+              <a:r>
+                <a:rPr lang="ko-KR" altLang="en-US" sz="1200" dirty="0">
+                  <a:solidFill>
+                    <a:schemeClr val="bg1"/>
+                  </a:solidFill>
+                </a:rPr>
+                <a:t>유의사항 입력</a:t>
+              </a:r>
+              <a:endParaRPr lang="en-US" altLang="ko-KR" sz="1200" dirty="0">
+                <a:solidFill>
+                  <a:schemeClr val="bg1"/>
+                </a:solidFill>
+              </a:endParaRPr>
+            </a:p>
+            <a:p>
+              <a:r>
+                <a:rPr lang="en-US" altLang="ko-KR" sz="1200" dirty="0">
+                  <a:solidFill>
+                    <a:schemeClr val="bg1"/>
+                  </a:solidFill>
+                </a:rPr>
+                <a:t> - </a:t>
+              </a:r>
+              <a:r>
+                <a:rPr lang="ko-KR" altLang="en-US" sz="1200" dirty="0">
+                  <a:solidFill>
+                    <a:schemeClr val="bg1"/>
+                  </a:solidFill>
+                </a:rPr>
+                <a:t>유의사항 입력</a:t>
+              </a:r>
+              <a:endParaRPr lang="en-US" altLang="ko-KR" sz="1200" dirty="0">
+                <a:solidFill>
+                  <a:schemeClr val="bg1"/>
+                </a:solidFill>
+              </a:endParaRPr>
+            </a:p>
+            <a:p>
+              <a:r>
+                <a:rPr lang="en-US" altLang="ko-KR" sz="1200" dirty="0">
+                  <a:solidFill>
+                    <a:schemeClr val="bg1"/>
+                  </a:solidFill>
+                </a:rPr>
+                <a:t> - </a:t>
+              </a:r>
+              <a:r>
+                <a:rPr lang="ko-KR" altLang="en-US" sz="1200" dirty="0">
+                  <a:solidFill>
+                    <a:schemeClr val="bg1"/>
+                  </a:solidFill>
+                </a:rPr>
+                <a:t>유의사항 입력</a:t>
+              </a:r>
+              <a:endParaRPr lang="en-US" altLang="ko-KR" sz="1200" dirty="0">
+                <a:solidFill>
+                  <a:schemeClr val="bg1"/>
+                </a:solidFill>
+              </a:endParaRPr>
+            </a:p>
+            <a:p>
+              <a:r>
+                <a:rPr lang="en-US" altLang="ko-KR" sz="1200" dirty="0">
+                  <a:solidFill>
+                    <a:schemeClr val="bg1"/>
+                  </a:solidFill>
+                </a:rPr>
+                <a:t> - </a:t>
+              </a:r>
+              <a:r>
+                <a:rPr lang="ko-KR" altLang="en-US" sz="1200" dirty="0">
+                  <a:solidFill>
+                    <a:schemeClr val="bg1"/>
+                  </a:solidFill>
+                </a:rPr>
+                <a:t>유의사항 입력</a:t>
+              </a:r>
+              <a:endParaRPr lang="en-US" altLang="ko-KR" sz="1200" dirty="0">
+                <a:solidFill>
+                  <a:schemeClr val="bg1"/>
+                </a:solidFill>
+              </a:endParaRPr>
+            </a:p>
+            <a:p>
+              <a:r>
+                <a:rPr lang="en-US" altLang="ko-KR" sz="1200" dirty="0">
+                  <a:solidFill>
+                    <a:schemeClr val="bg1"/>
+                  </a:solidFill>
+                </a:rPr>
+                <a:t> - </a:t>
+              </a:r>
+              <a:r>
+                <a:rPr lang="ko-KR" altLang="en-US" sz="1200" dirty="0">
+                  <a:solidFill>
+                    <a:schemeClr val="bg1"/>
+                  </a:solidFill>
+                </a:rPr>
+                <a:t>유의사항 입력</a:t>
+              </a:r>
+              <a:endParaRPr lang="en-US" altLang="ko-KR" sz="1200" dirty="0">
+                <a:solidFill>
+                  <a:schemeClr val="bg1"/>
+                </a:solidFill>
+              </a:endParaRPr>
             </a:p>
           </p:txBody>
         </p:sp>
@@ -20609,7 +21569,7 @@
         <p:spPr>
           <a:xfrm>
             <a:off x="5763239" y="5781723"/>
-            <a:ext cx="2466366" cy="276999"/>
+            <a:ext cx="2466366" cy="830997"/>
           </a:xfrm>
           <a:prstGeom prst="rect">
             <a:avLst/>
@@ -20632,12 +21592,326 @@
             </a:r>
             <a:endParaRPr lang="en-US" altLang="ko-KR" sz="1200" dirty="0"/>
           </a:p>
+          <a:p>
+            <a:r>
+              <a:rPr lang="en-US" altLang="ko-KR" sz="1200" dirty="0"/>
+              <a:t> - </a:t>
+            </a:r>
+            <a:r>
+              <a:rPr lang="ko-KR" altLang="en-US" sz="1200" dirty="0"/>
+              <a:t>화면설명 입력</a:t>
+            </a:r>
+            <a:endParaRPr lang="en-US" altLang="ko-KR" sz="1200" dirty="0"/>
+          </a:p>
+          <a:p>
+            <a:r>
+              <a:rPr lang="en-US" altLang="ko-KR" sz="1200" dirty="0"/>
+              <a:t> - </a:t>
+            </a:r>
+            <a:r>
+              <a:rPr lang="ko-KR" altLang="en-US" sz="1200" dirty="0"/>
+              <a:t>화면설명 입력</a:t>
+            </a:r>
+            <a:endParaRPr lang="en-US" altLang="ko-KR" sz="1200" dirty="0"/>
+          </a:p>
+          <a:p>
+            <a:r>
+              <a:rPr lang="en-US" altLang="ko-KR" sz="1200" dirty="0"/>
+              <a:t> - </a:t>
+            </a:r>
+            <a:r>
+              <a:rPr lang="ko-KR" altLang="en-US" sz="1200" dirty="0"/>
+              <a:t>화면설명 입력</a:t>
+            </a:r>
+            <a:endParaRPr lang="en-US" altLang="ko-KR" sz="1200" dirty="0"/>
+          </a:p>
+        </p:txBody>
+      </p:sp>
+      <p:sp>
+        <p:nvSpPr>
+          <p:cNvPr id="2" name="TextBox 1">
+            <a:extLst>
+              <a:ext uri="{FF2B5EF4-FFF2-40B4-BE49-F238E27FC236}">
+                <a16:creationId xmlns:a16="http://schemas.microsoft.com/office/drawing/2014/main" id="{E87EA39F-0A51-30A6-0D35-5685442DB7DA}"/>
+              </a:ext>
+            </a:extLst>
+          </p:cNvPr>
+          <p:cNvSpPr txBox="1"/>
+          <p:nvPr/>
+        </p:nvSpPr>
+        <p:spPr>
+          <a:xfrm>
+            <a:off x="5233991" y="439122"/>
+            <a:ext cx="5991228" cy="523220"/>
+          </a:xfrm>
+          <a:prstGeom prst="rect">
+            <a:avLst/>
+          </a:prstGeom>
+          <a:noFill/>
+        </p:spPr>
+        <p:txBody>
+          <a:bodyPr wrap="square" rtlCol="0">
+            <a:spAutoFit/>
+          </a:bodyPr>
+          <a:lstStyle/>
+          <a:p>
+            <a:r>
+              <a:rPr lang="ko-KR" altLang="en-US" sz="2800" b="1" dirty="0"/>
+              <a:t>검색 결과</a:t>
+            </a:r>
+          </a:p>
+        </p:txBody>
+      </p:sp>
+      <p:sp>
+        <p:nvSpPr>
+          <p:cNvPr id="8" name="TextBox 7">
+            <a:extLst>
+              <a:ext uri="{FF2B5EF4-FFF2-40B4-BE49-F238E27FC236}">
+                <a16:creationId xmlns:a16="http://schemas.microsoft.com/office/drawing/2014/main" id="{0EB984FF-9DDE-1F95-5CF2-7D53B39867E6}"/>
+              </a:ext>
+            </a:extLst>
+          </p:cNvPr>
+          <p:cNvSpPr txBox="1"/>
+          <p:nvPr/>
+        </p:nvSpPr>
+        <p:spPr>
+          <a:xfrm>
+            <a:off x="6166655" y="1591506"/>
+            <a:ext cx="1416423" cy="369332"/>
+          </a:xfrm>
+          <a:prstGeom prst="rect">
+            <a:avLst/>
+          </a:prstGeom>
+          <a:noFill/>
+        </p:spPr>
+        <p:txBody>
+          <a:bodyPr wrap="square" rtlCol="0">
+            <a:spAutoFit/>
+          </a:bodyPr>
+          <a:lstStyle/>
+          <a:p>
+            <a:r>
+              <a:rPr lang="ko-KR" altLang="en-US" b="1" dirty="0"/>
+              <a:t>브랜드명</a:t>
+            </a:r>
+          </a:p>
+        </p:txBody>
+      </p:sp>
+      <p:sp>
+        <p:nvSpPr>
+          <p:cNvPr id="9" name="TextBox 8">
+            <a:extLst>
+              <a:ext uri="{FF2B5EF4-FFF2-40B4-BE49-F238E27FC236}">
+                <a16:creationId xmlns:a16="http://schemas.microsoft.com/office/drawing/2014/main" id="{5A53E14F-160E-B1C6-7C54-7B10387B30B9}"/>
+              </a:ext>
+            </a:extLst>
+          </p:cNvPr>
+          <p:cNvSpPr txBox="1"/>
+          <p:nvPr/>
+        </p:nvSpPr>
+        <p:spPr>
+          <a:xfrm>
+            <a:off x="6166656" y="2908139"/>
+            <a:ext cx="1416423" cy="369332"/>
+          </a:xfrm>
+          <a:prstGeom prst="rect">
+            <a:avLst/>
+          </a:prstGeom>
+          <a:noFill/>
+        </p:spPr>
+        <p:txBody>
+          <a:bodyPr wrap="square" rtlCol="0">
+            <a:spAutoFit/>
+          </a:bodyPr>
+          <a:lstStyle/>
+          <a:p>
+            <a:r>
+              <a:rPr lang="ko-KR" altLang="en-US" b="1" dirty="0"/>
+              <a:t>제품명</a:t>
+            </a:r>
+          </a:p>
+        </p:txBody>
+      </p:sp>
+      <p:sp>
+        <p:nvSpPr>
+          <p:cNvPr id="21" name="Rectangle 20">
+            <a:extLst>
+              <a:ext uri="{FF2B5EF4-FFF2-40B4-BE49-F238E27FC236}">
+                <a16:creationId xmlns:a16="http://schemas.microsoft.com/office/drawing/2014/main" id="{CAA30DD6-4440-642C-B93E-18BC443B2693}"/>
+              </a:ext>
+            </a:extLst>
+          </p:cNvPr>
+          <p:cNvSpPr/>
+          <p:nvPr/>
+        </p:nvSpPr>
+        <p:spPr>
+          <a:xfrm>
+            <a:off x="6726945" y="4309858"/>
+            <a:ext cx="2064599" cy="523220"/>
+          </a:xfrm>
+          <a:prstGeom prst="rect">
+            <a:avLst/>
+          </a:prstGeom>
+        </p:spPr>
+        <p:style>
+          <a:lnRef idx="2">
+            <a:schemeClr val="accent1">
+              <a:shade val="50000"/>
+            </a:schemeClr>
+          </a:lnRef>
+          <a:fillRef idx="1">
+            <a:schemeClr val="accent1"/>
+          </a:fillRef>
+          <a:effectRef idx="0">
+            <a:schemeClr val="accent1"/>
+          </a:effectRef>
+          <a:fontRef idx="minor">
+            <a:schemeClr val="lt1"/>
+          </a:fontRef>
+        </p:style>
+        <p:txBody>
+          <a:bodyPr rtlCol="0" anchor="ctr"/>
+          <a:lstStyle/>
+          <a:p>
+            <a:pPr algn="ctr"/>
+            <a:r>
+              <a:rPr lang="ko-KR" altLang="en-US" sz="1400" dirty="0"/>
+              <a:t>판매 사이트 바로가기</a:t>
+            </a:r>
+          </a:p>
+        </p:txBody>
+      </p:sp>
+      <p:pic>
+        <p:nvPicPr>
+          <p:cNvPr id="25" name="Picture 24">
+            <a:extLst>
+              <a:ext uri="{FF2B5EF4-FFF2-40B4-BE49-F238E27FC236}">
+                <a16:creationId xmlns:a16="http://schemas.microsoft.com/office/drawing/2014/main" id="{3A47884F-2396-350D-4B48-6518D56C2503}"/>
+              </a:ext>
+            </a:extLst>
+          </p:cNvPr>
+          <p:cNvPicPr>
+            <a:picLocks noChangeAspect="1"/>
+          </p:cNvPicPr>
+          <p:nvPr/>
+        </p:nvPicPr>
+        <p:blipFill>
+          <a:blip r:embed="rId2"/>
+          <a:stretch>
+            <a:fillRect/>
+          </a:stretch>
+        </p:blipFill>
+        <p:spPr>
+          <a:xfrm>
+            <a:off x="7759245" y="1571938"/>
+            <a:ext cx="1158340" cy="434378"/>
+          </a:xfrm>
+          <a:prstGeom prst="rect">
+            <a:avLst/>
+          </a:prstGeom>
+        </p:spPr>
+      </p:pic>
+      <p:pic>
+        <p:nvPicPr>
+          <p:cNvPr id="35" name="Picture 34">
+            <a:extLst>
+              <a:ext uri="{FF2B5EF4-FFF2-40B4-BE49-F238E27FC236}">
+                <a16:creationId xmlns:a16="http://schemas.microsoft.com/office/drawing/2014/main" id="{E8A8CC92-40F6-A550-FC9F-3CDAB08D5D64}"/>
+              </a:ext>
+            </a:extLst>
+          </p:cNvPr>
+          <p:cNvPicPr>
+            <a:picLocks noChangeAspect="1"/>
+          </p:cNvPicPr>
+          <p:nvPr/>
+        </p:nvPicPr>
+        <p:blipFill>
+          <a:blip r:embed="rId3"/>
+          <a:stretch>
+            <a:fillRect/>
+          </a:stretch>
+        </p:blipFill>
+        <p:spPr>
+          <a:xfrm>
+            <a:off x="7501162" y="2255417"/>
+            <a:ext cx="1416423" cy="1715446"/>
+          </a:xfrm>
+          <a:prstGeom prst="rect">
+            <a:avLst/>
+          </a:prstGeom>
+        </p:spPr>
+      </p:pic>
+      <p:pic>
+        <p:nvPicPr>
+          <p:cNvPr id="37" name="Picture 36">
+            <a:extLst>
+              <a:ext uri="{FF2B5EF4-FFF2-40B4-BE49-F238E27FC236}">
+                <a16:creationId xmlns:a16="http://schemas.microsoft.com/office/drawing/2014/main" id="{0B1928E4-5090-59A9-1D60-5F4790D37816}"/>
+              </a:ext>
+            </a:extLst>
+          </p:cNvPr>
+          <p:cNvPicPr>
+            <a:picLocks noChangeAspect="1"/>
+          </p:cNvPicPr>
+          <p:nvPr/>
+        </p:nvPicPr>
+        <p:blipFill>
+          <a:blip r:embed="rId4"/>
+          <a:stretch>
+            <a:fillRect/>
+          </a:stretch>
+        </p:blipFill>
+        <p:spPr>
+          <a:xfrm>
+            <a:off x="3179055" y="1083137"/>
+            <a:ext cx="2584183" cy="3879145"/>
+          </a:xfrm>
+          <a:prstGeom prst="rect">
+            <a:avLst/>
+          </a:prstGeom>
+        </p:spPr>
+      </p:pic>
+      <p:sp>
+        <p:nvSpPr>
+          <p:cNvPr id="7" name="TextBox 6">
+            <a:extLst>
+              <a:ext uri="{FF2B5EF4-FFF2-40B4-BE49-F238E27FC236}">
+                <a16:creationId xmlns:a16="http://schemas.microsoft.com/office/drawing/2014/main" id="{DAE8A104-83CC-0A60-1D53-50F5026E078C}"/>
+              </a:ext>
+            </a:extLst>
+          </p:cNvPr>
+          <p:cNvSpPr txBox="1"/>
+          <p:nvPr/>
+        </p:nvSpPr>
+        <p:spPr>
+          <a:xfrm>
+            <a:off x="3958454" y="3980139"/>
+            <a:ext cx="994546" cy="1009936"/>
+          </a:xfrm>
+          <a:prstGeom prst="rect">
+            <a:avLst/>
+          </a:prstGeom>
+          <a:noFill/>
+          <a:ln w="57150">
+            <a:solidFill>
+              <a:srgbClr val="FF0000"/>
+            </a:solidFill>
+          </a:ln>
+        </p:spPr>
+        <p:txBody>
+          <a:bodyPr wrap="square" rtlCol="0">
+            <a:spAutoFit/>
+          </a:bodyPr>
+          <a:lstStyle/>
+          <a:p>
+            <a:endParaRPr lang="ko-KR" altLang="en-US" dirty="0"/>
+          </a:p>
         </p:txBody>
       </p:sp>
     </p:spTree>
     <p:extLst>
       <p:ext uri="{BB962C8B-B14F-4D97-AF65-F5344CB8AC3E}">
-        <p14:creationId xmlns:p14="http://schemas.microsoft.com/office/powerpoint/2010/main" val="3929901952"/>
+        <p14:creationId xmlns:p14="http://schemas.microsoft.com/office/powerpoint/2010/main" val="192743807"/>
       </p:ext>
     </p:extLst>
   </p:cSld>
